--- a/Section02/Section02.pptx
+++ b/Section02/Section02.pptx
@@ -5,11 +5,12 @@
     <p:sldMasterId id="2147483648" r:id="rId1"/>
   </p:sldMasterIdLst>
   <p:notesMasterIdLst>
-    <p:notesMasterId r:id="rId4"/>
+    <p:notesMasterId r:id="rId5"/>
   </p:notesMasterIdLst>
   <p:sldIdLst>
     <p:sldId id="269" r:id="rId2"/>
     <p:sldId id="268" r:id="rId3"/>
+    <p:sldId id="270" r:id="rId4"/>
   </p:sldIdLst>
   <p:sldSz cx="12192000" cy="6858000"/>
   <p:notesSz cx="6858000" cy="9144000"/>
@@ -198,7 +199,7 @@
           <a:p>
             <a:fld id="{1F8A4C29-C830-4B9E-A1E4-B5E2AE1D7869}" type="datetimeFigureOut">
               <a:rPr lang="en-US" smtClean="0"/>
-              <a:t>11/2/2022</a:t>
+              <a:t>11/9/2022</a:t>
             </a:fld>
             <a:endParaRPr lang="en-US"/>
           </a:p>
@@ -699,7 +700,7 @@
           <a:p>
             <a:fld id="{1D34F2E3-3545-4AD3-A31E-9231ACC12138}" type="datetimeFigureOut">
               <a:rPr lang="en-US" smtClean="0"/>
-              <a:t>11/2/2022</a:t>
+              <a:t>11/9/2022</a:t>
             </a:fld>
             <a:endParaRPr lang="en-US"/>
           </a:p>
@@ -899,7 +900,7 @@
           <a:p>
             <a:fld id="{1D34F2E3-3545-4AD3-A31E-9231ACC12138}" type="datetimeFigureOut">
               <a:rPr lang="en-US" smtClean="0"/>
-              <a:t>11/2/2022</a:t>
+              <a:t>11/9/2022</a:t>
             </a:fld>
             <a:endParaRPr lang="en-US"/>
           </a:p>
@@ -1109,7 +1110,7 @@
           <a:p>
             <a:fld id="{1D34F2E3-3545-4AD3-A31E-9231ACC12138}" type="datetimeFigureOut">
               <a:rPr lang="en-US" smtClean="0"/>
-              <a:t>11/2/2022</a:t>
+              <a:t>11/9/2022</a:t>
             </a:fld>
             <a:endParaRPr lang="en-US"/>
           </a:p>
@@ -1309,7 +1310,7 @@
           <a:p>
             <a:fld id="{1D34F2E3-3545-4AD3-A31E-9231ACC12138}" type="datetimeFigureOut">
               <a:rPr lang="en-US" smtClean="0"/>
-              <a:t>11/2/2022</a:t>
+              <a:t>11/9/2022</a:t>
             </a:fld>
             <a:endParaRPr lang="en-US"/>
           </a:p>
@@ -1585,7 +1586,7 @@
           <a:p>
             <a:fld id="{1D34F2E3-3545-4AD3-A31E-9231ACC12138}" type="datetimeFigureOut">
               <a:rPr lang="en-US" smtClean="0"/>
-              <a:t>11/2/2022</a:t>
+              <a:t>11/9/2022</a:t>
             </a:fld>
             <a:endParaRPr lang="en-US"/>
           </a:p>
@@ -1853,7 +1854,7 @@
           <a:p>
             <a:fld id="{1D34F2E3-3545-4AD3-A31E-9231ACC12138}" type="datetimeFigureOut">
               <a:rPr lang="en-US" smtClean="0"/>
-              <a:t>11/2/2022</a:t>
+              <a:t>11/9/2022</a:t>
             </a:fld>
             <a:endParaRPr lang="en-US"/>
           </a:p>
@@ -2268,7 +2269,7 @@
           <a:p>
             <a:fld id="{1D34F2E3-3545-4AD3-A31E-9231ACC12138}" type="datetimeFigureOut">
               <a:rPr lang="en-US" smtClean="0"/>
-              <a:t>11/2/2022</a:t>
+              <a:t>11/9/2022</a:t>
             </a:fld>
             <a:endParaRPr lang="en-US"/>
           </a:p>
@@ -2410,7 +2411,7 @@
           <a:p>
             <a:fld id="{1D34F2E3-3545-4AD3-A31E-9231ACC12138}" type="datetimeFigureOut">
               <a:rPr lang="en-US" smtClean="0"/>
-              <a:t>11/2/2022</a:t>
+              <a:t>11/9/2022</a:t>
             </a:fld>
             <a:endParaRPr lang="en-US"/>
           </a:p>
@@ -2523,7 +2524,7 @@
           <a:p>
             <a:fld id="{1D34F2E3-3545-4AD3-A31E-9231ACC12138}" type="datetimeFigureOut">
               <a:rPr lang="en-US" smtClean="0"/>
-              <a:t>11/2/2022</a:t>
+              <a:t>11/9/2022</a:t>
             </a:fld>
             <a:endParaRPr lang="en-US"/>
           </a:p>
@@ -2836,7 +2837,7 @@
           <a:p>
             <a:fld id="{1D34F2E3-3545-4AD3-A31E-9231ACC12138}" type="datetimeFigureOut">
               <a:rPr lang="en-US" smtClean="0"/>
-              <a:t>11/2/2022</a:t>
+              <a:t>11/9/2022</a:t>
             </a:fld>
             <a:endParaRPr lang="en-US"/>
           </a:p>
@@ -3125,7 +3126,7 @@
           <a:p>
             <a:fld id="{1D34F2E3-3545-4AD3-A31E-9231ACC12138}" type="datetimeFigureOut">
               <a:rPr lang="en-US" smtClean="0"/>
-              <a:t>11/2/2022</a:t>
+              <a:t>11/9/2022</a:t>
             </a:fld>
             <a:endParaRPr lang="en-US"/>
           </a:p>
@@ -3368,7 +3369,7 @@
           <a:p>
             <a:fld id="{1D34F2E3-3545-4AD3-A31E-9231ACC12138}" type="datetimeFigureOut">
               <a:rPr lang="en-US" smtClean="0"/>
-              <a:t>11/2/2022</a:t>
+              <a:t>11/9/2022</a:t>
             </a:fld>
             <a:endParaRPr lang="en-US"/>
           </a:p>
@@ -5414,10 +5415,10 @@
       </p:grpSpPr>
       <p:grpSp>
         <p:nvGrpSpPr>
-          <p:cNvPr id="46" name="Grupo 45">
+          <p:cNvPr id="3" name="Grupo 2">
             <a:extLst>
               <a:ext uri="{FF2B5EF4-FFF2-40B4-BE49-F238E27FC236}">
-                <a16:creationId xmlns:a16="http://schemas.microsoft.com/office/drawing/2014/main" id="{861F122A-61B3-F6C8-9BAD-1013096FF75A}"/>
+                <a16:creationId xmlns:a16="http://schemas.microsoft.com/office/drawing/2014/main" id="{C163BC82-F5B9-2E79-4552-091E0CC6657B}"/>
               </a:ext>
             </a:extLst>
           </p:cNvPr>
@@ -5426,12 +5427,64 @@
         </p:nvGrpSpPr>
         <p:grpSpPr>
           <a:xfrm>
-            <a:off x="1242130" y="1220457"/>
-            <a:ext cx="8550979" cy="4105187"/>
-            <a:chOff x="1212313" y="1220457"/>
-            <a:chExt cx="8550979" cy="4105187"/>
+            <a:off x="1242130" y="1073362"/>
+            <a:ext cx="8667184" cy="4323586"/>
+            <a:chOff x="1242130" y="1073362"/>
+            <a:chExt cx="8667184" cy="4323586"/>
           </a:xfrm>
         </p:grpSpPr>
+        <p:sp>
+          <p:nvSpPr>
+            <p:cNvPr id="2" name="Rectángulo 1">
+              <a:extLst>
+                <a:ext uri="{FF2B5EF4-FFF2-40B4-BE49-F238E27FC236}">
+                  <a16:creationId xmlns:a16="http://schemas.microsoft.com/office/drawing/2014/main" id="{806AA27A-12C4-F66B-778B-638EBBC6049E}"/>
+                </a:ext>
+              </a:extLst>
+            </p:cNvPr>
+            <p:cNvSpPr/>
+            <p:nvPr/>
+          </p:nvSpPr>
+          <p:spPr>
+            <a:xfrm>
+              <a:off x="1371600" y="1073362"/>
+              <a:ext cx="8537714" cy="4323586"/>
+            </a:xfrm>
+            <a:prstGeom prst="rect">
+              <a:avLst/>
+            </a:prstGeom>
+            <a:solidFill>
+              <a:schemeClr val="bg1"/>
+            </a:solidFill>
+            <a:ln>
+              <a:noFill/>
+            </a:ln>
+          </p:spPr>
+          <p:style>
+            <a:lnRef idx="2">
+              <a:schemeClr val="accent1">
+                <a:shade val="50000"/>
+              </a:schemeClr>
+            </a:lnRef>
+            <a:fillRef idx="1">
+              <a:schemeClr val="accent1"/>
+            </a:fillRef>
+            <a:effectRef idx="0">
+              <a:schemeClr val="accent1"/>
+            </a:effectRef>
+            <a:fontRef idx="minor">
+              <a:schemeClr val="lt1"/>
+            </a:fontRef>
+          </p:style>
+          <p:txBody>
+            <a:bodyPr rtlCol="0" anchor="ctr"/>
+            <a:lstStyle/>
+            <a:p>
+              <a:pPr algn="ctr"/>
+              <a:endParaRPr lang="en-US"/>
+            </a:p>
+          </p:txBody>
+        </p:sp>
         <p:sp>
           <p:nvSpPr>
             <p:cNvPr id="19" name="Rectángulo 18">
@@ -5446,7 +5499,7 @@
           </p:nvSpPr>
           <p:spPr>
             <a:xfrm>
-              <a:off x="2475153" y="3355450"/>
+              <a:off x="2504970" y="3355450"/>
               <a:ext cx="6665162" cy="1970193"/>
             </a:xfrm>
             <a:prstGeom prst="rect">
@@ -5500,7 +5553,7 @@
           </p:nvSpPr>
           <p:spPr>
             <a:xfrm rot="180000">
-              <a:off x="2361040" y="3063464"/>
+              <a:off x="2390857" y="3063464"/>
               <a:ext cx="6893388" cy="1230464"/>
             </a:xfrm>
             <a:prstGeom prst="rect">
@@ -5554,7 +5607,7 @@
           </p:nvCxnSpPr>
           <p:spPr>
             <a:xfrm flipV="1">
-              <a:off x="2475153" y="1628771"/>
+              <a:off x="2504970" y="1628771"/>
               <a:ext cx="0" cy="3696873"/>
             </a:xfrm>
             <a:prstGeom prst="line">
@@ -5600,7 +5653,7 @@
           </p:nvCxnSpPr>
           <p:spPr>
             <a:xfrm flipV="1">
-              <a:off x="9140320" y="1628771"/>
+              <a:off x="9170137" y="1628771"/>
               <a:ext cx="0" cy="3696873"/>
             </a:xfrm>
             <a:prstGeom prst="line">
@@ -5646,7 +5699,7 @@
           </p:nvCxnSpPr>
           <p:spPr>
             <a:xfrm flipV="1">
-              <a:off x="5807737" y="1628771"/>
+              <a:off x="5837554" y="1628771"/>
               <a:ext cx="0" cy="3696873"/>
             </a:xfrm>
             <a:prstGeom prst="line">
@@ -5692,7 +5745,7 @@
           </p:nvCxnSpPr>
           <p:spPr>
             <a:xfrm>
-              <a:off x="2037962" y="4106847"/>
+              <a:off x="2067779" y="4106847"/>
               <a:ext cx="7678885" cy="373832"/>
             </a:xfrm>
             <a:prstGeom prst="line">
@@ -5737,7 +5790,7 @@
           </p:nvCxnSpPr>
           <p:spPr>
             <a:xfrm>
-              <a:off x="2037962" y="2149240"/>
+              <a:off x="2067779" y="2149240"/>
               <a:ext cx="7725330" cy="458177"/>
             </a:xfrm>
             <a:prstGeom prst="line">
@@ -5774,7 +5827,7 @@
           </p:nvSpPr>
           <p:spPr>
             <a:xfrm rot="10800000">
-              <a:off x="8082038" y="2350336"/>
+              <a:off x="8111855" y="2350336"/>
               <a:ext cx="324378" cy="160072"/>
             </a:xfrm>
             <a:prstGeom prst="triangle">
@@ -5821,7 +5874,7 @@
           </p:nvCxnSpPr>
           <p:spPr>
             <a:xfrm>
-              <a:off x="8107062" y="2558862"/>
+              <a:off x="8136879" y="2558862"/>
               <a:ext cx="274330" cy="0"/>
             </a:xfrm>
             <a:prstGeom prst="line">
@@ -5860,7 +5913,7 @@
           </p:nvCxnSpPr>
           <p:spPr>
             <a:xfrm>
-              <a:off x="8166034" y="2627442"/>
+              <a:off x="8195851" y="2627442"/>
               <a:ext cx="156387" cy="0"/>
             </a:xfrm>
             <a:prstGeom prst="line">
@@ -5899,7 +5952,7 @@
           </p:nvCxnSpPr>
           <p:spPr>
             <a:xfrm>
-              <a:off x="8198502" y="2696022"/>
+              <a:off x="8228319" y="2696022"/>
               <a:ext cx="91450" cy="0"/>
             </a:xfrm>
             <a:prstGeom prst="line">
@@ -5938,7 +5991,7 @@
           </p:nvCxnSpPr>
           <p:spPr>
             <a:xfrm>
-              <a:off x="2037962" y="5325644"/>
+              <a:off x="2067779" y="5325644"/>
               <a:ext cx="7632440" cy="0"/>
             </a:xfrm>
             <a:prstGeom prst="line">
@@ -5983,7 +6036,7 @@
           </p:nvCxnSpPr>
           <p:spPr>
             <a:xfrm flipV="1">
-              <a:off x="4101519" y="2310580"/>
+              <a:off x="4131336" y="2310580"/>
               <a:ext cx="0" cy="2975307"/>
             </a:xfrm>
             <a:prstGeom prst="line">
@@ -6029,7 +6082,7 @@
           </p:nvCxnSpPr>
           <p:spPr>
             <a:xfrm flipV="1">
-              <a:off x="7474197" y="2470652"/>
+              <a:off x="7504014" y="2470652"/>
               <a:ext cx="0" cy="2811822"/>
             </a:xfrm>
             <a:prstGeom prst="line">
@@ -6075,7 +6128,7 @@
           </p:nvCxnSpPr>
           <p:spPr>
             <a:xfrm flipH="1" flipV="1">
-              <a:off x="4122679" y="2338572"/>
+              <a:off x="4152496" y="2338572"/>
               <a:ext cx="3346327" cy="180534"/>
             </a:xfrm>
             <a:prstGeom prst="line">
@@ -6121,7 +6174,7 @@
           </p:nvCxnSpPr>
           <p:spPr>
             <a:xfrm flipV="1">
-              <a:off x="4101519" y="5282474"/>
+              <a:off x="4131336" y="5282474"/>
               <a:ext cx="3367487" cy="7832"/>
             </a:xfrm>
             <a:prstGeom prst="line">
@@ -6165,7 +6218,7 @@
           </p:nvSpPr>
           <p:spPr>
             <a:xfrm>
-              <a:off x="2858462" y="2973112"/>
+              <a:off x="2888279" y="2973112"/>
               <a:ext cx="1301750" cy="338554"/>
             </a:xfrm>
             <a:prstGeom prst="rect">
@@ -6238,7 +6291,7 @@
           </p:nvSpPr>
           <p:spPr>
             <a:xfrm>
-              <a:off x="7358625" y="3201426"/>
+              <a:off x="7388442" y="3201426"/>
               <a:ext cx="1301750" cy="338554"/>
             </a:xfrm>
             <a:prstGeom prst="rect">
@@ -6313,7 +6366,7 @@
           </p:nvCxnSpPr>
           <p:spPr>
             <a:xfrm>
-              <a:off x="1436867" y="3053198"/>
+              <a:off x="1466684" y="3053198"/>
               <a:ext cx="852643" cy="102896"/>
             </a:xfrm>
             <a:prstGeom prst="straightConnector1">
@@ -6357,7 +6410,7 @@
           </p:nvSpPr>
           <p:spPr>
             <a:xfrm>
-              <a:off x="1212313" y="2634558"/>
+              <a:off x="1242130" y="2634558"/>
               <a:ext cx="1301750" cy="338554"/>
             </a:xfrm>
             <a:prstGeom prst="rect">
@@ -6432,7 +6485,7 @@
           </p:nvCxnSpPr>
           <p:spPr>
             <a:xfrm>
-              <a:off x="3332996" y="3408396"/>
+              <a:off x="3362813" y="3408396"/>
               <a:ext cx="543171" cy="19871"/>
             </a:xfrm>
             <a:prstGeom prst="straightConnector1">
@@ -6478,7 +6531,7 @@
           </p:nvCxnSpPr>
           <p:spPr>
             <a:xfrm>
-              <a:off x="7684340" y="3611599"/>
+              <a:off x="7714157" y="3611599"/>
               <a:ext cx="543171" cy="19871"/>
             </a:xfrm>
             <a:prstGeom prst="straightConnector1">
@@ -6522,7 +6575,7 @@
           </p:nvSpPr>
           <p:spPr>
             <a:xfrm>
-              <a:off x="1852271" y="1220457"/>
+              <a:off x="1882088" y="1220457"/>
               <a:ext cx="1301750" cy="338554"/>
             </a:xfrm>
             <a:prstGeom prst="rect">
@@ -6585,7 +6638,7 @@
           </p:nvSpPr>
           <p:spPr>
             <a:xfrm>
-              <a:off x="8396645" y="1220457"/>
+              <a:off x="8426462" y="1220457"/>
               <a:ext cx="1301750" cy="338554"/>
             </a:xfrm>
             <a:prstGeom prst="rect">
@@ -6648,7 +6701,7 @@
           </p:nvSpPr>
           <p:spPr>
             <a:xfrm>
-              <a:off x="5124458" y="1220457"/>
+              <a:off x="5154275" y="1220457"/>
               <a:ext cx="1301750" cy="338554"/>
             </a:xfrm>
             <a:prstGeom prst="rect">
@@ -6711,7 +6764,7 @@
           </p:nvSpPr>
           <p:spPr>
             <a:xfrm>
-              <a:off x="4552432" y="4337935"/>
+              <a:off x="4582249" y="4337935"/>
               <a:ext cx="1301750" cy="338554"/>
             </a:xfrm>
             <a:prstGeom prst="rect">
@@ -6775,6 +6828,359 @@
     <p:extLst>
       <p:ext uri="{BB962C8B-B14F-4D97-AF65-F5344CB8AC3E}">
         <p14:creationId xmlns:p14="http://schemas.microsoft.com/office/powerpoint/2010/main" val="1496772281"/>
+      </p:ext>
+    </p:extLst>
+  </p:cSld>
+  <p:clrMapOvr>
+    <a:masterClrMapping/>
+  </p:clrMapOvr>
+</p:sld>
+</file>
+
+<file path=ppt/slides/slide3.xml><?xml version="1.0" encoding="utf-8"?>
+<p:sld xmlns:a="http://schemas.openxmlformats.org/drawingml/2006/main" xmlns:r="http://schemas.openxmlformats.org/officeDocument/2006/relationships" xmlns:p="http://schemas.openxmlformats.org/presentationml/2006/main">
+  <p:cSld>
+    <p:spTree>
+      <p:nvGrpSpPr>
+        <p:cNvPr id="1" name=""/>
+        <p:cNvGrpSpPr/>
+        <p:nvPr/>
+      </p:nvGrpSpPr>
+      <p:grpSpPr>
+        <a:xfrm>
+          <a:off x="0" y="0"/>
+          <a:ext cx="0" cy="0"/>
+          <a:chOff x="0" y="0"/>
+          <a:chExt cx="0" cy="0"/>
+        </a:xfrm>
+      </p:grpSpPr>
+      <p:grpSp>
+        <p:nvGrpSpPr>
+          <p:cNvPr id="15" name="Grupo 14">
+            <a:extLst>
+              <a:ext uri="{FF2B5EF4-FFF2-40B4-BE49-F238E27FC236}">
+                <a16:creationId xmlns:a16="http://schemas.microsoft.com/office/drawing/2014/main" id="{791B0367-3F9F-8E5F-B872-3E6DC1DBDAA3}"/>
+              </a:ext>
+            </a:extLst>
+          </p:cNvPr>
+          <p:cNvGrpSpPr/>
+          <p:nvPr/>
+        </p:nvGrpSpPr>
+        <p:grpSpPr>
+          <a:xfrm>
+            <a:off x="3758693" y="1525101"/>
+            <a:ext cx="4674613" cy="3429297"/>
+            <a:chOff x="2732027" y="1415771"/>
+            <a:chExt cx="4674613" cy="3429297"/>
+          </a:xfrm>
+        </p:grpSpPr>
+        <p:pic>
+          <p:nvPicPr>
+            <p:cNvPr id="5" name="Imagen 4">
+              <a:extLst>
+                <a:ext uri="{FF2B5EF4-FFF2-40B4-BE49-F238E27FC236}">
+                  <a16:creationId xmlns:a16="http://schemas.microsoft.com/office/drawing/2014/main" id="{8748C450-FA04-B869-9F06-A0D4A0238CCF}"/>
+                </a:ext>
+              </a:extLst>
+            </p:cNvPr>
+            <p:cNvPicPr>
+              <a:picLocks noChangeAspect="1"/>
+            </p:cNvPicPr>
+            <p:nvPr/>
+          </p:nvPicPr>
+          <p:blipFill>
+            <a:blip r:embed="rId2"/>
+            <a:stretch>
+              <a:fillRect/>
+            </a:stretch>
+          </p:blipFill>
+          <p:spPr>
+            <a:xfrm>
+              <a:off x="2732027" y="1415771"/>
+              <a:ext cx="3033023" cy="3429297"/>
+            </a:xfrm>
+            <a:prstGeom prst="rect">
+              <a:avLst/>
+            </a:prstGeom>
+          </p:spPr>
+        </p:pic>
+        <p:sp>
+          <p:nvSpPr>
+            <p:cNvPr id="6" name="Cerrar llave 5">
+              <a:extLst>
+                <a:ext uri="{FF2B5EF4-FFF2-40B4-BE49-F238E27FC236}">
+                  <a16:creationId xmlns:a16="http://schemas.microsoft.com/office/drawing/2014/main" id="{492B874A-4129-7047-77ED-1C10A6D7E243}"/>
+                </a:ext>
+              </a:extLst>
+            </p:cNvPr>
+            <p:cNvSpPr/>
+            <p:nvPr/>
+          </p:nvSpPr>
+          <p:spPr>
+            <a:xfrm>
+              <a:off x="5882640" y="1790700"/>
+              <a:ext cx="213360" cy="754380"/>
+            </a:xfrm>
+            <a:prstGeom prst="rightBrace">
+              <a:avLst/>
+            </a:prstGeom>
+            <a:ln w="12700">
+              <a:solidFill>
+                <a:schemeClr val="bg2">
+                  <a:lumMod val="50000"/>
+                </a:schemeClr>
+              </a:solidFill>
+            </a:ln>
+          </p:spPr>
+          <p:style>
+            <a:lnRef idx="1">
+              <a:schemeClr val="dk1"/>
+            </a:lnRef>
+            <a:fillRef idx="0">
+              <a:schemeClr val="dk1"/>
+            </a:fillRef>
+            <a:effectRef idx="0">
+              <a:schemeClr val="dk1"/>
+            </a:effectRef>
+            <a:fontRef idx="minor">
+              <a:schemeClr val="tx1"/>
+            </a:fontRef>
+          </p:style>
+          <p:txBody>
+            <a:bodyPr rtlCol="0" anchor="ctr"/>
+            <a:lstStyle/>
+            <a:p>
+              <a:pPr algn="ctr"/>
+              <a:endParaRPr lang="en-US"/>
+            </a:p>
+          </p:txBody>
+        </p:sp>
+        <p:cxnSp>
+          <p:nvCxnSpPr>
+            <p:cNvPr id="7" name="Conector recto 6">
+              <a:extLst>
+                <a:ext uri="{FF2B5EF4-FFF2-40B4-BE49-F238E27FC236}">
+                  <a16:creationId xmlns:a16="http://schemas.microsoft.com/office/drawing/2014/main" id="{D4EB49F4-3E53-B5AE-0DE6-06A6726B3F45}"/>
+                </a:ext>
+              </a:extLst>
+            </p:cNvPr>
+            <p:cNvCxnSpPr>
+              <a:cxnSpLocks/>
+            </p:cNvCxnSpPr>
+            <p:nvPr/>
+          </p:nvCxnSpPr>
+          <p:spPr>
+            <a:xfrm>
+              <a:off x="2732027" y="2545080"/>
+              <a:ext cx="3033023" cy="0"/>
+            </a:xfrm>
+            <a:prstGeom prst="line">
+              <a:avLst/>
+            </a:prstGeom>
+            <a:ln w="19050">
+              <a:solidFill>
+                <a:srgbClr val="008080"/>
+              </a:solidFill>
+              <a:prstDash val="lgDash"/>
+            </a:ln>
+          </p:spPr>
+          <p:style>
+            <a:lnRef idx="1">
+              <a:schemeClr val="accent1"/>
+            </a:lnRef>
+            <a:fillRef idx="0">
+              <a:schemeClr val="accent1"/>
+            </a:fillRef>
+            <a:effectRef idx="0">
+              <a:schemeClr val="accent1"/>
+            </a:effectRef>
+            <a:fontRef idx="minor">
+              <a:schemeClr val="tx1"/>
+            </a:fontRef>
+          </p:style>
+        </p:cxnSp>
+        <p:sp>
+          <p:nvSpPr>
+            <p:cNvPr id="12" name="Cerrar llave 11">
+              <a:extLst>
+                <a:ext uri="{FF2B5EF4-FFF2-40B4-BE49-F238E27FC236}">
+                  <a16:creationId xmlns:a16="http://schemas.microsoft.com/office/drawing/2014/main" id="{B0E10729-7073-CC69-21D2-2A57CE38F330}"/>
+                </a:ext>
+              </a:extLst>
+            </p:cNvPr>
+            <p:cNvSpPr/>
+            <p:nvPr/>
+          </p:nvSpPr>
+          <p:spPr>
+            <a:xfrm>
+              <a:off x="5882640" y="2545080"/>
+              <a:ext cx="213360" cy="2299988"/>
+            </a:xfrm>
+            <a:prstGeom prst="rightBrace">
+              <a:avLst/>
+            </a:prstGeom>
+            <a:ln w="12700">
+              <a:solidFill>
+                <a:schemeClr val="bg2">
+                  <a:lumMod val="50000"/>
+                </a:schemeClr>
+              </a:solidFill>
+            </a:ln>
+          </p:spPr>
+          <p:style>
+            <a:lnRef idx="1">
+              <a:schemeClr val="dk1"/>
+            </a:lnRef>
+            <a:fillRef idx="0">
+              <a:schemeClr val="dk1"/>
+            </a:fillRef>
+            <a:effectRef idx="0">
+              <a:schemeClr val="dk1"/>
+            </a:effectRef>
+            <a:fontRef idx="minor">
+              <a:schemeClr val="tx1"/>
+            </a:fontRef>
+          </p:style>
+          <p:txBody>
+            <a:bodyPr rtlCol="0" anchor="ctr"/>
+            <a:lstStyle/>
+            <a:p>
+              <a:pPr algn="ctr"/>
+              <a:endParaRPr lang="en-US"/>
+            </a:p>
+          </p:txBody>
+        </p:sp>
+        <p:sp>
+          <p:nvSpPr>
+            <p:cNvPr id="13" name="CuadroTexto 12">
+              <a:extLst>
+                <a:ext uri="{FF2B5EF4-FFF2-40B4-BE49-F238E27FC236}">
+                  <a16:creationId xmlns:a16="http://schemas.microsoft.com/office/drawing/2014/main" id="{25A9DA15-7B2C-A1D4-AA78-5835AE02D0EC}"/>
+                </a:ext>
+              </a:extLst>
+            </p:cNvPr>
+            <p:cNvSpPr txBox="1"/>
+            <p:nvPr/>
+          </p:nvSpPr>
+          <p:spPr>
+            <a:xfrm>
+              <a:off x="5882640" y="2037085"/>
+              <a:ext cx="1524000" cy="261610"/>
+            </a:xfrm>
+            <a:prstGeom prst="rect">
+              <a:avLst/>
+            </a:prstGeom>
+            <a:noFill/>
+          </p:spPr>
+          <p:txBody>
+            <a:bodyPr wrap="square" rtlCol="0">
+              <a:spAutoFit/>
+            </a:bodyPr>
+            <a:lstStyle>
+              <a:defPPr>
+                <a:defRPr lang="en-US"/>
+              </a:defPPr>
+              <a:lvl1pPr algn="ctr">
+                <a:defRPr sz="1100" b="1">
+                  <a:solidFill>
+                    <a:schemeClr val="bg2">
+                      <a:lumMod val="25000"/>
+                    </a:schemeClr>
+                  </a:solidFill>
+                  <a:latin typeface="Segoe UI Light" panose="020B0502040204020203" pitchFamily="34" charset="0"/>
+                  <a:cs typeface="Segoe UI Light" panose="020B0502040204020203" pitchFamily="34" charset="0"/>
+                </a:defRPr>
+              </a:lvl1pPr>
+            </a:lstStyle>
+            <a:p>
+              <a:r>
+                <a:rPr lang="es-VE">
+                  <a:solidFill>
+                    <a:schemeClr val="bg2">
+                      <a:lumMod val="10000"/>
+                    </a:schemeClr>
+                  </a:solidFill>
+                </a:rPr>
+                <a:t>Suelos cohesivos</a:t>
+              </a:r>
+              <a:endParaRPr lang="es-VE" sz="1050" baseline="-25000">
+                <a:solidFill>
+                  <a:schemeClr val="bg2">
+                    <a:lumMod val="10000"/>
+                  </a:schemeClr>
+                </a:solidFill>
+              </a:endParaRPr>
+            </a:p>
+          </p:txBody>
+        </p:sp>
+        <p:sp>
+          <p:nvSpPr>
+            <p:cNvPr id="14" name="CuadroTexto 13">
+              <a:extLst>
+                <a:ext uri="{FF2B5EF4-FFF2-40B4-BE49-F238E27FC236}">
+                  <a16:creationId xmlns:a16="http://schemas.microsoft.com/office/drawing/2014/main" id="{3C4C769D-03AF-4785-234B-718DFC4FC56F}"/>
+                </a:ext>
+              </a:extLst>
+            </p:cNvPr>
+            <p:cNvSpPr txBox="1"/>
+            <p:nvPr/>
+          </p:nvSpPr>
+          <p:spPr>
+            <a:xfrm>
+              <a:off x="5882640" y="3564269"/>
+              <a:ext cx="1524000" cy="261610"/>
+            </a:xfrm>
+            <a:prstGeom prst="rect">
+              <a:avLst/>
+            </a:prstGeom>
+            <a:noFill/>
+          </p:spPr>
+          <p:txBody>
+            <a:bodyPr wrap="square" rtlCol="0">
+              <a:spAutoFit/>
+            </a:bodyPr>
+            <a:lstStyle>
+              <a:defPPr>
+                <a:defRPr lang="en-US"/>
+              </a:defPPr>
+              <a:lvl1pPr algn="ctr">
+                <a:defRPr sz="1100" b="1">
+                  <a:solidFill>
+                    <a:schemeClr val="bg2">
+                      <a:lumMod val="25000"/>
+                    </a:schemeClr>
+                  </a:solidFill>
+                  <a:latin typeface="Segoe UI Light" panose="020B0502040204020203" pitchFamily="34" charset="0"/>
+                  <a:cs typeface="Segoe UI Light" panose="020B0502040204020203" pitchFamily="34" charset="0"/>
+                </a:defRPr>
+              </a:lvl1pPr>
+            </a:lstStyle>
+            <a:p>
+              <a:r>
+                <a:rPr lang="es-VE" dirty="0">
+                  <a:solidFill>
+                    <a:schemeClr val="bg2">
+                      <a:lumMod val="10000"/>
+                    </a:schemeClr>
+                  </a:solidFill>
+                </a:rPr>
+                <a:t>Suelos granulares</a:t>
+              </a:r>
+              <a:endParaRPr lang="es-VE" sz="1050" baseline="-25000" dirty="0">
+                <a:solidFill>
+                  <a:schemeClr val="bg2">
+                    <a:lumMod val="10000"/>
+                  </a:schemeClr>
+                </a:solidFill>
+              </a:endParaRPr>
+            </a:p>
+          </p:txBody>
+        </p:sp>
+      </p:grpSp>
+    </p:spTree>
+    <p:extLst>
+      <p:ext uri="{BB962C8B-B14F-4D97-AF65-F5344CB8AC3E}">
+        <p14:creationId xmlns:p14="http://schemas.microsoft.com/office/powerpoint/2010/main" val="3676274475"/>
       </p:ext>
     </p:extLst>
   </p:cSld>

--- a/Section02/Section02.pptx
+++ b/Section02/Section02.pptx
@@ -5,12 +5,13 @@
     <p:sldMasterId id="2147483648" r:id="rId1"/>
   </p:sldMasterIdLst>
   <p:notesMasterIdLst>
-    <p:notesMasterId r:id="rId5"/>
+    <p:notesMasterId r:id="rId6"/>
   </p:notesMasterIdLst>
   <p:sldIdLst>
     <p:sldId id="269" r:id="rId2"/>
     <p:sldId id="268" r:id="rId3"/>
     <p:sldId id="270" r:id="rId4"/>
+    <p:sldId id="271" r:id="rId5"/>
   </p:sldIdLst>
   <p:sldSz cx="12192000" cy="6858000"/>
   <p:notesSz cx="6858000" cy="9144000"/>
@@ -7190,6 +7191,96 @@
 </p:sld>
 </file>
 
+<file path=ppt/slides/slide4.xml><?xml version="1.0" encoding="utf-8"?>
+<p:sld xmlns:a="http://schemas.openxmlformats.org/drawingml/2006/main" xmlns:r="http://schemas.openxmlformats.org/officeDocument/2006/relationships" xmlns:p="http://schemas.openxmlformats.org/presentationml/2006/main">
+  <p:cSld>
+    <p:spTree>
+      <p:nvGrpSpPr>
+        <p:cNvPr id="1" name=""/>
+        <p:cNvGrpSpPr/>
+        <p:nvPr/>
+      </p:nvGrpSpPr>
+      <p:grpSpPr>
+        <a:xfrm>
+          <a:off x="0" y="0"/>
+          <a:ext cx="0" cy="0"/>
+          <a:chOff x="0" y="0"/>
+          <a:chExt cx="0" cy="0"/>
+        </a:xfrm>
+      </p:grpSpPr>
+      <p:pic>
+        <p:nvPicPr>
+          <p:cNvPr id="5" name="Imagen 4">
+            <a:extLst>
+              <a:ext uri="{FF2B5EF4-FFF2-40B4-BE49-F238E27FC236}">
+                <a16:creationId xmlns:a16="http://schemas.microsoft.com/office/drawing/2014/main" id="{0A3374EA-0C4C-63CF-FB19-213F37670C22}"/>
+              </a:ext>
+            </a:extLst>
+          </p:cNvPr>
+          <p:cNvPicPr>
+            <a:picLocks noChangeAspect="1"/>
+          </p:cNvPicPr>
+          <p:nvPr/>
+        </p:nvPicPr>
+        <p:blipFill>
+          <a:blip r:embed="rId2"/>
+          <a:stretch>
+            <a:fillRect/>
+          </a:stretch>
+        </p:blipFill>
+        <p:spPr>
+          <a:xfrm>
+            <a:off x="850451" y="887297"/>
+            <a:ext cx="5910327" cy="2863609"/>
+          </a:xfrm>
+          <a:prstGeom prst="rect">
+            <a:avLst/>
+          </a:prstGeom>
+        </p:spPr>
+      </p:pic>
+      <p:pic>
+        <p:nvPicPr>
+          <p:cNvPr id="7" name="Imagen 6">
+            <a:extLst>
+              <a:ext uri="{FF2B5EF4-FFF2-40B4-BE49-F238E27FC236}">
+                <a16:creationId xmlns:a16="http://schemas.microsoft.com/office/drawing/2014/main" id="{65FC68B1-A772-7C20-673C-D616030AAD8B}"/>
+              </a:ext>
+            </a:extLst>
+          </p:cNvPr>
+          <p:cNvPicPr>
+            <a:picLocks noChangeAspect="1"/>
+          </p:cNvPicPr>
+          <p:nvPr/>
+        </p:nvPicPr>
+        <p:blipFill>
+          <a:blip r:embed="rId3"/>
+          <a:stretch>
+            <a:fillRect/>
+          </a:stretch>
+        </p:blipFill>
+        <p:spPr>
+          <a:xfrm>
+            <a:off x="5262331" y="2783175"/>
+            <a:ext cx="6499655" cy="3650419"/>
+          </a:xfrm>
+          <a:prstGeom prst="rect">
+            <a:avLst/>
+          </a:prstGeom>
+        </p:spPr>
+      </p:pic>
+    </p:spTree>
+    <p:extLst>
+      <p:ext uri="{BB962C8B-B14F-4D97-AF65-F5344CB8AC3E}">
+        <p14:creationId xmlns:p14="http://schemas.microsoft.com/office/powerpoint/2010/main" val="725343667"/>
+      </p:ext>
+    </p:extLst>
+  </p:cSld>
+  <p:clrMapOvr>
+    <a:masterClrMapping/>
+  </p:clrMapOvr>
+</p:sld>
+</file>
+
 <file path=ppt/theme/theme1.xml><?xml version="1.0" encoding="utf-8"?>
 <a:theme xmlns:a="http://schemas.openxmlformats.org/drawingml/2006/main" name="Tema de Office">
   <a:themeElements>

--- a/Section02/Section02.pptx
+++ b/Section02/Section02.pptx
@@ -200,7 +200,7 @@
           <a:p>
             <a:fld id="{1F8A4C29-C830-4B9E-A1E4-B5E2AE1D7869}" type="datetimeFigureOut">
               <a:rPr lang="en-US" smtClean="0"/>
-              <a:t>11/9/2022</a:t>
+              <a:t>11/10/2022</a:t>
             </a:fld>
             <a:endParaRPr lang="en-US"/>
           </a:p>
@@ -701,7 +701,7 @@
           <a:p>
             <a:fld id="{1D34F2E3-3545-4AD3-A31E-9231ACC12138}" type="datetimeFigureOut">
               <a:rPr lang="en-US" smtClean="0"/>
-              <a:t>11/9/2022</a:t>
+              <a:t>11/10/2022</a:t>
             </a:fld>
             <a:endParaRPr lang="en-US"/>
           </a:p>
@@ -901,7 +901,7 @@
           <a:p>
             <a:fld id="{1D34F2E3-3545-4AD3-A31E-9231ACC12138}" type="datetimeFigureOut">
               <a:rPr lang="en-US" smtClean="0"/>
-              <a:t>11/9/2022</a:t>
+              <a:t>11/10/2022</a:t>
             </a:fld>
             <a:endParaRPr lang="en-US"/>
           </a:p>
@@ -1111,7 +1111,7 @@
           <a:p>
             <a:fld id="{1D34F2E3-3545-4AD3-A31E-9231ACC12138}" type="datetimeFigureOut">
               <a:rPr lang="en-US" smtClean="0"/>
-              <a:t>11/9/2022</a:t>
+              <a:t>11/10/2022</a:t>
             </a:fld>
             <a:endParaRPr lang="en-US"/>
           </a:p>
@@ -1311,7 +1311,7 @@
           <a:p>
             <a:fld id="{1D34F2E3-3545-4AD3-A31E-9231ACC12138}" type="datetimeFigureOut">
               <a:rPr lang="en-US" smtClean="0"/>
-              <a:t>11/9/2022</a:t>
+              <a:t>11/10/2022</a:t>
             </a:fld>
             <a:endParaRPr lang="en-US"/>
           </a:p>
@@ -1587,7 +1587,7 @@
           <a:p>
             <a:fld id="{1D34F2E3-3545-4AD3-A31E-9231ACC12138}" type="datetimeFigureOut">
               <a:rPr lang="en-US" smtClean="0"/>
-              <a:t>11/9/2022</a:t>
+              <a:t>11/10/2022</a:t>
             </a:fld>
             <a:endParaRPr lang="en-US"/>
           </a:p>
@@ -1855,7 +1855,7 @@
           <a:p>
             <a:fld id="{1D34F2E3-3545-4AD3-A31E-9231ACC12138}" type="datetimeFigureOut">
               <a:rPr lang="en-US" smtClean="0"/>
-              <a:t>11/9/2022</a:t>
+              <a:t>11/10/2022</a:t>
             </a:fld>
             <a:endParaRPr lang="en-US"/>
           </a:p>
@@ -2270,7 +2270,7 @@
           <a:p>
             <a:fld id="{1D34F2E3-3545-4AD3-A31E-9231ACC12138}" type="datetimeFigureOut">
               <a:rPr lang="en-US" smtClean="0"/>
-              <a:t>11/9/2022</a:t>
+              <a:t>11/10/2022</a:t>
             </a:fld>
             <a:endParaRPr lang="en-US"/>
           </a:p>
@@ -2412,7 +2412,7 @@
           <a:p>
             <a:fld id="{1D34F2E3-3545-4AD3-A31E-9231ACC12138}" type="datetimeFigureOut">
               <a:rPr lang="en-US" smtClean="0"/>
-              <a:t>11/9/2022</a:t>
+              <a:t>11/10/2022</a:t>
             </a:fld>
             <a:endParaRPr lang="en-US"/>
           </a:p>
@@ -2525,7 +2525,7 @@
           <a:p>
             <a:fld id="{1D34F2E3-3545-4AD3-A31E-9231ACC12138}" type="datetimeFigureOut">
               <a:rPr lang="en-US" smtClean="0"/>
-              <a:t>11/9/2022</a:t>
+              <a:t>11/10/2022</a:t>
             </a:fld>
             <a:endParaRPr lang="en-US"/>
           </a:p>
@@ -2838,7 +2838,7 @@
           <a:p>
             <a:fld id="{1D34F2E3-3545-4AD3-A31E-9231ACC12138}" type="datetimeFigureOut">
               <a:rPr lang="en-US" smtClean="0"/>
-              <a:t>11/9/2022</a:t>
+              <a:t>11/10/2022</a:t>
             </a:fld>
             <a:endParaRPr lang="en-US"/>
           </a:p>
@@ -3127,7 +3127,7 @@
           <a:p>
             <a:fld id="{1D34F2E3-3545-4AD3-A31E-9231ACC12138}" type="datetimeFigureOut">
               <a:rPr lang="en-US" smtClean="0"/>
-              <a:t>11/9/2022</a:t>
+              <a:t>11/10/2022</a:t>
             </a:fld>
             <a:endParaRPr lang="en-US"/>
           </a:p>
@@ -3370,7 +3370,7 @@
           <a:p>
             <a:fld id="{1D34F2E3-3545-4AD3-A31E-9231ACC12138}" type="datetimeFigureOut">
               <a:rPr lang="en-US" smtClean="0"/>
-              <a:t>11/9/2022</a:t>
+              <a:t>11/10/2022</a:t>
             </a:fld>
             <a:endParaRPr lang="en-US"/>
           </a:p>
@@ -7260,7 +7260,7 @@
         </p:blipFill>
         <p:spPr>
           <a:xfrm>
-            <a:off x="5262331" y="2783175"/>
+            <a:off x="4841894" y="2689869"/>
             <a:ext cx="6499655" cy="3650419"/>
           </a:xfrm>
           <a:prstGeom prst="rect">

--- a/Section02/Section02.pptx
+++ b/Section02/Section02.pptx
@@ -5,13 +5,14 @@
     <p:sldMasterId id="2147483648" r:id="rId1"/>
   </p:sldMasterIdLst>
   <p:notesMasterIdLst>
-    <p:notesMasterId r:id="rId6"/>
+    <p:notesMasterId r:id="rId7"/>
   </p:notesMasterIdLst>
   <p:sldIdLst>
     <p:sldId id="269" r:id="rId2"/>
     <p:sldId id="268" r:id="rId3"/>
     <p:sldId id="270" r:id="rId4"/>
-    <p:sldId id="271" r:id="rId5"/>
+    <p:sldId id="272" r:id="rId5"/>
+    <p:sldId id="271" r:id="rId6"/>
   </p:sldIdLst>
   <p:sldSz cx="12192000" cy="6858000"/>
   <p:notesSz cx="6858000" cy="9144000"/>
@@ -200,7 +201,7 @@
           <a:p>
             <a:fld id="{1F8A4C29-C830-4B9E-A1E4-B5E2AE1D7869}" type="datetimeFigureOut">
               <a:rPr lang="en-US" smtClean="0"/>
-              <a:t>11/10/2022</a:t>
+              <a:t>11/15/2022</a:t>
             </a:fld>
             <a:endParaRPr lang="en-US"/>
           </a:p>
@@ -701,7 +702,7 @@
           <a:p>
             <a:fld id="{1D34F2E3-3545-4AD3-A31E-9231ACC12138}" type="datetimeFigureOut">
               <a:rPr lang="en-US" smtClean="0"/>
-              <a:t>11/10/2022</a:t>
+              <a:t>11/15/2022</a:t>
             </a:fld>
             <a:endParaRPr lang="en-US"/>
           </a:p>
@@ -901,7 +902,7 @@
           <a:p>
             <a:fld id="{1D34F2E3-3545-4AD3-A31E-9231ACC12138}" type="datetimeFigureOut">
               <a:rPr lang="en-US" smtClean="0"/>
-              <a:t>11/10/2022</a:t>
+              <a:t>11/15/2022</a:t>
             </a:fld>
             <a:endParaRPr lang="en-US"/>
           </a:p>
@@ -1111,7 +1112,7 @@
           <a:p>
             <a:fld id="{1D34F2E3-3545-4AD3-A31E-9231ACC12138}" type="datetimeFigureOut">
               <a:rPr lang="en-US" smtClean="0"/>
-              <a:t>11/10/2022</a:t>
+              <a:t>11/15/2022</a:t>
             </a:fld>
             <a:endParaRPr lang="en-US"/>
           </a:p>
@@ -1311,7 +1312,7 @@
           <a:p>
             <a:fld id="{1D34F2E3-3545-4AD3-A31E-9231ACC12138}" type="datetimeFigureOut">
               <a:rPr lang="en-US" smtClean="0"/>
-              <a:t>11/10/2022</a:t>
+              <a:t>11/15/2022</a:t>
             </a:fld>
             <a:endParaRPr lang="en-US"/>
           </a:p>
@@ -1587,7 +1588,7 @@
           <a:p>
             <a:fld id="{1D34F2E3-3545-4AD3-A31E-9231ACC12138}" type="datetimeFigureOut">
               <a:rPr lang="en-US" smtClean="0"/>
-              <a:t>11/10/2022</a:t>
+              <a:t>11/15/2022</a:t>
             </a:fld>
             <a:endParaRPr lang="en-US"/>
           </a:p>
@@ -1855,7 +1856,7 @@
           <a:p>
             <a:fld id="{1D34F2E3-3545-4AD3-A31E-9231ACC12138}" type="datetimeFigureOut">
               <a:rPr lang="en-US" smtClean="0"/>
-              <a:t>11/10/2022</a:t>
+              <a:t>11/15/2022</a:t>
             </a:fld>
             <a:endParaRPr lang="en-US"/>
           </a:p>
@@ -2270,7 +2271,7 @@
           <a:p>
             <a:fld id="{1D34F2E3-3545-4AD3-A31E-9231ACC12138}" type="datetimeFigureOut">
               <a:rPr lang="en-US" smtClean="0"/>
-              <a:t>11/10/2022</a:t>
+              <a:t>11/15/2022</a:t>
             </a:fld>
             <a:endParaRPr lang="en-US"/>
           </a:p>
@@ -2412,7 +2413,7 @@
           <a:p>
             <a:fld id="{1D34F2E3-3545-4AD3-A31E-9231ACC12138}" type="datetimeFigureOut">
               <a:rPr lang="en-US" smtClean="0"/>
-              <a:t>11/10/2022</a:t>
+              <a:t>11/15/2022</a:t>
             </a:fld>
             <a:endParaRPr lang="en-US"/>
           </a:p>
@@ -2525,7 +2526,7 @@
           <a:p>
             <a:fld id="{1D34F2E3-3545-4AD3-A31E-9231ACC12138}" type="datetimeFigureOut">
               <a:rPr lang="en-US" smtClean="0"/>
-              <a:t>11/10/2022</a:t>
+              <a:t>11/15/2022</a:t>
             </a:fld>
             <a:endParaRPr lang="en-US"/>
           </a:p>
@@ -2838,7 +2839,7 @@
           <a:p>
             <a:fld id="{1D34F2E3-3545-4AD3-A31E-9231ACC12138}" type="datetimeFigureOut">
               <a:rPr lang="en-US" smtClean="0"/>
-              <a:t>11/10/2022</a:t>
+              <a:t>11/15/2022</a:t>
             </a:fld>
             <a:endParaRPr lang="en-US"/>
           </a:p>
@@ -3127,7 +3128,7 @@
           <a:p>
             <a:fld id="{1D34F2E3-3545-4AD3-A31E-9231ACC12138}" type="datetimeFigureOut">
               <a:rPr lang="en-US" smtClean="0"/>
-              <a:t>11/10/2022</a:t>
+              <a:t>11/15/2022</a:t>
             </a:fld>
             <a:endParaRPr lang="en-US"/>
           </a:p>
@@ -3370,7 +3371,7 @@
           <a:p>
             <a:fld id="{1D34F2E3-3545-4AD3-A31E-9231ACC12138}" type="datetimeFigureOut">
               <a:rPr lang="en-US" smtClean="0"/>
-              <a:t>11/10/2022</a:t>
+              <a:t>11/15/2022</a:t>
             </a:fld>
             <a:endParaRPr lang="en-US"/>
           </a:p>
@@ -7208,6 +7209,224 @@
           <a:chExt cx="0" cy="0"/>
         </a:xfrm>
       </p:grpSpPr>
+      <p:grpSp>
+        <p:nvGrpSpPr>
+          <p:cNvPr id="6" name="Grupo 5">
+            <a:extLst>
+              <a:ext uri="{FF2B5EF4-FFF2-40B4-BE49-F238E27FC236}">
+                <a16:creationId xmlns:a16="http://schemas.microsoft.com/office/drawing/2014/main" id="{B0C24697-168A-8869-DE70-C48147FD8A28}"/>
+              </a:ext>
+            </a:extLst>
+          </p:cNvPr>
+          <p:cNvGrpSpPr/>
+          <p:nvPr/>
+        </p:nvGrpSpPr>
+        <p:grpSpPr>
+          <a:xfrm>
+            <a:off x="2659225" y="811763"/>
+            <a:ext cx="6288832" cy="5234474"/>
+            <a:chOff x="2659225" y="811763"/>
+            <a:chExt cx="6288832" cy="5234474"/>
+          </a:xfrm>
+        </p:grpSpPr>
+        <p:sp>
+          <p:nvSpPr>
+            <p:cNvPr id="5" name="Rectángulo 4">
+              <a:extLst>
+                <a:ext uri="{FF2B5EF4-FFF2-40B4-BE49-F238E27FC236}">
+                  <a16:creationId xmlns:a16="http://schemas.microsoft.com/office/drawing/2014/main" id="{4850BC53-CEF5-79C1-F542-01E3211B080A}"/>
+                </a:ext>
+              </a:extLst>
+            </p:cNvPr>
+            <p:cNvSpPr/>
+            <p:nvPr/>
+          </p:nvSpPr>
+          <p:spPr>
+            <a:xfrm>
+              <a:off x="2659225" y="811763"/>
+              <a:ext cx="6288832" cy="5234474"/>
+            </a:xfrm>
+            <a:prstGeom prst="rect">
+              <a:avLst/>
+            </a:prstGeom>
+            <a:solidFill>
+              <a:schemeClr val="bg1"/>
+            </a:solidFill>
+            <a:ln>
+              <a:noFill/>
+            </a:ln>
+          </p:spPr>
+          <p:style>
+            <a:lnRef idx="2">
+              <a:schemeClr val="accent1">
+                <a:shade val="50000"/>
+              </a:schemeClr>
+            </a:lnRef>
+            <a:fillRef idx="1">
+              <a:schemeClr val="accent1"/>
+            </a:fillRef>
+            <a:effectRef idx="0">
+              <a:schemeClr val="accent1"/>
+            </a:effectRef>
+            <a:fontRef idx="minor">
+              <a:schemeClr val="lt1"/>
+            </a:fontRef>
+          </p:style>
+          <p:txBody>
+            <a:bodyPr rtlCol="0" anchor="ctr"/>
+            <a:lstStyle/>
+            <a:p>
+              <a:pPr algn="ctr"/>
+              <a:endParaRPr lang="en-US"/>
+            </a:p>
+          </p:txBody>
+        </p:sp>
+        <p:grpSp>
+          <p:nvGrpSpPr>
+            <p:cNvPr id="4" name="Grupo 3">
+              <a:extLst>
+                <a:ext uri="{FF2B5EF4-FFF2-40B4-BE49-F238E27FC236}">
+                  <a16:creationId xmlns:a16="http://schemas.microsoft.com/office/drawing/2014/main" id="{4B6ADA18-D64A-D0E3-BA6B-E168A203B4ED}"/>
+                </a:ext>
+              </a:extLst>
+            </p:cNvPr>
+            <p:cNvGrpSpPr/>
+            <p:nvPr/>
+          </p:nvGrpSpPr>
+          <p:grpSpPr>
+            <a:xfrm>
+              <a:off x="2831841" y="899668"/>
+              <a:ext cx="5943600" cy="5058664"/>
+              <a:chOff x="2549979" y="899668"/>
+              <a:chExt cx="5943600" cy="5058664"/>
+            </a:xfrm>
+          </p:grpSpPr>
+          <p:pic>
+            <p:nvPicPr>
+              <p:cNvPr id="1026" name="Picture 2">
+                <a:extLst>
+                  <a:ext uri="{FF2B5EF4-FFF2-40B4-BE49-F238E27FC236}">
+                    <a16:creationId xmlns:a16="http://schemas.microsoft.com/office/drawing/2014/main" id="{B7457D06-A518-217F-3E05-1802149C5B4A}"/>
+                  </a:ext>
+                </a:extLst>
+              </p:cNvPr>
+              <p:cNvPicPr>
+                <a:picLocks noChangeAspect="1" noChangeArrowheads="1"/>
+              </p:cNvPicPr>
+              <p:nvPr/>
+            </p:nvPicPr>
+            <p:blipFill>
+              <a:blip r:embed="rId2">
+                <a:extLst>
+                  <a:ext uri="{28A0092B-C50C-407E-A947-70E740481C1C}">
+                    <a14:useLocalDpi xmlns:a14="http://schemas.microsoft.com/office/drawing/2010/main" val="0"/>
+                  </a:ext>
+                </a:extLst>
+              </a:blip>
+              <a:srcRect/>
+              <a:stretch>
+                <a:fillRect/>
+              </a:stretch>
+            </p:blipFill>
+            <p:spPr bwMode="auto">
+              <a:xfrm>
+                <a:off x="2549979" y="899668"/>
+                <a:ext cx="5943600" cy="2529332"/>
+              </a:xfrm>
+              <a:prstGeom prst="rect">
+                <a:avLst/>
+              </a:prstGeom>
+              <a:noFill/>
+              <a:extLst>
+                <a:ext uri="{909E8E84-426E-40DD-AFC4-6F175D3DCCD1}">
+                  <a14:hiddenFill xmlns:a14="http://schemas.microsoft.com/office/drawing/2010/main">
+                    <a:solidFill>
+                      <a:srgbClr val="FFFFFF"/>
+                    </a:solidFill>
+                  </a14:hiddenFill>
+                </a:ext>
+              </a:extLst>
+            </p:spPr>
+          </p:pic>
+          <p:pic>
+            <p:nvPicPr>
+              <p:cNvPr id="1028" name="Picture 4" descr="Hydrographs modeled with (a) the quasi-unsteady flow model (a series of steady flows or 'histograph') and (b) the unsteady flow model.">
+                <a:extLst>
+                  <a:ext uri="{FF2B5EF4-FFF2-40B4-BE49-F238E27FC236}">
+                    <a16:creationId xmlns:a16="http://schemas.microsoft.com/office/drawing/2014/main" id="{59BC5E5F-58DE-7C36-2CB8-ADB2D406C35B}"/>
+                  </a:ext>
+                </a:extLst>
+              </p:cNvPr>
+              <p:cNvPicPr>
+                <a:picLocks noChangeAspect="1" noChangeArrowheads="1"/>
+              </p:cNvPicPr>
+              <p:nvPr/>
+            </p:nvPicPr>
+            <p:blipFill>
+              <a:blip r:embed="rId3">
+                <a:extLst>
+                  <a:ext uri="{28A0092B-C50C-407E-A947-70E740481C1C}">
+                    <a14:useLocalDpi xmlns:a14="http://schemas.microsoft.com/office/drawing/2010/main" val="0"/>
+                  </a:ext>
+                </a:extLst>
+              </a:blip>
+              <a:srcRect/>
+              <a:stretch>
+                <a:fillRect/>
+              </a:stretch>
+            </p:blipFill>
+            <p:spPr bwMode="auto">
+              <a:xfrm>
+                <a:off x="2549979" y="3429000"/>
+                <a:ext cx="5943600" cy="2529332"/>
+              </a:xfrm>
+              <a:prstGeom prst="rect">
+                <a:avLst/>
+              </a:prstGeom>
+              <a:noFill/>
+              <a:extLst>
+                <a:ext uri="{909E8E84-426E-40DD-AFC4-6F175D3DCCD1}">
+                  <a14:hiddenFill xmlns:a14="http://schemas.microsoft.com/office/drawing/2010/main">
+                    <a:solidFill>
+                      <a:srgbClr val="FFFFFF"/>
+                    </a:solidFill>
+                  </a14:hiddenFill>
+                </a:ext>
+              </a:extLst>
+            </p:spPr>
+          </p:pic>
+        </p:grpSp>
+      </p:grpSp>
+    </p:spTree>
+    <p:extLst>
+      <p:ext uri="{BB962C8B-B14F-4D97-AF65-F5344CB8AC3E}">
+        <p14:creationId xmlns:p14="http://schemas.microsoft.com/office/powerpoint/2010/main" val="272254796"/>
+      </p:ext>
+    </p:extLst>
+  </p:cSld>
+  <p:clrMapOvr>
+    <a:masterClrMapping/>
+  </p:clrMapOvr>
+</p:sld>
+</file>
+
+<file path=ppt/slides/slide5.xml><?xml version="1.0" encoding="utf-8"?>
+<p:sld xmlns:a="http://schemas.openxmlformats.org/drawingml/2006/main" xmlns:r="http://schemas.openxmlformats.org/officeDocument/2006/relationships" xmlns:p="http://schemas.openxmlformats.org/presentationml/2006/main">
+  <p:cSld>
+    <p:spTree>
+      <p:nvGrpSpPr>
+        <p:cNvPr id="1" name=""/>
+        <p:cNvGrpSpPr/>
+        <p:nvPr/>
+      </p:nvGrpSpPr>
+      <p:grpSpPr>
+        <a:xfrm>
+          <a:off x="0" y="0"/>
+          <a:ext cx="0" cy="0"/>
+          <a:chOff x="0" y="0"/>
+          <a:chExt cx="0" cy="0"/>
+        </a:xfrm>
+      </p:grpSpPr>
       <p:pic>
         <p:nvPicPr>
           <p:cNvPr id="5" name="Imagen 4">

--- a/Section02/Section02.pptx
+++ b/Section02/Section02.pptx
@@ -5,14 +5,16 @@
     <p:sldMasterId id="2147483648" r:id="rId1"/>
   </p:sldMasterIdLst>
   <p:notesMasterIdLst>
-    <p:notesMasterId r:id="rId7"/>
+    <p:notesMasterId r:id="rId9"/>
   </p:notesMasterIdLst>
   <p:sldIdLst>
     <p:sldId id="269" r:id="rId2"/>
     <p:sldId id="268" r:id="rId3"/>
     <p:sldId id="270" r:id="rId4"/>
     <p:sldId id="272" r:id="rId5"/>
-    <p:sldId id="271" r:id="rId6"/>
+    <p:sldId id="273" r:id="rId6"/>
+    <p:sldId id="274" r:id="rId7"/>
+    <p:sldId id="275" r:id="rId8"/>
   </p:sldIdLst>
   <p:sldSz cx="12192000" cy="6858000"/>
   <p:notesSz cx="6858000" cy="9144000"/>
@@ -201,7 +203,7 @@
           <a:p>
             <a:fld id="{1F8A4C29-C830-4B9E-A1E4-B5E2AE1D7869}" type="datetimeFigureOut">
               <a:rPr lang="en-US" smtClean="0"/>
-              <a:t>11/15/2022</a:t>
+              <a:t>11/21/2022</a:t>
             </a:fld>
             <a:endParaRPr lang="en-US"/>
           </a:p>
@@ -553,6 +555,258 @@
 </p:notes>
 </file>
 
+<file path=ppt/notesSlides/notesSlide2.xml><?xml version="1.0" encoding="utf-8"?>
+<p:notes xmlns:a="http://schemas.openxmlformats.org/drawingml/2006/main" xmlns:r="http://schemas.openxmlformats.org/officeDocument/2006/relationships" xmlns:p="http://schemas.openxmlformats.org/presentationml/2006/main">
+  <p:cSld>
+    <p:spTree>
+      <p:nvGrpSpPr>
+        <p:cNvPr id="1" name=""/>
+        <p:cNvGrpSpPr/>
+        <p:nvPr/>
+      </p:nvGrpSpPr>
+      <p:grpSpPr>
+        <a:xfrm>
+          <a:off x="0" y="0"/>
+          <a:ext cx="0" cy="0"/>
+          <a:chOff x="0" y="0"/>
+          <a:chExt cx="0" cy="0"/>
+        </a:xfrm>
+      </p:grpSpPr>
+      <p:sp>
+        <p:nvSpPr>
+          <p:cNvPr id="2" name="Marcador de imagen de diapositiva 1"/>
+          <p:cNvSpPr>
+            <a:spLocks noGrp="1" noRot="1" noChangeAspect="1"/>
+          </p:cNvSpPr>
+          <p:nvPr>
+            <p:ph type="sldImg"/>
+          </p:nvPr>
+        </p:nvSpPr>
+        <p:spPr/>
+      </p:sp>
+      <p:sp>
+        <p:nvSpPr>
+          <p:cNvPr id="3" name="Marcador de notas 2"/>
+          <p:cNvSpPr>
+            <a:spLocks noGrp="1"/>
+          </p:cNvSpPr>
+          <p:nvPr>
+            <p:ph type="body" idx="1"/>
+          </p:nvPr>
+        </p:nvSpPr>
+        <p:spPr/>
+        <p:txBody>
+          <a:bodyPr/>
+          <a:lstStyle/>
+          <a:p>
+            <a:endParaRPr lang="en-US" dirty="0"/>
+          </a:p>
+        </p:txBody>
+      </p:sp>
+      <p:sp>
+        <p:nvSpPr>
+          <p:cNvPr id="4" name="Marcador de número de diapositiva 3"/>
+          <p:cNvSpPr>
+            <a:spLocks noGrp="1"/>
+          </p:cNvSpPr>
+          <p:nvPr>
+            <p:ph type="sldNum" sz="quarter" idx="5"/>
+          </p:nvPr>
+        </p:nvSpPr>
+        <p:spPr/>
+        <p:txBody>
+          <a:bodyPr/>
+          <a:lstStyle/>
+          <a:p>
+            <a:fld id="{9191AE8A-4ED6-411D-A727-C223135B0E27}" type="slidenum">
+              <a:rPr lang="en-US" smtClean="0"/>
+              <a:t>5</a:t>
+            </a:fld>
+            <a:endParaRPr lang="en-US"/>
+          </a:p>
+        </p:txBody>
+      </p:sp>
+    </p:spTree>
+    <p:extLst>
+      <p:ext uri="{BB962C8B-B14F-4D97-AF65-F5344CB8AC3E}">
+        <p14:creationId xmlns:p14="http://schemas.microsoft.com/office/powerpoint/2010/main" val="2960689487"/>
+      </p:ext>
+    </p:extLst>
+  </p:cSld>
+  <p:clrMapOvr>
+    <a:masterClrMapping/>
+  </p:clrMapOvr>
+</p:notes>
+</file>
+
+<file path=ppt/notesSlides/notesSlide3.xml><?xml version="1.0" encoding="utf-8"?>
+<p:notes xmlns:a="http://schemas.openxmlformats.org/drawingml/2006/main" xmlns:r="http://schemas.openxmlformats.org/officeDocument/2006/relationships" xmlns:p="http://schemas.openxmlformats.org/presentationml/2006/main">
+  <p:cSld>
+    <p:spTree>
+      <p:nvGrpSpPr>
+        <p:cNvPr id="1" name=""/>
+        <p:cNvGrpSpPr/>
+        <p:nvPr/>
+      </p:nvGrpSpPr>
+      <p:grpSpPr>
+        <a:xfrm>
+          <a:off x="0" y="0"/>
+          <a:ext cx="0" cy="0"/>
+          <a:chOff x="0" y="0"/>
+          <a:chExt cx="0" cy="0"/>
+        </a:xfrm>
+      </p:grpSpPr>
+      <p:sp>
+        <p:nvSpPr>
+          <p:cNvPr id="2" name="Marcador de imagen de diapositiva 1"/>
+          <p:cNvSpPr>
+            <a:spLocks noGrp="1" noRot="1" noChangeAspect="1"/>
+          </p:cNvSpPr>
+          <p:nvPr>
+            <p:ph type="sldImg"/>
+          </p:nvPr>
+        </p:nvSpPr>
+        <p:spPr/>
+      </p:sp>
+      <p:sp>
+        <p:nvSpPr>
+          <p:cNvPr id="3" name="Marcador de notas 2"/>
+          <p:cNvSpPr>
+            <a:spLocks noGrp="1"/>
+          </p:cNvSpPr>
+          <p:nvPr>
+            <p:ph type="body" idx="1"/>
+          </p:nvPr>
+        </p:nvSpPr>
+        <p:spPr/>
+        <p:txBody>
+          <a:bodyPr/>
+          <a:lstStyle/>
+          <a:p>
+            <a:endParaRPr lang="en-US" dirty="0"/>
+          </a:p>
+        </p:txBody>
+      </p:sp>
+      <p:sp>
+        <p:nvSpPr>
+          <p:cNvPr id="4" name="Marcador de número de diapositiva 3"/>
+          <p:cNvSpPr>
+            <a:spLocks noGrp="1"/>
+          </p:cNvSpPr>
+          <p:nvPr>
+            <p:ph type="sldNum" sz="quarter" idx="5"/>
+          </p:nvPr>
+        </p:nvSpPr>
+        <p:spPr/>
+        <p:txBody>
+          <a:bodyPr/>
+          <a:lstStyle/>
+          <a:p>
+            <a:fld id="{9191AE8A-4ED6-411D-A727-C223135B0E27}" type="slidenum">
+              <a:rPr lang="en-US" smtClean="0"/>
+              <a:t>6</a:t>
+            </a:fld>
+            <a:endParaRPr lang="en-US"/>
+          </a:p>
+        </p:txBody>
+      </p:sp>
+    </p:spTree>
+    <p:extLst>
+      <p:ext uri="{BB962C8B-B14F-4D97-AF65-F5344CB8AC3E}">
+        <p14:creationId xmlns:p14="http://schemas.microsoft.com/office/powerpoint/2010/main" val="865612343"/>
+      </p:ext>
+    </p:extLst>
+  </p:cSld>
+  <p:clrMapOvr>
+    <a:masterClrMapping/>
+  </p:clrMapOvr>
+</p:notes>
+</file>
+
+<file path=ppt/notesSlides/notesSlide4.xml><?xml version="1.0" encoding="utf-8"?>
+<p:notes xmlns:a="http://schemas.openxmlformats.org/drawingml/2006/main" xmlns:r="http://schemas.openxmlformats.org/officeDocument/2006/relationships" xmlns:p="http://schemas.openxmlformats.org/presentationml/2006/main">
+  <p:cSld>
+    <p:spTree>
+      <p:nvGrpSpPr>
+        <p:cNvPr id="1" name=""/>
+        <p:cNvGrpSpPr/>
+        <p:nvPr/>
+      </p:nvGrpSpPr>
+      <p:grpSpPr>
+        <a:xfrm>
+          <a:off x="0" y="0"/>
+          <a:ext cx="0" cy="0"/>
+          <a:chOff x="0" y="0"/>
+          <a:chExt cx="0" cy="0"/>
+        </a:xfrm>
+      </p:grpSpPr>
+      <p:sp>
+        <p:nvSpPr>
+          <p:cNvPr id="2" name="Marcador de imagen de diapositiva 1"/>
+          <p:cNvSpPr>
+            <a:spLocks noGrp="1" noRot="1" noChangeAspect="1"/>
+          </p:cNvSpPr>
+          <p:nvPr>
+            <p:ph type="sldImg"/>
+          </p:nvPr>
+        </p:nvSpPr>
+        <p:spPr/>
+      </p:sp>
+      <p:sp>
+        <p:nvSpPr>
+          <p:cNvPr id="3" name="Marcador de notas 2"/>
+          <p:cNvSpPr>
+            <a:spLocks noGrp="1"/>
+          </p:cNvSpPr>
+          <p:nvPr>
+            <p:ph type="body" idx="1"/>
+          </p:nvPr>
+        </p:nvSpPr>
+        <p:spPr/>
+        <p:txBody>
+          <a:bodyPr/>
+          <a:lstStyle/>
+          <a:p>
+            <a:endParaRPr lang="en-US" dirty="0"/>
+          </a:p>
+        </p:txBody>
+      </p:sp>
+      <p:sp>
+        <p:nvSpPr>
+          <p:cNvPr id="4" name="Marcador de número de diapositiva 3"/>
+          <p:cNvSpPr>
+            <a:spLocks noGrp="1"/>
+          </p:cNvSpPr>
+          <p:nvPr>
+            <p:ph type="sldNum" sz="quarter" idx="5"/>
+          </p:nvPr>
+        </p:nvSpPr>
+        <p:spPr/>
+        <p:txBody>
+          <a:bodyPr/>
+          <a:lstStyle/>
+          <a:p>
+            <a:fld id="{9191AE8A-4ED6-411D-A727-C223135B0E27}" type="slidenum">
+              <a:rPr lang="en-US" smtClean="0"/>
+              <a:t>7</a:t>
+            </a:fld>
+            <a:endParaRPr lang="en-US"/>
+          </a:p>
+        </p:txBody>
+      </p:sp>
+    </p:spTree>
+    <p:extLst>
+      <p:ext uri="{BB962C8B-B14F-4D97-AF65-F5344CB8AC3E}">
+        <p14:creationId xmlns:p14="http://schemas.microsoft.com/office/powerpoint/2010/main" val="2152876541"/>
+      </p:ext>
+    </p:extLst>
+  </p:cSld>
+  <p:clrMapOvr>
+    <a:masterClrMapping/>
+  </p:clrMapOvr>
+</p:notes>
+</file>
+
 <file path=ppt/slideLayouts/slideLayout1.xml><?xml version="1.0" encoding="utf-8"?>
 <p:sldLayout xmlns:a="http://schemas.openxmlformats.org/drawingml/2006/main" xmlns:r="http://schemas.openxmlformats.org/officeDocument/2006/relationships" xmlns:p="http://schemas.openxmlformats.org/presentationml/2006/main" type="title" preserve="1">
   <p:cSld name="Diapositiva de título">
@@ -702,7 +956,7 @@
           <a:p>
             <a:fld id="{1D34F2E3-3545-4AD3-A31E-9231ACC12138}" type="datetimeFigureOut">
               <a:rPr lang="en-US" smtClean="0"/>
-              <a:t>11/15/2022</a:t>
+              <a:t>11/21/2022</a:t>
             </a:fld>
             <a:endParaRPr lang="en-US"/>
           </a:p>
@@ -902,7 +1156,7 @@
           <a:p>
             <a:fld id="{1D34F2E3-3545-4AD3-A31E-9231ACC12138}" type="datetimeFigureOut">
               <a:rPr lang="en-US" smtClean="0"/>
-              <a:t>11/15/2022</a:t>
+              <a:t>11/21/2022</a:t>
             </a:fld>
             <a:endParaRPr lang="en-US"/>
           </a:p>
@@ -1112,7 +1366,7 @@
           <a:p>
             <a:fld id="{1D34F2E3-3545-4AD3-A31E-9231ACC12138}" type="datetimeFigureOut">
               <a:rPr lang="en-US" smtClean="0"/>
-              <a:t>11/15/2022</a:t>
+              <a:t>11/21/2022</a:t>
             </a:fld>
             <a:endParaRPr lang="en-US"/>
           </a:p>
@@ -1312,7 +1566,7 @@
           <a:p>
             <a:fld id="{1D34F2E3-3545-4AD3-A31E-9231ACC12138}" type="datetimeFigureOut">
               <a:rPr lang="en-US" smtClean="0"/>
-              <a:t>11/15/2022</a:t>
+              <a:t>11/21/2022</a:t>
             </a:fld>
             <a:endParaRPr lang="en-US"/>
           </a:p>
@@ -1588,7 +1842,7 @@
           <a:p>
             <a:fld id="{1D34F2E3-3545-4AD3-A31E-9231ACC12138}" type="datetimeFigureOut">
               <a:rPr lang="en-US" smtClean="0"/>
-              <a:t>11/15/2022</a:t>
+              <a:t>11/21/2022</a:t>
             </a:fld>
             <a:endParaRPr lang="en-US"/>
           </a:p>
@@ -1856,7 +2110,7 @@
           <a:p>
             <a:fld id="{1D34F2E3-3545-4AD3-A31E-9231ACC12138}" type="datetimeFigureOut">
               <a:rPr lang="en-US" smtClean="0"/>
-              <a:t>11/15/2022</a:t>
+              <a:t>11/21/2022</a:t>
             </a:fld>
             <a:endParaRPr lang="en-US"/>
           </a:p>
@@ -2271,7 +2525,7 @@
           <a:p>
             <a:fld id="{1D34F2E3-3545-4AD3-A31E-9231ACC12138}" type="datetimeFigureOut">
               <a:rPr lang="en-US" smtClean="0"/>
-              <a:t>11/15/2022</a:t>
+              <a:t>11/21/2022</a:t>
             </a:fld>
             <a:endParaRPr lang="en-US"/>
           </a:p>
@@ -2413,7 +2667,7 @@
           <a:p>
             <a:fld id="{1D34F2E3-3545-4AD3-A31E-9231ACC12138}" type="datetimeFigureOut">
               <a:rPr lang="en-US" smtClean="0"/>
-              <a:t>11/15/2022</a:t>
+              <a:t>11/21/2022</a:t>
             </a:fld>
             <a:endParaRPr lang="en-US"/>
           </a:p>
@@ -2526,7 +2780,7 @@
           <a:p>
             <a:fld id="{1D34F2E3-3545-4AD3-A31E-9231ACC12138}" type="datetimeFigureOut">
               <a:rPr lang="en-US" smtClean="0"/>
-              <a:t>11/15/2022</a:t>
+              <a:t>11/21/2022</a:t>
             </a:fld>
             <a:endParaRPr lang="en-US"/>
           </a:p>
@@ -2839,7 +3093,7 @@
           <a:p>
             <a:fld id="{1D34F2E3-3545-4AD3-A31E-9231ACC12138}" type="datetimeFigureOut">
               <a:rPr lang="en-US" smtClean="0"/>
-              <a:t>11/15/2022</a:t>
+              <a:t>11/21/2022</a:t>
             </a:fld>
             <a:endParaRPr lang="en-US"/>
           </a:p>
@@ -3128,7 +3382,7 @@
           <a:p>
             <a:fld id="{1D34F2E3-3545-4AD3-A31E-9231ACC12138}" type="datetimeFigureOut">
               <a:rPr lang="en-US" smtClean="0"/>
-              <a:t>11/15/2022</a:t>
+              <a:t>11/21/2022</a:t>
             </a:fld>
             <a:endParaRPr lang="en-US"/>
           </a:p>
@@ -3371,7 +3625,7 @@
           <a:p>
             <a:fld id="{1D34F2E3-3545-4AD3-A31E-9231ACC12138}" type="datetimeFigureOut">
               <a:rPr lang="en-US" smtClean="0"/>
-              <a:t>11/15/2022</a:t>
+              <a:t>11/21/2022</a:t>
             </a:fld>
             <a:endParaRPr lang="en-US"/>
           </a:p>
@@ -7427,70 +7681,3848 @@
           <a:chExt cx="0" cy="0"/>
         </a:xfrm>
       </p:grpSpPr>
-      <p:pic>
-        <p:nvPicPr>
-          <p:cNvPr id="5" name="Imagen 4">
+      <p:grpSp>
+        <p:nvGrpSpPr>
+          <p:cNvPr id="19" name="Grupo 18">
             <a:extLst>
               <a:ext uri="{FF2B5EF4-FFF2-40B4-BE49-F238E27FC236}">
-                <a16:creationId xmlns:a16="http://schemas.microsoft.com/office/drawing/2014/main" id="{0A3374EA-0C4C-63CF-FB19-213F37670C22}"/>
+                <a16:creationId xmlns:a16="http://schemas.microsoft.com/office/drawing/2014/main" id="{4980E380-E795-9B88-DE07-BFDD4F256B84}"/>
               </a:ext>
             </a:extLst>
           </p:cNvPr>
-          <p:cNvPicPr>
-            <a:picLocks noChangeAspect="1"/>
-          </p:cNvPicPr>
+          <p:cNvGrpSpPr/>
           <p:nvPr/>
-        </p:nvPicPr>
-        <p:blipFill>
-          <a:blip r:embed="rId2"/>
-          <a:stretch>
-            <a:fillRect/>
-          </a:stretch>
-        </p:blipFill>
+        </p:nvGrpSpPr>
+        <p:grpSpPr>
+          <a:xfrm>
+            <a:off x="1324176" y="444196"/>
+            <a:ext cx="9267963" cy="6273262"/>
+            <a:chOff x="1324176" y="444196"/>
+            <a:chExt cx="9267963" cy="6273262"/>
+          </a:xfrm>
+        </p:grpSpPr>
+        <p:grpSp>
+          <p:nvGrpSpPr>
+            <p:cNvPr id="14" name="Grupo 13">
+              <a:extLst>
+                <a:ext uri="{FF2B5EF4-FFF2-40B4-BE49-F238E27FC236}">
+                  <a16:creationId xmlns:a16="http://schemas.microsoft.com/office/drawing/2014/main" id="{B5767478-1706-08FC-AB49-BB8C2E995A65}"/>
+                </a:ext>
+              </a:extLst>
+            </p:cNvPr>
+            <p:cNvGrpSpPr/>
+            <p:nvPr/>
+          </p:nvGrpSpPr>
+          <p:grpSpPr>
+            <a:xfrm>
+              <a:off x="1447394" y="444196"/>
+              <a:ext cx="9144745" cy="6273262"/>
+              <a:chOff x="1447394" y="444196"/>
+              <a:chExt cx="9144745" cy="6273262"/>
+            </a:xfrm>
+          </p:grpSpPr>
+          <p:cxnSp>
+            <p:nvCxnSpPr>
+              <p:cNvPr id="8" name="Conector recto 7">
+                <a:extLst>
+                  <a:ext uri="{FF2B5EF4-FFF2-40B4-BE49-F238E27FC236}">
+                    <a16:creationId xmlns:a16="http://schemas.microsoft.com/office/drawing/2014/main" id="{FEB1CF91-CA3E-FEFF-0593-24CF57710D78}"/>
+                  </a:ext>
+                </a:extLst>
+              </p:cNvPr>
+              <p:cNvCxnSpPr>
+                <a:cxnSpLocks/>
+              </p:cNvCxnSpPr>
+              <p:nvPr/>
+            </p:nvCxnSpPr>
+            <p:spPr>
+              <a:xfrm>
+                <a:off x="2273043" y="2715367"/>
+                <a:ext cx="7678885" cy="373832"/>
+              </a:xfrm>
+              <a:prstGeom prst="line">
+                <a:avLst/>
+              </a:prstGeom>
+              <a:ln w="28575">
+                <a:solidFill>
+                  <a:schemeClr val="bg2">
+                    <a:lumMod val="25000"/>
+                  </a:schemeClr>
+                </a:solidFill>
+              </a:ln>
+            </p:spPr>
+            <p:style>
+              <a:lnRef idx="1">
+                <a:schemeClr val="accent1"/>
+              </a:lnRef>
+              <a:fillRef idx="0">
+                <a:schemeClr val="accent1"/>
+              </a:fillRef>
+              <a:effectRef idx="0">
+                <a:schemeClr val="accent1"/>
+              </a:effectRef>
+              <a:fontRef idx="minor">
+                <a:schemeClr val="tx1"/>
+              </a:fontRef>
+            </p:style>
+          </p:cxnSp>
+          <p:sp>
+            <p:nvSpPr>
+              <p:cNvPr id="3" name="CuadroTexto 2">
+                <a:extLst>
+                  <a:ext uri="{FF2B5EF4-FFF2-40B4-BE49-F238E27FC236}">
+                    <a16:creationId xmlns:a16="http://schemas.microsoft.com/office/drawing/2014/main" id="{56FF6EBB-BDA8-7D92-E71C-3379B841BA25}"/>
+                  </a:ext>
+                </a:extLst>
+              </p:cNvPr>
+              <p:cNvSpPr txBox="1"/>
+              <p:nvPr/>
+            </p:nvSpPr>
+            <p:spPr>
+              <a:xfrm>
+                <a:off x="1447394" y="1243078"/>
+                <a:ext cx="1301750" cy="338554"/>
+              </a:xfrm>
+              <a:prstGeom prst="rect">
+                <a:avLst/>
+              </a:prstGeom>
+              <a:noFill/>
+            </p:spPr>
+            <p:txBody>
+              <a:bodyPr wrap="square" rtlCol="0">
+                <a:spAutoFit/>
+              </a:bodyPr>
+              <a:lstStyle>
+                <a:defPPr>
+                  <a:defRPr lang="en-US"/>
+                </a:defPPr>
+                <a:lvl1pPr algn="ctr">
+                  <a:defRPr sz="1100" b="1">
+                    <a:solidFill>
+                      <a:schemeClr val="bg2">
+                        <a:lumMod val="25000"/>
+                      </a:schemeClr>
+                    </a:solidFill>
+                    <a:latin typeface="Segoe UI Light" panose="020B0502040204020203" pitchFamily="34" charset="0"/>
+                    <a:cs typeface="Segoe UI Light" panose="020B0502040204020203" pitchFamily="34" charset="0"/>
+                  </a:defRPr>
+                </a:lvl1pPr>
+              </a:lstStyle>
+              <a:p>
+                <a:r>
+                  <a:rPr lang="en-US" sz="1600" dirty="0">
+                    <a:solidFill>
+                      <a:schemeClr val="bg2">
+                        <a:lumMod val="10000"/>
+                      </a:schemeClr>
+                    </a:solidFill>
+                  </a:rPr>
+                  <a:t>Q</a:t>
+                </a:r>
+                <a:r>
+                  <a:rPr lang="en-US" sz="1600" baseline="-25000" dirty="0">
+                    <a:solidFill>
+                      <a:schemeClr val="bg2">
+                        <a:lumMod val="10000"/>
+                      </a:schemeClr>
+                    </a:solidFill>
+                  </a:rPr>
+                  <a:t> </a:t>
+                </a:r>
+                <a:endParaRPr lang="en-US" sz="1400" baseline="-25000" dirty="0">
+                  <a:solidFill>
+                    <a:schemeClr val="bg2">
+                      <a:lumMod val="10000"/>
+                    </a:schemeClr>
+                  </a:solidFill>
+                </a:endParaRPr>
+              </a:p>
+            </p:txBody>
+          </p:sp>
+          <p:sp>
+            <p:nvSpPr>
+              <p:cNvPr id="7" name="CuadroTexto 6">
+                <a:extLst>
+                  <a:ext uri="{FF2B5EF4-FFF2-40B4-BE49-F238E27FC236}">
+                    <a16:creationId xmlns:a16="http://schemas.microsoft.com/office/drawing/2014/main" id="{BD5F8875-A00B-D047-178F-A8D5C4F81556}"/>
+                  </a:ext>
+                </a:extLst>
+              </p:cNvPr>
+              <p:cNvSpPr txBox="1"/>
+              <p:nvPr/>
+            </p:nvSpPr>
+            <p:spPr>
+              <a:xfrm>
+                <a:off x="1802911" y="444196"/>
+                <a:ext cx="1301750" cy="307777"/>
+              </a:xfrm>
+              <a:prstGeom prst="rect">
+                <a:avLst/>
+              </a:prstGeom>
+              <a:noFill/>
+            </p:spPr>
+            <p:txBody>
+              <a:bodyPr wrap="square" rtlCol="0">
+                <a:spAutoFit/>
+              </a:bodyPr>
+              <a:lstStyle>
+                <a:defPPr>
+                  <a:defRPr lang="en-US"/>
+                </a:defPPr>
+                <a:lvl1pPr algn="ctr">
+                  <a:defRPr sz="1100" b="1">
+                    <a:solidFill>
+                      <a:schemeClr val="bg2">
+                        <a:lumMod val="25000"/>
+                      </a:schemeClr>
+                    </a:solidFill>
+                    <a:latin typeface="Segoe UI Light" panose="020B0502040204020203" pitchFamily="34" charset="0"/>
+                    <a:cs typeface="Segoe UI Light" panose="020B0502040204020203" pitchFamily="34" charset="0"/>
+                  </a:defRPr>
+                </a:lvl1pPr>
+              </a:lstStyle>
+              <a:p>
+                <a:r>
+                  <a:rPr lang="es-VE" sz="1400" dirty="0">
+                    <a:solidFill>
+                      <a:schemeClr val="bg2">
+                        <a:lumMod val="10000"/>
+                      </a:schemeClr>
+                    </a:solidFill>
+                  </a:rPr>
+                  <a:t>Aguas</a:t>
+                </a:r>
+                <a:r>
+                  <a:rPr lang="en-US" sz="1400" dirty="0">
+                    <a:solidFill>
+                      <a:schemeClr val="bg2">
+                        <a:lumMod val="10000"/>
+                      </a:schemeClr>
+                    </a:solidFill>
+                  </a:rPr>
+                  <a:t> arriba</a:t>
+                </a:r>
+                <a:r>
+                  <a:rPr lang="en-US" sz="1400" baseline="-25000" dirty="0">
+                    <a:solidFill>
+                      <a:schemeClr val="bg2">
+                        <a:lumMod val="10000"/>
+                      </a:schemeClr>
+                    </a:solidFill>
+                  </a:rPr>
+                  <a:t> </a:t>
+                </a:r>
+                <a:endParaRPr lang="en-US" sz="1200" baseline="-25000" dirty="0">
+                  <a:solidFill>
+                    <a:schemeClr val="bg2">
+                      <a:lumMod val="10000"/>
+                    </a:schemeClr>
+                  </a:solidFill>
+                </a:endParaRPr>
+              </a:p>
+            </p:txBody>
+          </p:sp>
+          <p:sp>
+            <p:nvSpPr>
+              <p:cNvPr id="9" name="CuadroTexto 8">
+                <a:extLst>
+                  <a:ext uri="{FF2B5EF4-FFF2-40B4-BE49-F238E27FC236}">
+                    <a16:creationId xmlns:a16="http://schemas.microsoft.com/office/drawing/2014/main" id="{CA5B9424-C0CE-F0C1-8A98-1D9A600F8524}"/>
+                  </a:ext>
+                </a:extLst>
+              </p:cNvPr>
+              <p:cNvSpPr txBox="1"/>
+              <p:nvPr/>
+            </p:nvSpPr>
+            <p:spPr>
+              <a:xfrm>
+                <a:off x="9290389" y="444196"/>
+                <a:ext cx="1301750" cy="307777"/>
+              </a:xfrm>
+              <a:prstGeom prst="rect">
+                <a:avLst/>
+              </a:prstGeom>
+              <a:noFill/>
+            </p:spPr>
+            <p:txBody>
+              <a:bodyPr wrap="square" rtlCol="0">
+                <a:spAutoFit/>
+              </a:bodyPr>
+              <a:lstStyle>
+                <a:defPPr>
+                  <a:defRPr lang="en-US"/>
+                </a:defPPr>
+                <a:lvl1pPr algn="ctr">
+                  <a:defRPr sz="1100" b="1">
+                    <a:solidFill>
+                      <a:schemeClr val="bg2">
+                        <a:lumMod val="25000"/>
+                      </a:schemeClr>
+                    </a:solidFill>
+                    <a:latin typeface="Segoe UI Light" panose="020B0502040204020203" pitchFamily="34" charset="0"/>
+                    <a:cs typeface="Segoe UI Light" panose="020B0502040204020203" pitchFamily="34" charset="0"/>
+                  </a:defRPr>
+                </a:lvl1pPr>
+              </a:lstStyle>
+              <a:p>
+                <a:r>
+                  <a:rPr lang="es-VE" sz="1400" dirty="0">
+                    <a:solidFill>
+                      <a:schemeClr val="bg2">
+                        <a:lumMod val="10000"/>
+                      </a:schemeClr>
+                    </a:solidFill>
+                  </a:rPr>
+                  <a:t>Aguas</a:t>
+                </a:r>
+                <a:r>
+                  <a:rPr lang="en-US" sz="1400" dirty="0">
+                    <a:solidFill>
+                      <a:schemeClr val="bg2">
+                        <a:lumMod val="10000"/>
+                      </a:schemeClr>
+                    </a:solidFill>
+                  </a:rPr>
+                  <a:t> </a:t>
+                </a:r>
+                <a:r>
+                  <a:rPr lang="es-VE" sz="1400" dirty="0">
+                    <a:solidFill>
+                      <a:schemeClr val="bg2">
+                        <a:lumMod val="10000"/>
+                      </a:schemeClr>
+                    </a:solidFill>
+                  </a:rPr>
+                  <a:t>abajo</a:t>
+                </a:r>
+                <a:r>
+                  <a:rPr lang="en-US" sz="1400" baseline="-25000" dirty="0">
+                    <a:solidFill>
+                      <a:schemeClr val="bg2">
+                        <a:lumMod val="10000"/>
+                      </a:schemeClr>
+                    </a:solidFill>
+                  </a:rPr>
+                  <a:t> </a:t>
+                </a:r>
+                <a:endParaRPr lang="en-US" sz="1200" baseline="-25000" dirty="0">
+                  <a:solidFill>
+                    <a:schemeClr val="bg2">
+                      <a:lumMod val="10000"/>
+                    </a:schemeClr>
+                  </a:solidFill>
+                </a:endParaRPr>
+              </a:p>
+            </p:txBody>
+          </p:sp>
+          <p:sp>
+            <p:nvSpPr>
+              <p:cNvPr id="17" name="CuadroTexto 16">
+                <a:extLst>
+                  <a:ext uri="{FF2B5EF4-FFF2-40B4-BE49-F238E27FC236}">
+                    <a16:creationId xmlns:a16="http://schemas.microsoft.com/office/drawing/2014/main" id="{5FEF650D-4B30-5DAB-1CBD-ED4F91543F25}"/>
+                  </a:ext>
+                </a:extLst>
+              </p:cNvPr>
+              <p:cNvSpPr txBox="1"/>
+              <p:nvPr/>
+            </p:nvSpPr>
+            <p:spPr>
+              <a:xfrm>
+                <a:off x="3339187" y="4333546"/>
+                <a:ext cx="1301750" cy="584775"/>
+              </a:xfrm>
+              <a:prstGeom prst="rect">
+                <a:avLst/>
+              </a:prstGeom>
+              <a:noFill/>
+            </p:spPr>
+            <p:txBody>
+              <a:bodyPr wrap="square" rtlCol="0">
+                <a:spAutoFit/>
+              </a:bodyPr>
+              <a:lstStyle>
+                <a:defPPr>
+                  <a:defRPr lang="en-US"/>
+                </a:defPPr>
+                <a:lvl1pPr algn="ctr">
+                  <a:defRPr sz="1100" b="1">
+                    <a:solidFill>
+                      <a:schemeClr val="bg2">
+                        <a:lumMod val="25000"/>
+                      </a:schemeClr>
+                    </a:solidFill>
+                    <a:latin typeface="Segoe UI Light" panose="020B0502040204020203" pitchFamily="34" charset="0"/>
+                    <a:cs typeface="Segoe UI Light" panose="020B0502040204020203" pitchFamily="34" charset="0"/>
+                  </a:defRPr>
+                </a:lvl1pPr>
+              </a:lstStyle>
+              <a:p>
+                <a:r>
+                  <a:rPr lang="es-VE" sz="1600" dirty="0">
+                    <a:solidFill>
+                      <a:schemeClr val="bg2">
+                        <a:lumMod val="10000"/>
+                      </a:schemeClr>
+                    </a:solidFill>
+                  </a:rPr>
+                  <a:t>Secciones transversales</a:t>
+                </a:r>
+                <a:endParaRPr lang="es-VE" sz="1400" baseline="-25000" dirty="0">
+                  <a:solidFill>
+                    <a:schemeClr val="bg2">
+                      <a:lumMod val="10000"/>
+                    </a:schemeClr>
+                  </a:solidFill>
+                </a:endParaRPr>
+              </a:p>
+            </p:txBody>
+          </p:sp>
+          <p:cxnSp>
+            <p:nvCxnSpPr>
+              <p:cNvPr id="39" name="Conector recto 38">
+                <a:extLst>
+                  <a:ext uri="{FF2B5EF4-FFF2-40B4-BE49-F238E27FC236}">
+                    <a16:creationId xmlns:a16="http://schemas.microsoft.com/office/drawing/2014/main" id="{C00A1D55-8376-A1B5-EEC6-E7F1D7F7B8F6}"/>
+                  </a:ext>
+                </a:extLst>
+              </p:cNvPr>
+              <p:cNvCxnSpPr>
+                <a:cxnSpLocks/>
+              </p:cNvCxnSpPr>
+              <p:nvPr/>
+            </p:nvCxnSpPr>
+            <p:spPr>
+              <a:xfrm flipV="1">
+                <a:off x="2273043" y="886245"/>
+                <a:ext cx="0" cy="2659625"/>
+              </a:xfrm>
+              <a:prstGeom prst="line">
+                <a:avLst/>
+              </a:prstGeom>
+              <a:ln w="19050">
+                <a:solidFill>
+                  <a:schemeClr val="bg2">
+                    <a:lumMod val="50000"/>
+                  </a:schemeClr>
+                </a:solidFill>
+                <a:prstDash val="lgDash"/>
+              </a:ln>
+            </p:spPr>
+            <p:style>
+              <a:lnRef idx="1">
+                <a:schemeClr val="accent1"/>
+              </a:lnRef>
+              <a:fillRef idx="0">
+                <a:schemeClr val="accent1"/>
+              </a:fillRef>
+              <a:effectRef idx="0">
+                <a:schemeClr val="accent1"/>
+              </a:effectRef>
+              <a:fontRef idx="minor">
+                <a:schemeClr val="tx1"/>
+              </a:fontRef>
+            </p:style>
+          </p:cxnSp>
+          <p:cxnSp>
+            <p:nvCxnSpPr>
+              <p:cNvPr id="69" name="Conector recto 68">
+                <a:extLst>
+                  <a:ext uri="{FF2B5EF4-FFF2-40B4-BE49-F238E27FC236}">
+                    <a16:creationId xmlns:a16="http://schemas.microsoft.com/office/drawing/2014/main" id="{214B5435-147F-9E6D-F1A1-70DD956F16FB}"/>
+                  </a:ext>
+                </a:extLst>
+              </p:cNvPr>
+              <p:cNvCxnSpPr>
+                <a:cxnSpLocks/>
+              </p:cNvCxnSpPr>
+              <p:nvPr/>
+            </p:nvCxnSpPr>
+            <p:spPr>
+              <a:xfrm flipV="1">
+                <a:off x="3232904" y="886245"/>
+                <a:ext cx="0" cy="2659625"/>
+              </a:xfrm>
+              <a:prstGeom prst="line">
+                <a:avLst/>
+              </a:prstGeom>
+              <a:ln w="19050">
+                <a:solidFill>
+                  <a:schemeClr val="bg2">
+                    <a:lumMod val="50000"/>
+                  </a:schemeClr>
+                </a:solidFill>
+                <a:prstDash val="lgDash"/>
+              </a:ln>
+            </p:spPr>
+            <p:style>
+              <a:lnRef idx="1">
+                <a:schemeClr val="accent1"/>
+              </a:lnRef>
+              <a:fillRef idx="0">
+                <a:schemeClr val="accent1"/>
+              </a:fillRef>
+              <a:effectRef idx="0">
+                <a:schemeClr val="accent1"/>
+              </a:effectRef>
+              <a:fontRef idx="minor">
+                <a:schemeClr val="tx1"/>
+              </a:fontRef>
+            </p:style>
+          </p:cxnSp>
+          <p:cxnSp>
+            <p:nvCxnSpPr>
+              <p:cNvPr id="70" name="Conector recto 69">
+                <a:extLst>
+                  <a:ext uri="{FF2B5EF4-FFF2-40B4-BE49-F238E27FC236}">
+                    <a16:creationId xmlns:a16="http://schemas.microsoft.com/office/drawing/2014/main" id="{A77C7ED3-E514-0279-D831-DCFABF94C740}"/>
+                  </a:ext>
+                </a:extLst>
+              </p:cNvPr>
+              <p:cNvCxnSpPr>
+                <a:cxnSpLocks/>
+              </p:cNvCxnSpPr>
+              <p:nvPr/>
+            </p:nvCxnSpPr>
+            <p:spPr>
+              <a:xfrm flipV="1">
+                <a:off x="9951928" y="886245"/>
+                <a:ext cx="0" cy="2659625"/>
+              </a:xfrm>
+              <a:prstGeom prst="line">
+                <a:avLst/>
+              </a:prstGeom>
+              <a:ln w="19050">
+                <a:solidFill>
+                  <a:schemeClr val="bg2">
+                    <a:lumMod val="50000"/>
+                  </a:schemeClr>
+                </a:solidFill>
+                <a:prstDash val="lgDash"/>
+              </a:ln>
+            </p:spPr>
+            <p:style>
+              <a:lnRef idx="1">
+                <a:schemeClr val="accent1"/>
+              </a:lnRef>
+              <a:fillRef idx="0">
+                <a:schemeClr val="accent1"/>
+              </a:fillRef>
+              <a:effectRef idx="0">
+                <a:schemeClr val="accent1"/>
+              </a:effectRef>
+              <a:fontRef idx="minor">
+                <a:schemeClr val="tx1"/>
+              </a:fontRef>
+            </p:style>
+          </p:cxnSp>
+          <p:cxnSp>
+            <p:nvCxnSpPr>
+              <p:cNvPr id="71" name="Conector recto 70">
+                <a:extLst>
+                  <a:ext uri="{FF2B5EF4-FFF2-40B4-BE49-F238E27FC236}">
+                    <a16:creationId xmlns:a16="http://schemas.microsoft.com/office/drawing/2014/main" id="{7271969A-CC15-004D-1946-CB34A4D33BCD}"/>
+                  </a:ext>
+                </a:extLst>
+              </p:cNvPr>
+              <p:cNvCxnSpPr>
+                <a:cxnSpLocks/>
+              </p:cNvCxnSpPr>
+              <p:nvPr/>
+            </p:nvCxnSpPr>
+            <p:spPr>
+              <a:xfrm flipV="1">
+                <a:off x="4192765" y="886245"/>
+                <a:ext cx="0" cy="2659625"/>
+              </a:xfrm>
+              <a:prstGeom prst="line">
+                <a:avLst/>
+              </a:prstGeom>
+              <a:ln w="19050">
+                <a:solidFill>
+                  <a:schemeClr val="bg2">
+                    <a:lumMod val="50000"/>
+                  </a:schemeClr>
+                </a:solidFill>
+                <a:prstDash val="lgDash"/>
+              </a:ln>
+            </p:spPr>
+            <p:style>
+              <a:lnRef idx="1">
+                <a:schemeClr val="accent1"/>
+              </a:lnRef>
+              <a:fillRef idx="0">
+                <a:schemeClr val="accent1"/>
+              </a:fillRef>
+              <a:effectRef idx="0">
+                <a:schemeClr val="accent1"/>
+              </a:effectRef>
+              <a:fontRef idx="minor">
+                <a:schemeClr val="tx1"/>
+              </a:fontRef>
+            </p:style>
+          </p:cxnSp>
+          <p:cxnSp>
+            <p:nvCxnSpPr>
+              <p:cNvPr id="72" name="Conector recto 71">
+                <a:extLst>
+                  <a:ext uri="{FF2B5EF4-FFF2-40B4-BE49-F238E27FC236}">
+                    <a16:creationId xmlns:a16="http://schemas.microsoft.com/office/drawing/2014/main" id="{5A5132C0-81E6-8249-00E3-71D6EC33BB72}"/>
+                  </a:ext>
+                </a:extLst>
+              </p:cNvPr>
+              <p:cNvCxnSpPr>
+                <a:cxnSpLocks/>
+              </p:cNvCxnSpPr>
+              <p:nvPr/>
+            </p:nvCxnSpPr>
+            <p:spPr>
+              <a:xfrm flipV="1">
+                <a:off x="5152626" y="886245"/>
+                <a:ext cx="0" cy="2659625"/>
+              </a:xfrm>
+              <a:prstGeom prst="line">
+                <a:avLst/>
+              </a:prstGeom>
+              <a:ln w="19050">
+                <a:solidFill>
+                  <a:schemeClr val="bg2">
+                    <a:lumMod val="50000"/>
+                  </a:schemeClr>
+                </a:solidFill>
+                <a:prstDash val="lgDash"/>
+              </a:ln>
+            </p:spPr>
+            <p:style>
+              <a:lnRef idx="1">
+                <a:schemeClr val="accent1"/>
+              </a:lnRef>
+              <a:fillRef idx="0">
+                <a:schemeClr val="accent1"/>
+              </a:fillRef>
+              <a:effectRef idx="0">
+                <a:schemeClr val="accent1"/>
+              </a:effectRef>
+              <a:fontRef idx="minor">
+                <a:schemeClr val="tx1"/>
+              </a:fontRef>
+            </p:style>
+          </p:cxnSp>
+          <p:cxnSp>
+            <p:nvCxnSpPr>
+              <p:cNvPr id="73" name="Conector recto 72">
+                <a:extLst>
+                  <a:ext uri="{FF2B5EF4-FFF2-40B4-BE49-F238E27FC236}">
+                    <a16:creationId xmlns:a16="http://schemas.microsoft.com/office/drawing/2014/main" id="{253EA7CB-1391-5AB5-2A2D-8B5BF2571195}"/>
+                  </a:ext>
+                </a:extLst>
+              </p:cNvPr>
+              <p:cNvCxnSpPr>
+                <a:cxnSpLocks/>
+              </p:cNvCxnSpPr>
+              <p:nvPr/>
+            </p:nvCxnSpPr>
+            <p:spPr>
+              <a:xfrm flipV="1">
+                <a:off x="6112487" y="886245"/>
+                <a:ext cx="0" cy="2659625"/>
+              </a:xfrm>
+              <a:prstGeom prst="line">
+                <a:avLst/>
+              </a:prstGeom>
+              <a:ln w="19050">
+                <a:solidFill>
+                  <a:schemeClr val="bg2">
+                    <a:lumMod val="50000"/>
+                  </a:schemeClr>
+                </a:solidFill>
+                <a:prstDash val="lgDash"/>
+              </a:ln>
+            </p:spPr>
+            <p:style>
+              <a:lnRef idx="1">
+                <a:schemeClr val="accent1"/>
+              </a:lnRef>
+              <a:fillRef idx="0">
+                <a:schemeClr val="accent1"/>
+              </a:fillRef>
+              <a:effectRef idx="0">
+                <a:schemeClr val="accent1"/>
+              </a:effectRef>
+              <a:fontRef idx="minor">
+                <a:schemeClr val="tx1"/>
+              </a:fontRef>
+            </p:style>
+          </p:cxnSp>
+          <p:cxnSp>
+            <p:nvCxnSpPr>
+              <p:cNvPr id="74" name="Conector recto 73">
+                <a:extLst>
+                  <a:ext uri="{FF2B5EF4-FFF2-40B4-BE49-F238E27FC236}">
+                    <a16:creationId xmlns:a16="http://schemas.microsoft.com/office/drawing/2014/main" id="{7225A386-EE50-4820-14B8-8F138A05F1B1}"/>
+                  </a:ext>
+                </a:extLst>
+              </p:cNvPr>
+              <p:cNvCxnSpPr>
+                <a:cxnSpLocks/>
+              </p:cNvCxnSpPr>
+              <p:nvPr/>
+            </p:nvCxnSpPr>
+            <p:spPr>
+              <a:xfrm flipV="1">
+                <a:off x="8992070" y="886245"/>
+                <a:ext cx="0" cy="2659625"/>
+              </a:xfrm>
+              <a:prstGeom prst="line">
+                <a:avLst/>
+              </a:prstGeom>
+              <a:ln w="19050">
+                <a:solidFill>
+                  <a:schemeClr val="bg2">
+                    <a:lumMod val="50000"/>
+                  </a:schemeClr>
+                </a:solidFill>
+                <a:prstDash val="lgDash"/>
+              </a:ln>
+            </p:spPr>
+            <p:style>
+              <a:lnRef idx="1">
+                <a:schemeClr val="accent1"/>
+              </a:lnRef>
+              <a:fillRef idx="0">
+                <a:schemeClr val="accent1"/>
+              </a:fillRef>
+              <a:effectRef idx="0">
+                <a:schemeClr val="accent1"/>
+              </a:effectRef>
+              <a:fontRef idx="minor">
+                <a:schemeClr val="tx1"/>
+              </a:fontRef>
+            </p:style>
+          </p:cxnSp>
+          <p:cxnSp>
+            <p:nvCxnSpPr>
+              <p:cNvPr id="75" name="Conector recto 74">
+                <a:extLst>
+                  <a:ext uri="{FF2B5EF4-FFF2-40B4-BE49-F238E27FC236}">
+                    <a16:creationId xmlns:a16="http://schemas.microsoft.com/office/drawing/2014/main" id="{1050F6C7-BFAD-836A-76D2-9327A9619E7E}"/>
+                  </a:ext>
+                </a:extLst>
+              </p:cNvPr>
+              <p:cNvCxnSpPr>
+                <a:cxnSpLocks/>
+              </p:cNvCxnSpPr>
+              <p:nvPr/>
+            </p:nvCxnSpPr>
+            <p:spPr>
+              <a:xfrm flipV="1">
+                <a:off x="7072348" y="886245"/>
+                <a:ext cx="0" cy="2659625"/>
+              </a:xfrm>
+              <a:prstGeom prst="line">
+                <a:avLst/>
+              </a:prstGeom>
+              <a:ln w="19050">
+                <a:solidFill>
+                  <a:schemeClr val="bg2">
+                    <a:lumMod val="50000"/>
+                  </a:schemeClr>
+                </a:solidFill>
+                <a:prstDash val="lgDash"/>
+              </a:ln>
+            </p:spPr>
+            <p:style>
+              <a:lnRef idx="1">
+                <a:schemeClr val="accent1"/>
+              </a:lnRef>
+              <a:fillRef idx="0">
+                <a:schemeClr val="accent1"/>
+              </a:fillRef>
+              <a:effectRef idx="0">
+                <a:schemeClr val="accent1"/>
+              </a:effectRef>
+              <a:fontRef idx="minor">
+                <a:schemeClr val="tx1"/>
+              </a:fontRef>
+            </p:style>
+          </p:cxnSp>
+          <p:cxnSp>
+            <p:nvCxnSpPr>
+              <p:cNvPr id="76" name="Conector recto 75">
+                <a:extLst>
+                  <a:ext uri="{FF2B5EF4-FFF2-40B4-BE49-F238E27FC236}">
+                    <a16:creationId xmlns:a16="http://schemas.microsoft.com/office/drawing/2014/main" id="{9F31E19C-138D-3FCF-E872-114EE52FB053}"/>
+                  </a:ext>
+                </a:extLst>
+              </p:cNvPr>
+              <p:cNvCxnSpPr>
+                <a:cxnSpLocks/>
+              </p:cNvCxnSpPr>
+              <p:nvPr/>
+            </p:nvCxnSpPr>
+            <p:spPr>
+              <a:xfrm flipV="1">
+                <a:off x="8032209" y="886245"/>
+                <a:ext cx="0" cy="2659625"/>
+              </a:xfrm>
+              <a:prstGeom prst="line">
+                <a:avLst/>
+              </a:prstGeom>
+              <a:ln w="19050">
+                <a:solidFill>
+                  <a:schemeClr val="bg2">
+                    <a:lumMod val="50000"/>
+                  </a:schemeClr>
+                </a:solidFill>
+                <a:prstDash val="lgDash"/>
+              </a:ln>
+            </p:spPr>
+            <p:style>
+              <a:lnRef idx="1">
+                <a:schemeClr val="accent1"/>
+              </a:lnRef>
+              <a:fillRef idx="0">
+                <a:schemeClr val="accent1"/>
+              </a:fillRef>
+              <a:effectRef idx="0">
+                <a:schemeClr val="accent1"/>
+              </a:effectRef>
+              <a:fontRef idx="minor">
+                <a:schemeClr val="tx1"/>
+              </a:fontRef>
+            </p:style>
+          </p:cxnSp>
+          <p:cxnSp>
+            <p:nvCxnSpPr>
+              <p:cNvPr id="2" name="Conector recto de flecha 1">
+                <a:extLst>
+                  <a:ext uri="{FF2B5EF4-FFF2-40B4-BE49-F238E27FC236}">
+                    <a16:creationId xmlns:a16="http://schemas.microsoft.com/office/drawing/2014/main" id="{819B70ED-453D-BD20-2D77-8F97CC52C0F8}"/>
+                  </a:ext>
+                </a:extLst>
+              </p:cNvPr>
+              <p:cNvCxnSpPr>
+                <a:cxnSpLocks/>
+              </p:cNvCxnSpPr>
+              <p:nvPr/>
+            </p:nvCxnSpPr>
+            <p:spPr>
+              <a:xfrm>
+                <a:off x="1671948" y="1661718"/>
+                <a:ext cx="852643" cy="102896"/>
+              </a:xfrm>
+              <a:prstGeom prst="straightConnector1">
+                <a:avLst/>
+              </a:prstGeom>
+              <a:ln w="57150">
+                <a:solidFill>
+                  <a:schemeClr val="bg2">
+                    <a:lumMod val="25000"/>
+                  </a:schemeClr>
+                </a:solidFill>
+                <a:tailEnd type="triangle"/>
+              </a:ln>
+            </p:spPr>
+            <p:style>
+              <a:lnRef idx="1">
+                <a:schemeClr val="accent3"/>
+              </a:lnRef>
+              <a:fillRef idx="0">
+                <a:schemeClr val="accent3"/>
+              </a:fillRef>
+              <a:effectRef idx="0">
+                <a:schemeClr val="accent3"/>
+              </a:effectRef>
+              <a:fontRef idx="minor">
+                <a:schemeClr val="tx1"/>
+              </a:fontRef>
+            </p:style>
+          </p:cxnSp>
+          <p:cxnSp>
+            <p:nvCxnSpPr>
+              <p:cNvPr id="80" name="Conector recto 79">
+                <a:extLst>
+                  <a:ext uri="{FF2B5EF4-FFF2-40B4-BE49-F238E27FC236}">
+                    <a16:creationId xmlns:a16="http://schemas.microsoft.com/office/drawing/2014/main" id="{E6F640EA-3D6B-6ACA-8FCD-8B50E6AECC49}"/>
+                  </a:ext>
+                </a:extLst>
+              </p:cNvPr>
+              <p:cNvCxnSpPr>
+                <a:cxnSpLocks/>
+              </p:cNvCxnSpPr>
+              <p:nvPr/>
+            </p:nvCxnSpPr>
+            <p:spPr>
+              <a:xfrm flipH="1">
+                <a:off x="4627917" y="3624265"/>
+                <a:ext cx="1446231" cy="1001668"/>
+              </a:xfrm>
+              <a:prstGeom prst="line">
+                <a:avLst/>
+              </a:prstGeom>
+              <a:ln w="9525">
+                <a:solidFill>
+                  <a:schemeClr val="tx1">
+                    <a:lumMod val="65000"/>
+                    <a:lumOff val="35000"/>
+                  </a:schemeClr>
+                </a:solidFill>
+                <a:headEnd type="triangle" w="med" len="med"/>
+                <a:tailEnd type="none" w="med" len="med"/>
+              </a:ln>
+            </p:spPr>
+            <p:style>
+              <a:lnRef idx="1">
+                <a:schemeClr val="dk1"/>
+              </a:lnRef>
+              <a:fillRef idx="0">
+                <a:schemeClr val="dk1"/>
+              </a:fillRef>
+              <a:effectRef idx="0">
+                <a:schemeClr val="dk1"/>
+              </a:effectRef>
+              <a:fontRef idx="minor">
+                <a:schemeClr val="tx1"/>
+              </a:fontRef>
+            </p:style>
+          </p:cxnSp>
+          <p:cxnSp>
+            <p:nvCxnSpPr>
+              <p:cNvPr id="82" name="Conector recto 81">
+                <a:extLst>
+                  <a:ext uri="{FF2B5EF4-FFF2-40B4-BE49-F238E27FC236}">
+                    <a16:creationId xmlns:a16="http://schemas.microsoft.com/office/drawing/2014/main" id="{82ED5580-5759-6AC9-C884-CF233B396F4C}"/>
+                  </a:ext>
+                </a:extLst>
+              </p:cNvPr>
+              <p:cNvCxnSpPr>
+                <a:cxnSpLocks/>
+              </p:cNvCxnSpPr>
+              <p:nvPr/>
+            </p:nvCxnSpPr>
+            <p:spPr>
+              <a:xfrm flipH="1" flipV="1">
+                <a:off x="4640937" y="4629741"/>
+                <a:ext cx="964733" cy="422852"/>
+              </a:xfrm>
+              <a:prstGeom prst="line">
+                <a:avLst/>
+              </a:prstGeom>
+              <a:ln w="9525">
+                <a:solidFill>
+                  <a:schemeClr val="tx1">
+                    <a:lumMod val="65000"/>
+                    <a:lumOff val="35000"/>
+                  </a:schemeClr>
+                </a:solidFill>
+                <a:headEnd type="triangle" w="med" len="med"/>
+                <a:tailEnd type="none" w="med" len="med"/>
+              </a:ln>
+            </p:spPr>
+            <p:style>
+              <a:lnRef idx="1">
+                <a:schemeClr val="dk1"/>
+              </a:lnRef>
+              <a:fillRef idx="0">
+                <a:schemeClr val="dk1"/>
+              </a:fillRef>
+              <a:effectRef idx="0">
+                <a:schemeClr val="dk1"/>
+              </a:effectRef>
+              <a:fontRef idx="minor">
+                <a:schemeClr val="tx1"/>
+              </a:fontRef>
+            </p:style>
+          </p:cxnSp>
+          <p:cxnSp>
+            <p:nvCxnSpPr>
+              <p:cNvPr id="87" name="Conector recto 86">
+                <a:extLst>
+                  <a:ext uri="{FF2B5EF4-FFF2-40B4-BE49-F238E27FC236}">
+                    <a16:creationId xmlns:a16="http://schemas.microsoft.com/office/drawing/2014/main" id="{C0D2ECFE-A562-9C3A-3590-57B91F5E56FB}"/>
+                  </a:ext>
+                </a:extLst>
+              </p:cNvPr>
+              <p:cNvCxnSpPr>
+                <a:cxnSpLocks/>
+              </p:cNvCxnSpPr>
+              <p:nvPr/>
+            </p:nvCxnSpPr>
+            <p:spPr>
+              <a:xfrm>
+                <a:off x="2254139" y="1195898"/>
+                <a:ext cx="7687125" cy="526090"/>
+              </a:xfrm>
+              <a:prstGeom prst="line">
+                <a:avLst/>
+              </a:prstGeom>
+              <a:ln w="12700"/>
+            </p:spPr>
+            <p:style>
+              <a:lnRef idx="1">
+                <a:schemeClr val="dk1"/>
+              </a:lnRef>
+              <a:fillRef idx="0">
+                <a:schemeClr val="dk1"/>
+              </a:fillRef>
+              <a:effectRef idx="0">
+                <a:schemeClr val="dk1"/>
+              </a:effectRef>
+              <a:fontRef idx="minor">
+                <a:schemeClr val="tx1"/>
+              </a:fontRef>
+            </p:style>
+          </p:cxnSp>
+          <p:sp>
+            <p:nvSpPr>
+              <p:cNvPr id="90" name="Triángulo isósceles 89">
+                <a:extLst>
+                  <a:ext uri="{FF2B5EF4-FFF2-40B4-BE49-F238E27FC236}">
+                    <a16:creationId xmlns:a16="http://schemas.microsoft.com/office/drawing/2014/main" id="{692A4CA6-8DAC-3792-1BB5-C606598BBC4F}"/>
+                  </a:ext>
+                </a:extLst>
+              </p:cNvPr>
+              <p:cNvSpPr/>
+              <p:nvPr/>
+            </p:nvSpPr>
+            <p:spPr>
+              <a:xfrm rot="10800000">
+                <a:off x="3723419" y="1115862"/>
+                <a:ext cx="324378" cy="160072"/>
+              </a:xfrm>
+              <a:prstGeom prst="triangle">
+                <a:avLst/>
+              </a:prstGeom>
+              <a:ln w="12700"/>
+            </p:spPr>
+            <p:style>
+              <a:lnRef idx="1">
+                <a:schemeClr val="dk1"/>
+              </a:lnRef>
+              <a:fillRef idx="0">
+                <a:schemeClr val="dk1"/>
+              </a:fillRef>
+              <a:effectRef idx="0">
+                <a:schemeClr val="dk1"/>
+              </a:effectRef>
+              <a:fontRef idx="minor">
+                <a:schemeClr val="tx1"/>
+              </a:fontRef>
+            </p:style>
+            <p:txBody>
+              <a:bodyPr rtlCol="0" anchor="ctr"/>
+              <a:lstStyle/>
+              <a:p>
+                <a:pPr algn="ctr"/>
+                <a:endParaRPr lang="en-US" dirty="0"/>
+              </a:p>
+            </p:txBody>
+          </p:sp>
+          <p:cxnSp>
+            <p:nvCxnSpPr>
+              <p:cNvPr id="91" name="Conector recto 90">
+                <a:extLst>
+                  <a:ext uri="{FF2B5EF4-FFF2-40B4-BE49-F238E27FC236}">
+                    <a16:creationId xmlns:a16="http://schemas.microsoft.com/office/drawing/2014/main" id="{E2DB5B40-9921-A742-07B4-340C588998E4}"/>
+                  </a:ext>
+                </a:extLst>
+              </p:cNvPr>
+              <p:cNvCxnSpPr>
+                <a:cxnSpLocks/>
+              </p:cNvCxnSpPr>
+              <p:nvPr/>
+            </p:nvCxnSpPr>
+            <p:spPr>
+              <a:xfrm>
+                <a:off x="3748443" y="1324388"/>
+                <a:ext cx="274330" cy="0"/>
+              </a:xfrm>
+              <a:prstGeom prst="line">
+                <a:avLst/>
+              </a:prstGeom>
+              <a:ln w="12700"/>
+            </p:spPr>
+            <p:style>
+              <a:lnRef idx="1">
+                <a:schemeClr val="dk1"/>
+              </a:lnRef>
+              <a:fillRef idx="0">
+                <a:schemeClr val="dk1"/>
+              </a:fillRef>
+              <a:effectRef idx="0">
+                <a:schemeClr val="dk1"/>
+              </a:effectRef>
+              <a:fontRef idx="minor">
+                <a:schemeClr val="tx1"/>
+              </a:fontRef>
+            </p:style>
+          </p:cxnSp>
+          <p:cxnSp>
+            <p:nvCxnSpPr>
+              <p:cNvPr id="92" name="Conector recto 91">
+                <a:extLst>
+                  <a:ext uri="{FF2B5EF4-FFF2-40B4-BE49-F238E27FC236}">
+                    <a16:creationId xmlns:a16="http://schemas.microsoft.com/office/drawing/2014/main" id="{5FCFC718-E9CA-9A0F-0B96-6B86024EB15D}"/>
+                  </a:ext>
+                </a:extLst>
+              </p:cNvPr>
+              <p:cNvCxnSpPr>
+                <a:cxnSpLocks/>
+              </p:cNvCxnSpPr>
+              <p:nvPr/>
+            </p:nvCxnSpPr>
+            <p:spPr>
+              <a:xfrm>
+                <a:off x="3807415" y="1392968"/>
+                <a:ext cx="156387" cy="0"/>
+              </a:xfrm>
+              <a:prstGeom prst="line">
+                <a:avLst/>
+              </a:prstGeom>
+              <a:ln w="12700"/>
+            </p:spPr>
+            <p:style>
+              <a:lnRef idx="1">
+                <a:schemeClr val="dk1"/>
+              </a:lnRef>
+              <a:fillRef idx="0">
+                <a:schemeClr val="dk1"/>
+              </a:fillRef>
+              <a:effectRef idx="0">
+                <a:schemeClr val="dk1"/>
+              </a:effectRef>
+              <a:fontRef idx="minor">
+                <a:schemeClr val="tx1"/>
+              </a:fontRef>
+            </p:style>
+          </p:cxnSp>
+          <p:cxnSp>
+            <p:nvCxnSpPr>
+              <p:cNvPr id="93" name="Conector recto 92">
+                <a:extLst>
+                  <a:ext uri="{FF2B5EF4-FFF2-40B4-BE49-F238E27FC236}">
+                    <a16:creationId xmlns:a16="http://schemas.microsoft.com/office/drawing/2014/main" id="{8A06AE8C-F159-58EC-ABB1-4ECAEDCFCA21}"/>
+                  </a:ext>
+                </a:extLst>
+              </p:cNvPr>
+              <p:cNvCxnSpPr>
+                <a:cxnSpLocks/>
+              </p:cNvCxnSpPr>
+              <p:nvPr/>
+            </p:nvCxnSpPr>
+            <p:spPr>
+              <a:xfrm>
+                <a:off x="3839883" y="1461548"/>
+                <a:ext cx="91450" cy="0"/>
+              </a:xfrm>
+              <a:prstGeom prst="line">
+                <a:avLst/>
+              </a:prstGeom>
+              <a:ln w="12700"/>
+            </p:spPr>
+            <p:style>
+              <a:lnRef idx="1">
+                <a:schemeClr val="dk1"/>
+              </a:lnRef>
+              <a:fillRef idx="0">
+                <a:schemeClr val="dk1"/>
+              </a:fillRef>
+              <a:effectRef idx="0">
+                <a:schemeClr val="dk1"/>
+              </a:effectRef>
+              <a:fontRef idx="minor">
+                <a:schemeClr val="tx1"/>
+              </a:fontRef>
+            </p:style>
+          </p:cxnSp>
+          <p:pic>
+            <p:nvPicPr>
+              <p:cNvPr id="6" name="Imagen 5">
+                <a:extLst>
+                  <a:ext uri="{FF2B5EF4-FFF2-40B4-BE49-F238E27FC236}">
+                    <a16:creationId xmlns:a16="http://schemas.microsoft.com/office/drawing/2014/main" id="{181CDC06-A727-10DF-0472-179688ACE55A}"/>
+                  </a:ext>
+                </a:extLst>
+              </p:cNvPr>
+              <p:cNvPicPr>
+                <a:picLocks noChangeAspect="1"/>
+              </p:cNvPicPr>
+              <p:nvPr/>
+            </p:nvPicPr>
+            <p:blipFill>
+              <a:blip r:embed="rId3"/>
+              <a:stretch>
+                <a:fillRect/>
+              </a:stretch>
+            </p:blipFill>
+            <p:spPr>
+              <a:xfrm>
+                <a:off x="5726684" y="3989795"/>
+                <a:ext cx="4611050" cy="2727663"/>
+              </a:xfrm>
+              <a:prstGeom prst="rect">
+                <a:avLst/>
+              </a:prstGeom>
+            </p:spPr>
+          </p:pic>
+        </p:grpSp>
+        <p:sp>
+          <p:nvSpPr>
+            <p:cNvPr id="15" name="CuadroTexto 14">
+              <a:extLst>
+                <a:ext uri="{FF2B5EF4-FFF2-40B4-BE49-F238E27FC236}">
+                  <a16:creationId xmlns:a16="http://schemas.microsoft.com/office/drawing/2014/main" id="{A12E5B32-727E-5688-8B28-4146055AE1B9}"/>
+                </a:ext>
+              </a:extLst>
+            </p:cNvPr>
+            <p:cNvSpPr txBox="1"/>
+            <p:nvPr/>
+          </p:nvSpPr>
+          <p:spPr>
+            <a:xfrm>
+              <a:off x="1324176" y="1957008"/>
+              <a:ext cx="1301750" cy="338554"/>
+            </a:xfrm>
+            <a:prstGeom prst="rect">
+              <a:avLst/>
+            </a:prstGeom>
+            <a:noFill/>
+          </p:spPr>
+          <p:txBody>
+            <a:bodyPr wrap="square" rtlCol="0">
+              <a:spAutoFit/>
+            </a:bodyPr>
+            <a:lstStyle>
+              <a:defPPr>
+                <a:defRPr lang="en-US"/>
+              </a:defPPr>
+              <a:lvl1pPr algn="ctr">
+                <a:defRPr sz="1100" b="1">
+                  <a:solidFill>
+                    <a:schemeClr val="bg2">
+                      <a:lumMod val="25000"/>
+                    </a:schemeClr>
+                  </a:solidFill>
+                  <a:latin typeface="Segoe UI Light" panose="020B0502040204020203" pitchFamily="34" charset="0"/>
+                  <a:cs typeface="Segoe UI Light" panose="020B0502040204020203" pitchFamily="34" charset="0"/>
+                </a:defRPr>
+              </a:lvl1pPr>
+            </a:lstStyle>
+            <a:p>
+              <a:r>
+                <a:rPr lang="en-US" sz="1600" dirty="0">
+                  <a:solidFill>
+                    <a:schemeClr val="bg2">
+                      <a:lumMod val="10000"/>
+                    </a:schemeClr>
+                  </a:solidFill>
+                </a:rPr>
+                <a:t>Q</a:t>
+              </a:r>
+              <a:r>
+                <a:rPr lang="en-US" sz="1600" baseline="-25000" dirty="0">
+                  <a:solidFill>
+                    <a:schemeClr val="bg2">
+                      <a:lumMod val="10000"/>
+                    </a:schemeClr>
+                  </a:solidFill>
+                </a:rPr>
+                <a:t>s </a:t>
+              </a:r>
+              <a:endParaRPr lang="en-US" sz="1400" baseline="-25000" dirty="0">
+                <a:solidFill>
+                  <a:schemeClr val="bg2">
+                    <a:lumMod val="10000"/>
+                  </a:schemeClr>
+                </a:solidFill>
+              </a:endParaRPr>
+            </a:p>
+          </p:txBody>
+        </p:sp>
+        <p:cxnSp>
+          <p:nvCxnSpPr>
+            <p:cNvPr id="16" name="Conector recto de flecha 15">
+              <a:extLst>
+                <a:ext uri="{FF2B5EF4-FFF2-40B4-BE49-F238E27FC236}">
+                  <a16:creationId xmlns:a16="http://schemas.microsoft.com/office/drawing/2014/main" id="{E1DE17B7-A4A8-5F79-1F5B-7B332EE9A6C8}"/>
+                </a:ext>
+              </a:extLst>
+            </p:cNvPr>
+            <p:cNvCxnSpPr>
+              <a:cxnSpLocks/>
+            </p:cNvCxnSpPr>
+            <p:nvPr/>
+          </p:nvCxnSpPr>
+          <p:spPr>
+            <a:xfrm>
+              <a:off x="1729399" y="2258696"/>
+              <a:ext cx="757461" cy="76643"/>
+            </a:xfrm>
+            <a:prstGeom prst="straightConnector1">
+              <a:avLst/>
+            </a:prstGeom>
+            <a:ln w="57150">
+              <a:solidFill>
+                <a:schemeClr val="bg2">
+                  <a:lumMod val="50000"/>
+                </a:schemeClr>
+              </a:solidFill>
+              <a:tailEnd type="triangle"/>
+            </a:ln>
+          </p:spPr>
+          <p:style>
+            <a:lnRef idx="1">
+              <a:schemeClr val="accent3"/>
+            </a:lnRef>
+            <a:fillRef idx="0">
+              <a:schemeClr val="accent3"/>
+            </a:fillRef>
+            <a:effectRef idx="0">
+              <a:schemeClr val="accent3"/>
+            </a:effectRef>
+            <a:fontRef idx="minor">
+              <a:schemeClr val="tx1"/>
+            </a:fontRef>
+          </p:style>
+        </p:cxnSp>
+      </p:grpSp>
+    </p:spTree>
+    <p:extLst>
+      <p:ext uri="{BB962C8B-B14F-4D97-AF65-F5344CB8AC3E}">
+        <p14:creationId xmlns:p14="http://schemas.microsoft.com/office/powerpoint/2010/main" val="1120746524"/>
+      </p:ext>
+    </p:extLst>
+  </p:cSld>
+  <p:clrMapOvr>
+    <a:masterClrMapping/>
+  </p:clrMapOvr>
+</p:sld>
+</file>
+
+<file path=ppt/slides/slide6.xml><?xml version="1.0" encoding="utf-8"?>
+<p:sld xmlns:a="http://schemas.openxmlformats.org/drawingml/2006/main" xmlns:r="http://schemas.openxmlformats.org/officeDocument/2006/relationships" xmlns:p="http://schemas.openxmlformats.org/presentationml/2006/main">
+  <p:cSld>
+    <p:spTree>
+      <p:nvGrpSpPr>
+        <p:cNvPr id="1" name=""/>
+        <p:cNvGrpSpPr/>
+        <p:nvPr/>
+      </p:nvGrpSpPr>
+      <p:grpSpPr>
+        <a:xfrm>
+          <a:off x="0" y="0"/>
+          <a:ext cx="0" cy="0"/>
+          <a:chOff x="0" y="0"/>
+          <a:chExt cx="0" cy="0"/>
+        </a:xfrm>
+      </p:grpSpPr>
+      <p:grpSp>
+        <p:nvGrpSpPr>
+          <p:cNvPr id="12" name="Grupo 11">
+            <a:extLst>
+              <a:ext uri="{FF2B5EF4-FFF2-40B4-BE49-F238E27FC236}">
+                <a16:creationId xmlns:a16="http://schemas.microsoft.com/office/drawing/2014/main" id="{F46D6978-B7A9-D3BD-35B7-43D878247607}"/>
+              </a:ext>
+            </a:extLst>
+          </p:cNvPr>
+          <p:cNvGrpSpPr/>
+          <p:nvPr/>
+        </p:nvGrpSpPr>
+        <p:grpSpPr>
+          <a:xfrm>
+            <a:off x="518439" y="444196"/>
+            <a:ext cx="10073700" cy="6276212"/>
+            <a:chOff x="518439" y="444196"/>
+            <a:chExt cx="10073700" cy="6276212"/>
+          </a:xfrm>
+        </p:grpSpPr>
+        <p:cxnSp>
+          <p:nvCxnSpPr>
+            <p:cNvPr id="8" name="Conector recto 7">
+              <a:extLst>
+                <a:ext uri="{FF2B5EF4-FFF2-40B4-BE49-F238E27FC236}">
+                  <a16:creationId xmlns:a16="http://schemas.microsoft.com/office/drawing/2014/main" id="{FEB1CF91-CA3E-FEFF-0593-24CF57710D78}"/>
+                </a:ext>
+              </a:extLst>
+            </p:cNvPr>
+            <p:cNvCxnSpPr>
+              <a:cxnSpLocks/>
+            </p:cNvCxnSpPr>
+            <p:nvPr/>
+          </p:nvCxnSpPr>
+          <p:spPr>
+            <a:xfrm>
+              <a:off x="2273043" y="2715367"/>
+              <a:ext cx="7678885" cy="373832"/>
+            </a:xfrm>
+            <a:prstGeom prst="line">
+              <a:avLst/>
+            </a:prstGeom>
+            <a:ln w="28575">
+              <a:solidFill>
+                <a:schemeClr val="bg2">
+                  <a:lumMod val="25000"/>
+                </a:schemeClr>
+              </a:solidFill>
+            </a:ln>
+          </p:spPr>
+          <p:style>
+            <a:lnRef idx="1">
+              <a:schemeClr val="accent1"/>
+            </a:lnRef>
+            <a:fillRef idx="0">
+              <a:schemeClr val="accent1"/>
+            </a:fillRef>
+            <a:effectRef idx="0">
+              <a:schemeClr val="accent1"/>
+            </a:effectRef>
+            <a:fontRef idx="minor">
+              <a:schemeClr val="tx1"/>
+            </a:fontRef>
+          </p:style>
+        </p:cxnSp>
+        <p:sp>
+          <p:nvSpPr>
+            <p:cNvPr id="3" name="CuadroTexto 2">
+              <a:extLst>
+                <a:ext uri="{FF2B5EF4-FFF2-40B4-BE49-F238E27FC236}">
+                  <a16:creationId xmlns:a16="http://schemas.microsoft.com/office/drawing/2014/main" id="{56FF6EBB-BDA8-7D92-E71C-3379B841BA25}"/>
+                </a:ext>
+              </a:extLst>
+            </p:cNvPr>
+            <p:cNvSpPr txBox="1"/>
+            <p:nvPr/>
+          </p:nvSpPr>
+          <p:spPr>
+            <a:xfrm>
+              <a:off x="1447394" y="1243078"/>
+              <a:ext cx="1301750" cy="338554"/>
+            </a:xfrm>
+            <a:prstGeom prst="rect">
+              <a:avLst/>
+            </a:prstGeom>
+            <a:noFill/>
+          </p:spPr>
+          <p:txBody>
+            <a:bodyPr wrap="square" rtlCol="0">
+              <a:spAutoFit/>
+            </a:bodyPr>
+            <a:lstStyle>
+              <a:defPPr>
+                <a:defRPr lang="en-US"/>
+              </a:defPPr>
+              <a:lvl1pPr algn="ctr">
+                <a:defRPr sz="1100" b="1">
+                  <a:solidFill>
+                    <a:schemeClr val="bg2">
+                      <a:lumMod val="25000"/>
+                    </a:schemeClr>
+                  </a:solidFill>
+                  <a:latin typeface="Segoe UI Light" panose="020B0502040204020203" pitchFamily="34" charset="0"/>
+                  <a:cs typeface="Segoe UI Light" panose="020B0502040204020203" pitchFamily="34" charset="0"/>
+                </a:defRPr>
+              </a:lvl1pPr>
+            </a:lstStyle>
+            <a:p>
+              <a:r>
+                <a:rPr lang="en-US" sz="1600" dirty="0">
+                  <a:solidFill>
+                    <a:schemeClr val="bg2">
+                      <a:lumMod val="10000"/>
+                    </a:schemeClr>
+                  </a:solidFill>
+                </a:rPr>
+                <a:t>Q</a:t>
+              </a:r>
+              <a:r>
+                <a:rPr lang="en-US" sz="1600" baseline="-25000" dirty="0">
+                  <a:solidFill>
+                    <a:schemeClr val="bg2">
+                      <a:lumMod val="10000"/>
+                    </a:schemeClr>
+                  </a:solidFill>
+                </a:rPr>
+                <a:t> </a:t>
+              </a:r>
+              <a:endParaRPr lang="en-US" sz="1400" baseline="-25000" dirty="0">
+                <a:solidFill>
+                  <a:schemeClr val="bg2">
+                    <a:lumMod val="10000"/>
+                  </a:schemeClr>
+                </a:solidFill>
+              </a:endParaRPr>
+            </a:p>
+          </p:txBody>
+        </p:sp>
+        <p:sp>
+          <p:nvSpPr>
+            <p:cNvPr id="7" name="CuadroTexto 6">
+              <a:extLst>
+                <a:ext uri="{FF2B5EF4-FFF2-40B4-BE49-F238E27FC236}">
+                  <a16:creationId xmlns:a16="http://schemas.microsoft.com/office/drawing/2014/main" id="{BD5F8875-A00B-D047-178F-A8D5C4F81556}"/>
+                </a:ext>
+              </a:extLst>
+            </p:cNvPr>
+            <p:cNvSpPr txBox="1"/>
+            <p:nvPr/>
+          </p:nvSpPr>
+          <p:spPr>
+            <a:xfrm>
+              <a:off x="1802911" y="444196"/>
+              <a:ext cx="1301750" cy="307777"/>
+            </a:xfrm>
+            <a:prstGeom prst="rect">
+              <a:avLst/>
+            </a:prstGeom>
+            <a:noFill/>
+          </p:spPr>
+          <p:txBody>
+            <a:bodyPr wrap="square" rtlCol="0">
+              <a:spAutoFit/>
+            </a:bodyPr>
+            <a:lstStyle>
+              <a:defPPr>
+                <a:defRPr lang="en-US"/>
+              </a:defPPr>
+              <a:lvl1pPr algn="ctr">
+                <a:defRPr sz="1100" b="1">
+                  <a:solidFill>
+                    <a:schemeClr val="bg2">
+                      <a:lumMod val="25000"/>
+                    </a:schemeClr>
+                  </a:solidFill>
+                  <a:latin typeface="Segoe UI Light" panose="020B0502040204020203" pitchFamily="34" charset="0"/>
+                  <a:cs typeface="Segoe UI Light" panose="020B0502040204020203" pitchFamily="34" charset="0"/>
+                </a:defRPr>
+              </a:lvl1pPr>
+            </a:lstStyle>
+            <a:p>
+              <a:r>
+                <a:rPr lang="es-VE" sz="1400" dirty="0">
+                  <a:solidFill>
+                    <a:schemeClr val="bg2">
+                      <a:lumMod val="10000"/>
+                    </a:schemeClr>
+                  </a:solidFill>
+                </a:rPr>
+                <a:t>Aguas</a:t>
+              </a:r>
+              <a:r>
+                <a:rPr lang="en-US" sz="1400" dirty="0">
+                  <a:solidFill>
+                    <a:schemeClr val="bg2">
+                      <a:lumMod val="10000"/>
+                    </a:schemeClr>
+                  </a:solidFill>
+                </a:rPr>
+                <a:t> arriba</a:t>
+              </a:r>
+              <a:r>
+                <a:rPr lang="en-US" sz="1400" baseline="-25000" dirty="0">
+                  <a:solidFill>
+                    <a:schemeClr val="bg2">
+                      <a:lumMod val="10000"/>
+                    </a:schemeClr>
+                  </a:solidFill>
+                </a:rPr>
+                <a:t> </a:t>
+              </a:r>
+              <a:endParaRPr lang="en-US" sz="1200" baseline="-25000" dirty="0">
+                <a:solidFill>
+                  <a:schemeClr val="bg2">
+                    <a:lumMod val="10000"/>
+                  </a:schemeClr>
+                </a:solidFill>
+              </a:endParaRPr>
+            </a:p>
+          </p:txBody>
+        </p:sp>
+        <p:sp>
+          <p:nvSpPr>
+            <p:cNvPr id="9" name="CuadroTexto 8">
+              <a:extLst>
+                <a:ext uri="{FF2B5EF4-FFF2-40B4-BE49-F238E27FC236}">
+                  <a16:creationId xmlns:a16="http://schemas.microsoft.com/office/drawing/2014/main" id="{CA5B9424-C0CE-F0C1-8A98-1D9A600F8524}"/>
+                </a:ext>
+              </a:extLst>
+            </p:cNvPr>
+            <p:cNvSpPr txBox="1"/>
+            <p:nvPr/>
+          </p:nvSpPr>
+          <p:spPr>
+            <a:xfrm>
+              <a:off x="9290389" y="444196"/>
+              <a:ext cx="1301750" cy="307777"/>
+            </a:xfrm>
+            <a:prstGeom prst="rect">
+              <a:avLst/>
+            </a:prstGeom>
+            <a:noFill/>
+          </p:spPr>
+          <p:txBody>
+            <a:bodyPr wrap="square" rtlCol="0">
+              <a:spAutoFit/>
+            </a:bodyPr>
+            <a:lstStyle>
+              <a:defPPr>
+                <a:defRPr lang="en-US"/>
+              </a:defPPr>
+              <a:lvl1pPr algn="ctr">
+                <a:defRPr sz="1100" b="1">
+                  <a:solidFill>
+                    <a:schemeClr val="bg2">
+                      <a:lumMod val="25000"/>
+                    </a:schemeClr>
+                  </a:solidFill>
+                  <a:latin typeface="Segoe UI Light" panose="020B0502040204020203" pitchFamily="34" charset="0"/>
+                  <a:cs typeface="Segoe UI Light" panose="020B0502040204020203" pitchFamily="34" charset="0"/>
+                </a:defRPr>
+              </a:lvl1pPr>
+            </a:lstStyle>
+            <a:p>
+              <a:r>
+                <a:rPr lang="es-VE" sz="1400" dirty="0">
+                  <a:solidFill>
+                    <a:schemeClr val="bg2">
+                      <a:lumMod val="10000"/>
+                    </a:schemeClr>
+                  </a:solidFill>
+                </a:rPr>
+                <a:t>Aguas</a:t>
+              </a:r>
+              <a:r>
+                <a:rPr lang="en-US" sz="1400" dirty="0">
+                  <a:solidFill>
+                    <a:schemeClr val="bg2">
+                      <a:lumMod val="10000"/>
+                    </a:schemeClr>
+                  </a:solidFill>
+                </a:rPr>
+                <a:t> </a:t>
+              </a:r>
+              <a:r>
+                <a:rPr lang="es-VE" sz="1400" dirty="0">
+                  <a:solidFill>
+                    <a:schemeClr val="bg2">
+                      <a:lumMod val="10000"/>
+                    </a:schemeClr>
+                  </a:solidFill>
+                </a:rPr>
+                <a:t>abajo</a:t>
+              </a:r>
+              <a:r>
+                <a:rPr lang="en-US" sz="1400" baseline="-25000" dirty="0">
+                  <a:solidFill>
+                    <a:schemeClr val="bg2">
+                      <a:lumMod val="10000"/>
+                    </a:schemeClr>
+                  </a:solidFill>
+                </a:rPr>
+                <a:t> </a:t>
+              </a:r>
+              <a:endParaRPr lang="en-US" sz="1200" baseline="-25000" dirty="0">
+                <a:solidFill>
+                  <a:schemeClr val="bg2">
+                    <a:lumMod val="10000"/>
+                  </a:schemeClr>
+                </a:solidFill>
+              </a:endParaRPr>
+            </a:p>
+          </p:txBody>
+        </p:sp>
+        <p:sp>
+          <p:nvSpPr>
+            <p:cNvPr id="17" name="CuadroTexto 16">
+              <a:extLst>
+                <a:ext uri="{FF2B5EF4-FFF2-40B4-BE49-F238E27FC236}">
+                  <a16:creationId xmlns:a16="http://schemas.microsoft.com/office/drawing/2014/main" id="{5FEF650D-4B30-5DAB-1CBD-ED4F91543F25}"/>
+                </a:ext>
+              </a:extLst>
+            </p:cNvPr>
+            <p:cNvSpPr txBox="1"/>
+            <p:nvPr/>
+          </p:nvSpPr>
+          <p:spPr>
+            <a:xfrm>
+              <a:off x="518439" y="1195898"/>
+              <a:ext cx="1301750" cy="830997"/>
+            </a:xfrm>
+            <a:prstGeom prst="rect">
+              <a:avLst/>
+            </a:prstGeom>
+            <a:noFill/>
+          </p:spPr>
+          <p:txBody>
+            <a:bodyPr wrap="square" rtlCol="0">
+              <a:spAutoFit/>
+            </a:bodyPr>
+            <a:lstStyle>
+              <a:defPPr>
+                <a:defRPr lang="en-US"/>
+              </a:defPPr>
+              <a:lvl1pPr algn="ctr">
+                <a:defRPr sz="1100" b="1">
+                  <a:solidFill>
+                    <a:schemeClr val="bg2">
+                      <a:lumMod val="25000"/>
+                    </a:schemeClr>
+                  </a:solidFill>
+                  <a:latin typeface="Segoe UI Light" panose="020B0502040204020203" pitchFamily="34" charset="0"/>
+                  <a:cs typeface="Segoe UI Light" panose="020B0502040204020203" pitchFamily="34" charset="0"/>
+                </a:defRPr>
+              </a:lvl1pPr>
+            </a:lstStyle>
+            <a:p>
+              <a:r>
+                <a:rPr lang="es-VE" sz="1600" dirty="0">
+                  <a:solidFill>
+                    <a:schemeClr val="bg2">
+                      <a:lumMod val="10000"/>
+                    </a:schemeClr>
+                  </a:solidFill>
+                </a:rPr>
+                <a:t>Serie de caudales líquidos</a:t>
+              </a:r>
+              <a:endParaRPr lang="es-VE" sz="1400" baseline="-25000" dirty="0">
+                <a:solidFill>
+                  <a:schemeClr val="bg2">
+                    <a:lumMod val="10000"/>
+                  </a:schemeClr>
+                </a:solidFill>
+              </a:endParaRPr>
+            </a:p>
+          </p:txBody>
+        </p:sp>
+        <p:cxnSp>
+          <p:nvCxnSpPr>
+            <p:cNvPr id="39" name="Conector recto 38">
+              <a:extLst>
+                <a:ext uri="{FF2B5EF4-FFF2-40B4-BE49-F238E27FC236}">
+                  <a16:creationId xmlns:a16="http://schemas.microsoft.com/office/drawing/2014/main" id="{C00A1D55-8376-A1B5-EEC6-E7F1D7F7B8F6}"/>
+                </a:ext>
+              </a:extLst>
+            </p:cNvPr>
+            <p:cNvCxnSpPr>
+              <a:cxnSpLocks/>
+            </p:cNvCxnSpPr>
+            <p:nvPr/>
+          </p:nvCxnSpPr>
+          <p:spPr>
+            <a:xfrm flipV="1">
+              <a:off x="2273043" y="886245"/>
+              <a:ext cx="0" cy="2659625"/>
+            </a:xfrm>
+            <a:prstGeom prst="line">
+              <a:avLst/>
+            </a:prstGeom>
+            <a:ln w="19050">
+              <a:solidFill>
+                <a:schemeClr val="bg2">
+                  <a:lumMod val="50000"/>
+                </a:schemeClr>
+              </a:solidFill>
+              <a:prstDash val="lgDash"/>
+            </a:ln>
+          </p:spPr>
+          <p:style>
+            <a:lnRef idx="1">
+              <a:schemeClr val="accent1"/>
+            </a:lnRef>
+            <a:fillRef idx="0">
+              <a:schemeClr val="accent1"/>
+            </a:fillRef>
+            <a:effectRef idx="0">
+              <a:schemeClr val="accent1"/>
+            </a:effectRef>
+            <a:fontRef idx="minor">
+              <a:schemeClr val="tx1"/>
+            </a:fontRef>
+          </p:style>
+        </p:cxnSp>
+        <p:cxnSp>
+          <p:nvCxnSpPr>
+            <p:cNvPr id="69" name="Conector recto 68">
+              <a:extLst>
+                <a:ext uri="{FF2B5EF4-FFF2-40B4-BE49-F238E27FC236}">
+                  <a16:creationId xmlns:a16="http://schemas.microsoft.com/office/drawing/2014/main" id="{214B5435-147F-9E6D-F1A1-70DD956F16FB}"/>
+                </a:ext>
+              </a:extLst>
+            </p:cNvPr>
+            <p:cNvCxnSpPr>
+              <a:cxnSpLocks/>
+            </p:cNvCxnSpPr>
+            <p:nvPr/>
+          </p:nvCxnSpPr>
+          <p:spPr>
+            <a:xfrm flipV="1">
+              <a:off x="3232904" y="886245"/>
+              <a:ext cx="0" cy="2659625"/>
+            </a:xfrm>
+            <a:prstGeom prst="line">
+              <a:avLst/>
+            </a:prstGeom>
+            <a:ln w="19050">
+              <a:solidFill>
+                <a:schemeClr val="bg2">
+                  <a:lumMod val="50000"/>
+                </a:schemeClr>
+              </a:solidFill>
+              <a:prstDash val="lgDash"/>
+            </a:ln>
+          </p:spPr>
+          <p:style>
+            <a:lnRef idx="1">
+              <a:schemeClr val="accent1"/>
+            </a:lnRef>
+            <a:fillRef idx="0">
+              <a:schemeClr val="accent1"/>
+            </a:fillRef>
+            <a:effectRef idx="0">
+              <a:schemeClr val="accent1"/>
+            </a:effectRef>
+            <a:fontRef idx="minor">
+              <a:schemeClr val="tx1"/>
+            </a:fontRef>
+          </p:style>
+        </p:cxnSp>
+        <p:cxnSp>
+          <p:nvCxnSpPr>
+            <p:cNvPr id="70" name="Conector recto 69">
+              <a:extLst>
+                <a:ext uri="{FF2B5EF4-FFF2-40B4-BE49-F238E27FC236}">
+                  <a16:creationId xmlns:a16="http://schemas.microsoft.com/office/drawing/2014/main" id="{A77C7ED3-E514-0279-D831-DCFABF94C740}"/>
+                </a:ext>
+              </a:extLst>
+            </p:cNvPr>
+            <p:cNvCxnSpPr>
+              <a:cxnSpLocks/>
+            </p:cNvCxnSpPr>
+            <p:nvPr/>
+          </p:nvCxnSpPr>
+          <p:spPr>
+            <a:xfrm flipV="1">
+              <a:off x="9951928" y="886245"/>
+              <a:ext cx="0" cy="2659625"/>
+            </a:xfrm>
+            <a:prstGeom prst="line">
+              <a:avLst/>
+            </a:prstGeom>
+            <a:ln w="19050">
+              <a:solidFill>
+                <a:schemeClr val="bg2">
+                  <a:lumMod val="50000"/>
+                </a:schemeClr>
+              </a:solidFill>
+              <a:prstDash val="lgDash"/>
+            </a:ln>
+          </p:spPr>
+          <p:style>
+            <a:lnRef idx="1">
+              <a:schemeClr val="accent1"/>
+            </a:lnRef>
+            <a:fillRef idx="0">
+              <a:schemeClr val="accent1"/>
+            </a:fillRef>
+            <a:effectRef idx="0">
+              <a:schemeClr val="accent1"/>
+            </a:effectRef>
+            <a:fontRef idx="minor">
+              <a:schemeClr val="tx1"/>
+            </a:fontRef>
+          </p:style>
+        </p:cxnSp>
+        <p:cxnSp>
+          <p:nvCxnSpPr>
+            <p:cNvPr id="71" name="Conector recto 70">
+              <a:extLst>
+                <a:ext uri="{FF2B5EF4-FFF2-40B4-BE49-F238E27FC236}">
+                  <a16:creationId xmlns:a16="http://schemas.microsoft.com/office/drawing/2014/main" id="{7271969A-CC15-004D-1946-CB34A4D33BCD}"/>
+                </a:ext>
+              </a:extLst>
+            </p:cNvPr>
+            <p:cNvCxnSpPr>
+              <a:cxnSpLocks/>
+            </p:cNvCxnSpPr>
+            <p:nvPr/>
+          </p:nvCxnSpPr>
+          <p:spPr>
+            <a:xfrm flipV="1">
+              <a:off x="4192765" y="886245"/>
+              <a:ext cx="0" cy="2659625"/>
+            </a:xfrm>
+            <a:prstGeom prst="line">
+              <a:avLst/>
+            </a:prstGeom>
+            <a:ln w="19050">
+              <a:solidFill>
+                <a:schemeClr val="bg2">
+                  <a:lumMod val="50000"/>
+                </a:schemeClr>
+              </a:solidFill>
+              <a:prstDash val="lgDash"/>
+            </a:ln>
+          </p:spPr>
+          <p:style>
+            <a:lnRef idx="1">
+              <a:schemeClr val="accent1"/>
+            </a:lnRef>
+            <a:fillRef idx="0">
+              <a:schemeClr val="accent1"/>
+            </a:fillRef>
+            <a:effectRef idx="0">
+              <a:schemeClr val="accent1"/>
+            </a:effectRef>
+            <a:fontRef idx="minor">
+              <a:schemeClr val="tx1"/>
+            </a:fontRef>
+          </p:style>
+        </p:cxnSp>
+        <p:cxnSp>
+          <p:nvCxnSpPr>
+            <p:cNvPr id="72" name="Conector recto 71">
+              <a:extLst>
+                <a:ext uri="{FF2B5EF4-FFF2-40B4-BE49-F238E27FC236}">
+                  <a16:creationId xmlns:a16="http://schemas.microsoft.com/office/drawing/2014/main" id="{5A5132C0-81E6-8249-00E3-71D6EC33BB72}"/>
+                </a:ext>
+              </a:extLst>
+            </p:cNvPr>
+            <p:cNvCxnSpPr>
+              <a:cxnSpLocks/>
+            </p:cNvCxnSpPr>
+            <p:nvPr/>
+          </p:nvCxnSpPr>
+          <p:spPr>
+            <a:xfrm flipV="1">
+              <a:off x="5152626" y="886245"/>
+              <a:ext cx="0" cy="2659625"/>
+            </a:xfrm>
+            <a:prstGeom prst="line">
+              <a:avLst/>
+            </a:prstGeom>
+            <a:ln w="19050">
+              <a:solidFill>
+                <a:schemeClr val="bg2">
+                  <a:lumMod val="50000"/>
+                </a:schemeClr>
+              </a:solidFill>
+              <a:prstDash val="lgDash"/>
+            </a:ln>
+          </p:spPr>
+          <p:style>
+            <a:lnRef idx="1">
+              <a:schemeClr val="accent1"/>
+            </a:lnRef>
+            <a:fillRef idx="0">
+              <a:schemeClr val="accent1"/>
+            </a:fillRef>
+            <a:effectRef idx="0">
+              <a:schemeClr val="accent1"/>
+            </a:effectRef>
+            <a:fontRef idx="minor">
+              <a:schemeClr val="tx1"/>
+            </a:fontRef>
+          </p:style>
+        </p:cxnSp>
+        <p:cxnSp>
+          <p:nvCxnSpPr>
+            <p:cNvPr id="73" name="Conector recto 72">
+              <a:extLst>
+                <a:ext uri="{FF2B5EF4-FFF2-40B4-BE49-F238E27FC236}">
+                  <a16:creationId xmlns:a16="http://schemas.microsoft.com/office/drawing/2014/main" id="{253EA7CB-1391-5AB5-2A2D-8B5BF2571195}"/>
+                </a:ext>
+              </a:extLst>
+            </p:cNvPr>
+            <p:cNvCxnSpPr>
+              <a:cxnSpLocks/>
+            </p:cNvCxnSpPr>
+            <p:nvPr/>
+          </p:nvCxnSpPr>
+          <p:spPr>
+            <a:xfrm flipV="1">
+              <a:off x="6112487" y="886245"/>
+              <a:ext cx="0" cy="2659625"/>
+            </a:xfrm>
+            <a:prstGeom prst="line">
+              <a:avLst/>
+            </a:prstGeom>
+            <a:ln w="19050">
+              <a:solidFill>
+                <a:schemeClr val="bg2">
+                  <a:lumMod val="50000"/>
+                </a:schemeClr>
+              </a:solidFill>
+              <a:prstDash val="lgDash"/>
+            </a:ln>
+          </p:spPr>
+          <p:style>
+            <a:lnRef idx="1">
+              <a:schemeClr val="accent1"/>
+            </a:lnRef>
+            <a:fillRef idx="0">
+              <a:schemeClr val="accent1"/>
+            </a:fillRef>
+            <a:effectRef idx="0">
+              <a:schemeClr val="accent1"/>
+            </a:effectRef>
+            <a:fontRef idx="minor">
+              <a:schemeClr val="tx1"/>
+            </a:fontRef>
+          </p:style>
+        </p:cxnSp>
+        <p:cxnSp>
+          <p:nvCxnSpPr>
+            <p:cNvPr id="74" name="Conector recto 73">
+              <a:extLst>
+                <a:ext uri="{FF2B5EF4-FFF2-40B4-BE49-F238E27FC236}">
+                  <a16:creationId xmlns:a16="http://schemas.microsoft.com/office/drawing/2014/main" id="{7225A386-EE50-4820-14B8-8F138A05F1B1}"/>
+                </a:ext>
+              </a:extLst>
+            </p:cNvPr>
+            <p:cNvCxnSpPr>
+              <a:cxnSpLocks/>
+            </p:cNvCxnSpPr>
+            <p:nvPr/>
+          </p:nvCxnSpPr>
+          <p:spPr>
+            <a:xfrm flipV="1">
+              <a:off x="8992070" y="886245"/>
+              <a:ext cx="0" cy="2659625"/>
+            </a:xfrm>
+            <a:prstGeom prst="line">
+              <a:avLst/>
+            </a:prstGeom>
+            <a:ln w="19050">
+              <a:solidFill>
+                <a:schemeClr val="bg2">
+                  <a:lumMod val="50000"/>
+                </a:schemeClr>
+              </a:solidFill>
+              <a:prstDash val="lgDash"/>
+            </a:ln>
+          </p:spPr>
+          <p:style>
+            <a:lnRef idx="1">
+              <a:schemeClr val="accent1"/>
+            </a:lnRef>
+            <a:fillRef idx="0">
+              <a:schemeClr val="accent1"/>
+            </a:fillRef>
+            <a:effectRef idx="0">
+              <a:schemeClr val="accent1"/>
+            </a:effectRef>
+            <a:fontRef idx="minor">
+              <a:schemeClr val="tx1"/>
+            </a:fontRef>
+          </p:style>
+        </p:cxnSp>
+        <p:cxnSp>
+          <p:nvCxnSpPr>
+            <p:cNvPr id="75" name="Conector recto 74">
+              <a:extLst>
+                <a:ext uri="{FF2B5EF4-FFF2-40B4-BE49-F238E27FC236}">
+                  <a16:creationId xmlns:a16="http://schemas.microsoft.com/office/drawing/2014/main" id="{1050F6C7-BFAD-836A-76D2-9327A9619E7E}"/>
+                </a:ext>
+              </a:extLst>
+            </p:cNvPr>
+            <p:cNvCxnSpPr>
+              <a:cxnSpLocks/>
+            </p:cNvCxnSpPr>
+            <p:nvPr/>
+          </p:nvCxnSpPr>
+          <p:spPr>
+            <a:xfrm flipV="1">
+              <a:off x="7072348" y="886245"/>
+              <a:ext cx="0" cy="2659625"/>
+            </a:xfrm>
+            <a:prstGeom prst="line">
+              <a:avLst/>
+            </a:prstGeom>
+            <a:ln w="19050">
+              <a:solidFill>
+                <a:schemeClr val="bg2">
+                  <a:lumMod val="50000"/>
+                </a:schemeClr>
+              </a:solidFill>
+              <a:prstDash val="lgDash"/>
+            </a:ln>
+          </p:spPr>
+          <p:style>
+            <a:lnRef idx="1">
+              <a:schemeClr val="accent1"/>
+            </a:lnRef>
+            <a:fillRef idx="0">
+              <a:schemeClr val="accent1"/>
+            </a:fillRef>
+            <a:effectRef idx="0">
+              <a:schemeClr val="accent1"/>
+            </a:effectRef>
+            <a:fontRef idx="minor">
+              <a:schemeClr val="tx1"/>
+            </a:fontRef>
+          </p:style>
+        </p:cxnSp>
+        <p:cxnSp>
+          <p:nvCxnSpPr>
+            <p:cNvPr id="76" name="Conector recto 75">
+              <a:extLst>
+                <a:ext uri="{FF2B5EF4-FFF2-40B4-BE49-F238E27FC236}">
+                  <a16:creationId xmlns:a16="http://schemas.microsoft.com/office/drawing/2014/main" id="{9F31E19C-138D-3FCF-E872-114EE52FB053}"/>
+                </a:ext>
+              </a:extLst>
+            </p:cNvPr>
+            <p:cNvCxnSpPr>
+              <a:cxnSpLocks/>
+            </p:cNvCxnSpPr>
+            <p:nvPr/>
+          </p:nvCxnSpPr>
+          <p:spPr>
+            <a:xfrm flipV="1">
+              <a:off x="8032209" y="886245"/>
+              <a:ext cx="0" cy="2659625"/>
+            </a:xfrm>
+            <a:prstGeom prst="line">
+              <a:avLst/>
+            </a:prstGeom>
+            <a:ln w="19050">
+              <a:solidFill>
+                <a:schemeClr val="bg2">
+                  <a:lumMod val="50000"/>
+                </a:schemeClr>
+              </a:solidFill>
+              <a:prstDash val="lgDash"/>
+            </a:ln>
+          </p:spPr>
+          <p:style>
+            <a:lnRef idx="1">
+              <a:schemeClr val="accent1"/>
+            </a:lnRef>
+            <a:fillRef idx="0">
+              <a:schemeClr val="accent1"/>
+            </a:fillRef>
+            <a:effectRef idx="0">
+              <a:schemeClr val="accent1"/>
+            </a:effectRef>
+            <a:fontRef idx="minor">
+              <a:schemeClr val="tx1"/>
+            </a:fontRef>
+          </p:style>
+        </p:cxnSp>
+        <p:cxnSp>
+          <p:nvCxnSpPr>
+            <p:cNvPr id="2" name="Conector recto de flecha 1">
+              <a:extLst>
+                <a:ext uri="{FF2B5EF4-FFF2-40B4-BE49-F238E27FC236}">
+                  <a16:creationId xmlns:a16="http://schemas.microsoft.com/office/drawing/2014/main" id="{819B70ED-453D-BD20-2D77-8F97CC52C0F8}"/>
+                </a:ext>
+              </a:extLst>
+            </p:cNvPr>
+            <p:cNvCxnSpPr>
+              <a:cxnSpLocks/>
+            </p:cNvCxnSpPr>
+            <p:nvPr/>
+          </p:nvCxnSpPr>
+          <p:spPr>
+            <a:xfrm>
+              <a:off x="1671948" y="1661718"/>
+              <a:ext cx="852643" cy="102896"/>
+            </a:xfrm>
+            <a:prstGeom prst="straightConnector1">
+              <a:avLst/>
+            </a:prstGeom>
+            <a:ln w="57150">
+              <a:solidFill>
+                <a:schemeClr val="bg2">
+                  <a:lumMod val="25000"/>
+                </a:schemeClr>
+              </a:solidFill>
+              <a:tailEnd type="triangle"/>
+            </a:ln>
+          </p:spPr>
+          <p:style>
+            <a:lnRef idx="1">
+              <a:schemeClr val="accent3"/>
+            </a:lnRef>
+            <a:fillRef idx="0">
+              <a:schemeClr val="accent3"/>
+            </a:fillRef>
+            <a:effectRef idx="0">
+              <a:schemeClr val="accent3"/>
+            </a:effectRef>
+            <a:fontRef idx="minor">
+              <a:schemeClr val="tx1"/>
+            </a:fontRef>
+          </p:style>
+        </p:cxnSp>
+        <p:cxnSp>
+          <p:nvCxnSpPr>
+            <p:cNvPr id="82" name="Conector recto 81">
+              <a:extLst>
+                <a:ext uri="{FF2B5EF4-FFF2-40B4-BE49-F238E27FC236}">
+                  <a16:creationId xmlns:a16="http://schemas.microsoft.com/office/drawing/2014/main" id="{82ED5580-5759-6AC9-C884-CF233B396F4C}"/>
+                </a:ext>
+              </a:extLst>
+            </p:cNvPr>
+            <p:cNvCxnSpPr>
+              <a:cxnSpLocks/>
+              <a:endCxn id="17" idx="2"/>
+            </p:cNvCxnSpPr>
+            <p:nvPr/>
+          </p:nvCxnSpPr>
+          <p:spPr>
+            <a:xfrm flipH="1" flipV="1">
+              <a:off x="1169314" y="2026895"/>
+              <a:ext cx="912307" cy="1828628"/>
+            </a:xfrm>
+            <a:prstGeom prst="line">
+              <a:avLst/>
+            </a:prstGeom>
+            <a:ln w="9525">
+              <a:solidFill>
+                <a:schemeClr val="tx1">
+                  <a:lumMod val="65000"/>
+                  <a:lumOff val="35000"/>
+                </a:schemeClr>
+              </a:solidFill>
+              <a:headEnd type="triangle" w="med" len="med"/>
+              <a:tailEnd type="none" w="med" len="med"/>
+            </a:ln>
+          </p:spPr>
+          <p:style>
+            <a:lnRef idx="1">
+              <a:schemeClr val="dk1"/>
+            </a:lnRef>
+            <a:fillRef idx="0">
+              <a:schemeClr val="dk1"/>
+            </a:fillRef>
+            <a:effectRef idx="0">
+              <a:schemeClr val="dk1"/>
+            </a:effectRef>
+            <a:fontRef idx="minor">
+              <a:schemeClr val="tx1"/>
+            </a:fontRef>
+          </p:style>
+        </p:cxnSp>
+        <p:cxnSp>
+          <p:nvCxnSpPr>
+            <p:cNvPr id="87" name="Conector recto 86">
+              <a:extLst>
+                <a:ext uri="{FF2B5EF4-FFF2-40B4-BE49-F238E27FC236}">
+                  <a16:creationId xmlns:a16="http://schemas.microsoft.com/office/drawing/2014/main" id="{C0D2ECFE-A562-9C3A-3590-57B91F5E56FB}"/>
+                </a:ext>
+              </a:extLst>
+            </p:cNvPr>
+            <p:cNvCxnSpPr>
+              <a:cxnSpLocks/>
+            </p:cNvCxnSpPr>
+            <p:nvPr/>
+          </p:nvCxnSpPr>
+          <p:spPr>
+            <a:xfrm>
+              <a:off x="2254139" y="1195898"/>
+              <a:ext cx="7687125" cy="526090"/>
+            </a:xfrm>
+            <a:prstGeom prst="line">
+              <a:avLst/>
+            </a:prstGeom>
+            <a:ln w="12700"/>
+          </p:spPr>
+          <p:style>
+            <a:lnRef idx="1">
+              <a:schemeClr val="dk1"/>
+            </a:lnRef>
+            <a:fillRef idx="0">
+              <a:schemeClr val="dk1"/>
+            </a:fillRef>
+            <a:effectRef idx="0">
+              <a:schemeClr val="dk1"/>
+            </a:effectRef>
+            <a:fontRef idx="minor">
+              <a:schemeClr val="tx1"/>
+            </a:fontRef>
+          </p:style>
+        </p:cxnSp>
+        <p:sp>
+          <p:nvSpPr>
+            <p:cNvPr id="90" name="Triángulo isósceles 89">
+              <a:extLst>
+                <a:ext uri="{FF2B5EF4-FFF2-40B4-BE49-F238E27FC236}">
+                  <a16:creationId xmlns:a16="http://schemas.microsoft.com/office/drawing/2014/main" id="{692A4CA6-8DAC-3792-1BB5-C606598BBC4F}"/>
+                </a:ext>
+              </a:extLst>
+            </p:cNvPr>
+            <p:cNvSpPr/>
+            <p:nvPr/>
+          </p:nvSpPr>
+          <p:spPr>
+            <a:xfrm rot="10800000">
+              <a:off x="3723419" y="1115862"/>
+              <a:ext cx="324378" cy="160072"/>
+            </a:xfrm>
+            <a:prstGeom prst="triangle">
+              <a:avLst/>
+            </a:prstGeom>
+            <a:ln w="12700"/>
+          </p:spPr>
+          <p:style>
+            <a:lnRef idx="1">
+              <a:schemeClr val="dk1"/>
+            </a:lnRef>
+            <a:fillRef idx="0">
+              <a:schemeClr val="dk1"/>
+            </a:fillRef>
+            <a:effectRef idx="0">
+              <a:schemeClr val="dk1"/>
+            </a:effectRef>
+            <a:fontRef idx="minor">
+              <a:schemeClr val="tx1"/>
+            </a:fontRef>
+          </p:style>
+          <p:txBody>
+            <a:bodyPr rtlCol="0" anchor="ctr"/>
+            <a:lstStyle/>
+            <a:p>
+              <a:pPr algn="ctr"/>
+              <a:endParaRPr lang="en-US" dirty="0"/>
+            </a:p>
+          </p:txBody>
+        </p:sp>
+        <p:cxnSp>
+          <p:nvCxnSpPr>
+            <p:cNvPr id="91" name="Conector recto 90">
+              <a:extLst>
+                <a:ext uri="{FF2B5EF4-FFF2-40B4-BE49-F238E27FC236}">
+                  <a16:creationId xmlns:a16="http://schemas.microsoft.com/office/drawing/2014/main" id="{E2DB5B40-9921-A742-07B4-340C588998E4}"/>
+                </a:ext>
+              </a:extLst>
+            </p:cNvPr>
+            <p:cNvCxnSpPr>
+              <a:cxnSpLocks/>
+            </p:cNvCxnSpPr>
+            <p:nvPr/>
+          </p:nvCxnSpPr>
+          <p:spPr>
+            <a:xfrm>
+              <a:off x="3748443" y="1324388"/>
+              <a:ext cx="274330" cy="0"/>
+            </a:xfrm>
+            <a:prstGeom prst="line">
+              <a:avLst/>
+            </a:prstGeom>
+            <a:ln w="12700"/>
+          </p:spPr>
+          <p:style>
+            <a:lnRef idx="1">
+              <a:schemeClr val="dk1"/>
+            </a:lnRef>
+            <a:fillRef idx="0">
+              <a:schemeClr val="dk1"/>
+            </a:fillRef>
+            <a:effectRef idx="0">
+              <a:schemeClr val="dk1"/>
+            </a:effectRef>
+            <a:fontRef idx="minor">
+              <a:schemeClr val="tx1"/>
+            </a:fontRef>
+          </p:style>
+        </p:cxnSp>
+        <p:cxnSp>
+          <p:nvCxnSpPr>
+            <p:cNvPr id="92" name="Conector recto 91">
+              <a:extLst>
+                <a:ext uri="{FF2B5EF4-FFF2-40B4-BE49-F238E27FC236}">
+                  <a16:creationId xmlns:a16="http://schemas.microsoft.com/office/drawing/2014/main" id="{5FCFC718-E9CA-9A0F-0B96-6B86024EB15D}"/>
+                </a:ext>
+              </a:extLst>
+            </p:cNvPr>
+            <p:cNvCxnSpPr>
+              <a:cxnSpLocks/>
+            </p:cNvCxnSpPr>
+            <p:nvPr/>
+          </p:nvCxnSpPr>
+          <p:spPr>
+            <a:xfrm>
+              <a:off x="3807415" y="1392968"/>
+              <a:ext cx="156387" cy="0"/>
+            </a:xfrm>
+            <a:prstGeom prst="line">
+              <a:avLst/>
+            </a:prstGeom>
+            <a:ln w="12700"/>
+          </p:spPr>
+          <p:style>
+            <a:lnRef idx="1">
+              <a:schemeClr val="dk1"/>
+            </a:lnRef>
+            <a:fillRef idx="0">
+              <a:schemeClr val="dk1"/>
+            </a:fillRef>
+            <a:effectRef idx="0">
+              <a:schemeClr val="dk1"/>
+            </a:effectRef>
+            <a:fontRef idx="minor">
+              <a:schemeClr val="tx1"/>
+            </a:fontRef>
+          </p:style>
+        </p:cxnSp>
+        <p:cxnSp>
+          <p:nvCxnSpPr>
+            <p:cNvPr id="93" name="Conector recto 92">
+              <a:extLst>
+                <a:ext uri="{FF2B5EF4-FFF2-40B4-BE49-F238E27FC236}">
+                  <a16:creationId xmlns:a16="http://schemas.microsoft.com/office/drawing/2014/main" id="{8A06AE8C-F159-58EC-ABB1-4ECAEDCFCA21}"/>
+                </a:ext>
+              </a:extLst>
+            </p:cNvPr>
+            <p:cNvCxnSpPr>
+              <a:cxnSpLocks/>
+            </p:cNvCxnSpPr>
+            <p:nvPr/>
+          </p:nvCxnSpPr>
+          <p:spPr>
+            <a:xfrm>
+              <a:off x="3839883" y="1461548"/>
+              <a:ext cx="91450" cy="0"/>
+            </a:xfrm>
+            <a:prstGeom prst="line">
+              <a:avLst/>
+            </a:prstGeom>
+            <a:ln w="12700"/>
+          </p:spPr>
+          <p:style>
+            <a:lnRef idx="1">
+              <a:schemeClr val="dk1"/>
+            </a:lnRef>
+            <a:fillRef idx="0">
+              <a:schemeClr val="dk1"/>
+            </a:fillRef>
+            <a:effectRef idx="0">
+              <a:schemeClr val="dk1"/>
+            </a:effectRef>
+            <a:fontRef idx="minor">
+              <a:schemeClr val="tx1"/>
+            </a:fontRef>
+          </p:style>
+        </p:cxnSp>
+        <p:pic>
+          <p:nvPicPr>
+            <p:cNvPr id="5" name="Imagen 4">
+              <a:extLst>
+                <a:ext uri="{FF2B5EF4-FFF2-40B4-BE49-F238E27FC236}">
+                  <a16:creationId xmlns:a16="http://schemas.microsoft.com/office/drawing/2014/main" id="{93F5AB83-941F-239F-A37A-63A7C61FF073}"/>
+                </a:ext>
+              </a:extLst>
+            </p:cNvPr>
+            <p:cNvPicPr>
+              <a:picLocks noChangeAspect="1"/>
+            </p:cNvPicPr>
+            <p:nvPr/>
+          </p:nvPicPr>
+          <p:blipFill>
+            <a:blip r:embed="rId3"/>
+            <a:stretch>
+              <a:fillRect/>
+            </a:stretch>
+          </p:blipFill>
+          <p:spPr>
+            <a:xfrm>
+              <a:off x="1802911" y="3855523"/>
+              <a:ext cx="5182234" cy="2864885"/>
+            </a:xfrm>
+            <a:prstGeom prst="rect">
+              <a:avLst/>
+            </a:prstGeom>
+          </p:spPr>
+        </p:pic>
+      </p:grpSp>
+      <p:sp>
+        <p:nvSpPr>
+          <p:cNvPr id="15" name="CuadroTexto 14">
+            <a:extLst>
+              <a:ext uri="{FF2B5EF4-FFF2-40B4-BE49-F238E27FC236}">
+                <a16:creationId xmlns:a16="http://schemas.microsoft.com/office/drawing/2014/main" id="{834AFBFA-73EF-7D3A-33E4-8A9A2DE6C393}"/>
+              </a:ext>
+            </a:extLst>
+          </p:cNvPr>
+          <p:cNvSpPr txBox="1"/>
+          <p:nvPr/>
+        </p:nvSpPr>
         <p:spPr>
           <a:xfrm>
-            <a:off x="850451" y="887297"/>
-            <a:ext cx="5910327" cy="2863609"/>
+            <a:off x="1324176" y="1957008"/>
+            <a:ext cx="1301750" cy="338554"/>
           </a:xfrm>
           <a:prstGeom prst="rect">
             <a:avLst/>
           </a:prstGeom>
+          <a:noFill/>
         </p:spPr>
-      </p:pic>
-      <p:pic>
-        <p:nvPicPr>
-          <p:cNvPr id="7" name="Imagen 6">
+        <p:txBody>
+          <a:bodyPr wrap="square" rtlCol="0">
+            <a:spAutoFit/>
+          </a:bodyPr>
+          <a:lstStyle>
+            <a:defPPr>
+              <a:defRPr lang="en-US"/>
+            </a:defPPr>
+            <a:lvl1pPr algn="ctr">
+              <a:defRPr sz="1100" b="1">
+                <a:solidFill>
+                  <a:schemeClr val="bg2">
+                    <a:lumMod val="25000"/>
+                  </a:schemeClr>
+                </a:solidFill>
+                <a:latin typeface="Segoe UI Light" panose="020B0502040204020203" pitchFamily="34" charset="0"/>
+                <a:cs typeface="Segoe UI Light" panose="020B0502040204020203" pitchFamily="34" charset="0"/>
+              </a:defRPr>
+            </a:lvl1pPr>
+          </a:lstStyle>
+          <a:p>
+            <a:r>
+              <a:rPr lang="en-US" sz="1600" dirty="0">
+                <a:solidFill>
+                  <a:schemeClr val="bg2">
+                    <a:lumMod val="10000"/>
+                  </a:schemeClr>
+                </a:solidFill>
+              </a:rPr>
+              <a:t>Q</a:t>
+            </a:r>
+            <a:r>
+              <a:rPr lang="en-US" sz="1600" baseline="-25000" dirty="0">
+                <a:solidFill>
+                  <a:schemeClr val="bg2">
+                    <a:lumMod val="10000"/>
+                  </a:schemeClr>
+                </a:solidFill>
+              </a:rPr>
+              <a:t>s </a:t>
+            </a:r>
+            <a:endParaRPr lang="en-US" sz="1400" baseline="-25000" dirty="0">
+              <a:solidFill>
+                <a:schemeClr val="bg2">
+                  <a:lumMod val="10000"/>
+                </a:schemeClr>
+              </a:solidFill>
+            </a:endParaRPr>
+          </a:p>
+        </p:txBody>
+      </p:sp>
+      <p:cxnSp>
+        <p:nvCxnSpPr>
+          <p:cNvPr id="16" name="Conector recto de flecha 15">
             <a:extLst>
               <a:ext uri="{FF2B5EF4-FFF2-40B4-BE49-F238E27FC236}">
-                <a16:creationId xmlns:a16="http://schemas.microsoft.com/office/drawing/2014/main" id="{65FC68B1-A772-7C20-673C-D616030AAD8B}"/>
+                <a16:creationId xmlns:a16="http://schemas.microsoft.com/office/drawing/2014/main" id="{C0F4CDEB-8F10-F96B-7EE9-160D9952B2D2}"/>
               </a:ext>
             </a:extLst>
           </p:cNvPr>
-          <p:cNvPicPr>
-            <a:picLocks noChangeAspect="1"/>
-          </p:cNvPicPr>
+          <p:cNvCxnSpPr>
+            <a:cxnSpLocks/>
+          </p:cNvCxnSpPr>
           <p:nvPr/>
-        </p:nvPicPr>
-        <p:blipFill>
-          <a:blip r:embed="rId3"/>
-          <a:stretch>
-            <a:fillRect/>
-          </a:stretch>
-        </p:blipFill>
+        </p:nvCxnSpPr>
         <p:spPr>
           <a:xfrm>
-            <a:off x="4841894" y="2689869"/>
-            <a:ext cx="6499655" cy="3650419"/>
+            <a:off x="1729399" y="2258696"/>
+            <a:ext cx="757461" cy="76643"/>
           </a:xfrm>
-          <a:prstGeom prst="rect">
+          <a:prstGeom prst="straightConnector1">
             <a:avLst/>
           </a:prstGeom>
+          <a:ln w="57150">
+            <a:solidFill>
+              <a:schemeClr val="bg2">
+                <a:lumMod val="50000"/>
+              </a:schemeClr>
+            </a:solidFill>
+            <a:tailEnd type="triangle"/>
+          </a:ln>
         </p:spPr>
-      </p:pic>
+        <p:style>
+          <a:lnRef idx="1">
+            <a:schemeClr val="accent3"/>
+          </a:lnRef>
+          <a:fillRef idx="0">
+            <a:schemeClr val="accent3"/>
+          </a:fillRef>
+          <a:effectRef idx="0">
+            <a:schemeClr val="accent3"/>
+          </a:effectRef>
+          <a:fontRef idx="minor">
+            <a:schemeClr val="tx1"/>
+          </a:fontRef>
+        </p:style>
+      </p:cxnSp>
     </p:spTree>
     <p:extLst>
       <p:ext uri="{BB962C8B-B14F-4D97-AF65-F5344CB8AC3E}">
-        <p14:creationId xmlns:p14="http://schemas.microsoft.com/office/powerpoint/2010/main" val="725343667"/>
+        <p14:creationId xmlns:p14="http://schemas.microsoft.com/office/powerpoint/2010/main" val="816613245"/>
+      </p:ext>
+    </p:extLst>
+  </p:cSld>
+  <p:clrMapOvr>
+    <a:masterClrMapping/>
+  </p:clrMapOvr>
+</p:sld>
+</file>
+
+<file path=ppt/slides/slide7.xml><?xml version="1.0" encoding="utf-8"?>
+<p:sld xmlns:a="http://schemas.openxmlformats.org/drawingml/2006/main" xmlns:r="http://schemas.openxmlformats.org/officeDocument/2006/relationships" xmlns:p="http://schemas.openxmlformats.org/presentationml/2006/main">
+  <p:cSld>
+    <p:spTree>
+      <p:nvGrpSpPr>
+        <p:cNvPr id="1" name=""/>
+        <p:cNvGrpSpPr/>
+        <p:nvPr/>
+      </p:nvGrpSpPr>
+      <p:grpSpPr>
+        <a:xfrm>
+          <a:off x="0" y="0"/>
+          <a:ext cx="0" cy="0"/>
+          <a:chOff x="0" y="0"/>
+          <a:chExt cx="0" cy="0"/>
+        </a:xfrm>
+      </p:grpSpPr>
+      <p:grpSp>
+        <p:nvGrpSpPr>
+          <p:cNvPr id="22" name="Grupo 21">
+            <a:extLst>
+              <a:ext uri="{FF2B5EF4-FFF2-40B4-BE49-F238E27FC236}">
+                <a16:creationId xmlns:a16="http://schemas.microsoft.com/office/drawing/2014/main" id="{3599A903-07B1-104B-A9E9-81EAA9B23547}"/>
+              </a:ext>
+            </a:extLst>
+          </p:cNvPr>
+          <p:cNvGrpSpPr/>
+          <p:nvPr/>
+        </p:nvGrpSpPr>
+        <p:grpSpPr>
+          <a:xfrm>
+            <a:off x="557213" y="285172"/>
+            <a:ext cx="10034926" cy="6320450"/>
+            <a:chOff x="557213" y="285172"/>
+            <a:chExt cx="10034926" cy="6320450"/>
+          </a:xfrm>
+        </p:grpSpPr>
+        <p:cxnSp>
+          <p:nvCxnSpPr>
+            <p:cNvPr id="8" name="Conector recto 7">
+              <a:extLst>
+                <a:ext uri="{FF2B5EF4-FFF2-40B4-BE49-F238E27FC236}">
+                  <a16:creationId xmlns:a16="http://schemas.microsoft.com/office/drawing/2014/main" id="{FEB1CF91-CA3E-FEFF-0593-24CF57710D78}"/>
+                </a:ext>
+              </a:extLst>
+            </p:cNvPr>
+            <p:cNvCxnSpPr>
+              <a:cxnSpLocks/>
+            </p:cNvCxnSpPr>
+            <p:nvPr/>
+          </p:nvCxnSpPr>
+          <p:spPr>
+            <a:xfrm>
+              <a:off x="2273043" y="2556343"/>
+              <a:ext cx="7678885" cy="373832"/>
+            </a:xfrm>
+            <a:prstGeom prst="line">
+              <a:avLst/>
+            </a:prstGeom>
+            <a:ln w="28575">
+              <a:solidFill>
+                <a:schemeClr val="bg2">
+                  <a:lumMod val="25000"/>
+                </a:schemeClr>
+              </a:solidFill>
+            </a:ln>
+          </p:spPr>
+          <p:style>
+            <a:lnRef idx="1">
+              <a:schemeClr val="accent1"/>
+            </a:lnRef>
+            <a:fillRef idx="0">
+              <a:schemeClr val="accent1"/>
+            </a:fillRef>
+            <a:effectRef idx="0">
+              <a:schemeClr val="accent1"/>
+            </a:effectRef>
+            <a:fontRef idx="minor">
+              <a:schemeClr val="tx1"/>
+            </a:fontRef>
+          </p:style>
+        </p:cxnSp>
+        <p:sp>
+          <p:nvSpPr>
+            <p:cNvPr id="3" name="CuadroTexto 2">
+              <a:extLst>
+                <a:ext uri="{FF2B5EF4-FFF2-40B4-BE49-F238E27FC236}">
+                  <a16:creationId xmlns:a16="http://schemas.microsoft.com/office/drawing/2014/main" id="{56FF6EBB-BDA8-7D92-E71C-3379B841BA25}"/>
+                </a:ext>
+              </a:extLst>
+            </p:cNvPr>
+            <p:cNvSpPr txBox="1"/>
+            <p:nvPr/>
+          </p:nvSpPr>
+          <p:spPr>
+            <a:xfrm>
+              <a:off x="1447394" y="1084054"/>
+              <a:ext cx="1301750" cy="338554"/>
+            </a:xfrm>
+            <a:prstGeom prst="rect">
+              <a:avLst/>
+            </a:prstGeom>
+            <a:noFill/>
+          </p:spPr>
+          <p:txBody>
+            <a:bodyPr wrap="square" rtlCol="0">
+              <a:spAutoFit/>
+            </a:bodyPr>
+            <a:lstStyle>
+              <a:defPPr>
+                <a:defRPr lang="en-US"/>
+              </a:defPPr>
+              <a:lvl1pPr algn="ctr">
+                <a:defRPr sz="1100" b="1">
+                  <a:solidFill>
+                    <a:schemeClr val="bg2">
+                      <a:lumMod val="25000"/>
+                    </a:schemeClr>
+                  </a:solidFill>
+                  <a:latin typeface="Segoe UI Light" panose="020B0502040204020203" pitchFamily="34" charset="0"/>
+                  <a:cs typeface="Segoe UI Light" panose="020B0502040204020203" pitchFamily="34" charset="0"/>
+                </a:defRPr>
+              </a:lvl1pPr>
+            </a:lstStyle>
+            <a:p>
+              <a:r>
+                <a:rPr lang="en-US" sz="1600" dirty="0">
+                  <a:solidFill>
+                    <a:schemeClr val="bg2">
+                      <a:lumMod val="10000"/>
+                    </a:schemeClr>
+                  </a:solidFill>
+                </a:rPr>
+                <a:t>Q</a:t>
+              </a:r>
+              <a:r>
+                <a:rPr lang="en-US" sz="1600" baseline="-25000" dirty="0">
+                  <a:solidFill>
+                    <a:schemeClr val="bg2">
+                      <a:lumMod val="10000"/>
+                    </a:schemeClr>
+                  </a:solidFill>
+                </a:rPr>
+                <a:t> </a:t>
+              </a:r>
+              <a:endParaRPr lang="en-US" sz="1400" baseline="-25000" dirty="0">
+                <a:solidFill>
+                  <a:schemeClr val="bg2">
+                    <a:lumMod val="10000"/>
+                  </a:schemeClr>
+                </a:solidFill>
+              </a:endParaRPr>
+            </a:p>
+          </p:txBody>
+        </p:sp>
+        <p:sp>
+          <p:nvSpPr>
+            <p:cNvPr id="7" name="CuadroTexto 6">
+              <a:extLst>
+                <a:ext uri="{FF2B5EF4-FFF2-40B4-BE49-F238E27FC236}">
+                  <a16:creationId xmlns:a16="http://schemas.microsoft.com/office/drawing/2014/main" id="{BD5F8875-A00B-D047-178F-A8D5C4F81556}"/>
+                </a:ext>
+              </a:extLst>
+            </p:cNvPr>
+            <p:cNvSpPr txBox="1"/>
+            <p:nvPr/>
+          </p:nvSpPr>
+          <p:spPr>
+            <a:xfrm>
+              <a:off x="1802911" y="285172"/>
+              <a:ext cx="1301750" cy="307777"/>
+            </a:xfrm>
+            <a:prstGeom prst="rect">
+              <a:avLst/>
+            </a:prstGeom>
+            <a:noFill/>
+          </p:spPr>
+          <p:txBody>
+            <a:bodyPr wrap="square" rtlCol="0">
+              <a:spAutoFit/>
+            </a:bodyPr>
+            <a:lstStyle>
+              <a:defPPr>
+                <a:defRPr lang="en-US"/>
+              </a:defPPr>
+              <a:lvl1pPr algn="ctr">
+                <a:defRPr sz="1100" b="1">
+                  <a:solidFill>
+                    <a:schemeClr val="bg2">
+                      <a:lumMod val="25000"/>
+                    </a:schemeClr>
+                  </a:solidFill>
+                  <a:latin typeface="Segoe UI Light" panose="020B0502040204020203" pitchFamily="34" charset="0"/>
+                  <a:cs typeface="Segoe UI Light" panose="020B0502040204020203" pitchFamily="34" charset="0"/>
+                </a:defRPr>
+              </a:lvl1pPr>
+            </a:lstStyle>
+            <a:p>
+              <a:r>
+                <a:rPr lang="es-VE" sz="1400" dirty="0">
+                  <a:solidFill>
+                    <a:schemeClr val="bg2">
+                      <a:lumMod val="10000"/>
+                    </a:schemeClr>
+                  </a:solidFill>
+                </a:rPr>
+                <a:t>Aguas</a:t>
+              </a:r>
+              <a:r>
+                <a:rPr lang="en-US" sz="1400" dirty="0">
+                  <a:solidFill>
+                    <a:schemeClr val="bg2">
+                      <a:lumMod val="10000"/>
+                    </a:schemeClr>
+                  </a:solidFill>
+                </a:rPr>
+                <a:t> arriba</a:t>
+              </a:r>
+              <a:r>
+                <a:rPr lang="en-US" sz="1400" baseline="-25000" dirty="0">
+                  <a:solidFill>
+                    <a:schemeClr val="bg2">
+                      <a:lumMod val="10000"/>
+                    </a:schemeClr>
+                  </a:solidFill>
+                </a:rPr>
+                <a:t> </a:t>
+              </a:r>
+              <a:endParaRPr lang="en-US" sz="1200" baseline="-25000" dirty="0">
+                <a:solidFill>
+                  <a:schemeClr val="bg2">
+                    <a:lumMod val="10000"/>
+                  </a:schemeClr>
+                </a:solidFill>
+              </a:endParaRPr>
+            </a:p>
+          </p:txBody>
+        </p:sp>
+        <p:sp>
+          <p:nvSpPr>
+            <p:cNvPr id="9" name="CuadroTexto 8">
+              <a:extLst>
+                <a:ext uri="{FF2B5EF4-FFF2-40B4-BE49-F238E27FC236}">
+                  <a16:creationId xmlns:a16="http://schemas.microsoft.com/office/drawing/2014/main" id="{CA5B9424-C0CE-F0C1-8A98-1D9A600F8524}"/>
+                </a:ext>
+              </a:extLst>
+            </p:cNvPr>
+            <p:cNvSpPr txBox="1"/>
+            <p:nvPr/>
+          </p:nvSpPr>
+          <p:spPr>
+            <a:xfrm>
+              <a:off x="9290389" y="285172"/>
+              <a:ext cx="1301750" cy="307777"/>
+            </a:xfrm>
+            <a:prstGeom prst="rect">
+              <a:avLst/>
+            </a:prstGeom>
+            <a:noFill/>
+          </p:spPr>
+          <p:txBody>
+            <a:bodyPr wrap="square" rtlCol="0">
+              <a:spAutoFit/>
+            </a:bodyPr>
+            <a:lstStyle>
+              <a:defPPr>
+                <a:defRPr lang="en-US"/>
+              </a:defPPr>
+              <a:lvl1pPr algn="ctr">
+                <a:defRPr sz="1100" b="1">
+                  <a:solidFill>
+                    <a:schemeClr val="bg2">
+                      <a:lumMod val="25000"/>
+                    </a:schemeClr>
+                  </a:solidFill>
+                  <a:latin typeface="Segoe UI Light" panose="020B0502040204020203" pitchFamily="34" charset="0"/>
+                  <a:cs typeface="Segoe UI Light" panose="020B0502040204020203" pitchFamily="34" charset="0"/>
+                </a:defRPr>
+              </a:lvl1pPr>
+            </a:lstStyle>
+            <a:p>
+              <a:r>
+                <a:rPr lang="es-VE" sz="1400" dirty="0">
+                  <a:solidFill>
+                    <a:schemeClr val="bg2">
+                      <a:lumMod val="10000"/>
+                    </a:schemeClr>
+                  </a:solidFill>
+                </a:rPr>
+                <a:t>Aguas</a:t>
+              </a:r>
+              <a:r>
+                <a:rPr lang="en-US" sz="1400" dirty="0">
+                  <a:solidFill>
+                    <a:schemeClr val="bg2">
+                      <a:lumMod val="10000"/>
+                    </a:schemeClr>
+                  </a:solidFill>
+                </a:rPr>
+                <a:t> </a:t>
+              </a:r>
+              <a:r>
+                <a:rPr lang="es-VE" sz="1400" dirty="0">
+                  <a:solidFill>
+                    <a:schemeClr val="bg2">
+                      <a:lumMod val="10000"/>
+                    </a:schemeClr>
+                  </a:solidFill>
+                </a:rPr>
+                <a:t>abajo</a:t>
+              </a:r>
+              <a:r>
+                <a:rPr lang="en-US" sz="1400" baseline="-25000" dirty="0">
+                  <a:solidFill>
+                    <a:schemeClr val="bg2">
+                      <a:lumMod val="10000"/>
+                    </a:schemeClr>
+                  </a:solidFill>
+                </a:rPr>
+                <a:t> </a:t>
+              </a:r>
+              <a:endParaRPr lang="en-US" sz="1200" baseline="-25000" dirty="0">
+                <a:solidFill>
+                  <a:schemeClr val="bg2">
+                    <a:lumMod val="10000"/>
+                  </a:schemeClr>
+                </a:solidFill>
+              </a:endParaRPr>
+            </a:p>
+          </p:txBody>
+        </p:sp>
+        <p:sp>
+          <p:nvSpPr>
+            <p:cNvPr id="17" name="CuadroTexto 16">
+              <a:extLst>
+                <a:ext uri="{FF2B5EF4-FFF2-40B4-BE49-F238E27FC236}">
+                  <a16:creationId xmlns:a16="http://schemas.microsoft.com/office/drawing/2014/main" id="{5FEF650D-4B30-5DAB-1CBD-ED4F91543F25}"/>
+                </a:ext>
+              </a:extLst>
+            </p:cNvPr>
+            <p:cNvSpPr txBox="1"/>
+            <p:nvPr/>
+          </p:nvSpPr>
+          <p:spPr>
+            <a:xfrm>
+              <a:off x="557213" y="2477703"/>
+              <a:ext cx="1511940" cy="338554"/>
+            </a:xfrm>
+            <a:prstGeom prst="rect">
+              <a:avLst/>
+            </a:prstGeom>
+            <a:noFill/>
+          </p:spPr>
+          <p:txBody>
+            <a:bodyPr wrap="square" rtlCol="0">
+              <a:spAutoFit/>
+            </a:bodyPr>
+            <a:lstStyle>
+              <a:defPPr>
+                <a:defRPr lang="en-US"/>
+              </a:defPPr>
+              <a:lvl1pPr algn="ctr">
+                <a:defRPr sz="1100" b="1">
+                  <a:solidFill>
+                    <a:schemeClr val="bg2">
+                      <a:lumMod val="25000"/>
+                    </a:schemeClr>
+                  </a:solidFill>
+                  <a:latin typeface="Segoe UI Light" panose="020B0502040204020203" pitchFamily="34" charset="0"/>
+                  <a:cs typeface="Segoe UI Light" panose="020B0502040204020203" pitchFamily="34" charset="0"/>
+                </a:defRPr>
+              </a:lvl1pPr>
+            </a:lstStyle>
+            <a:p>
+              <a:r>
+                <a:rPr lang="es-VE" sz="1600" dirty="0">
+                  <a:solidFill>
+                    <a:schemeClr val="bg2">
+                      <a:lumMod val="10000"/>
+                    </a:schemeClr>
+                  </a:solidFill>
+                </a:rPr>
+                <a:t>Caudal sólido</a:t>
+              </a:r>
+              <a:endParaRPr lang="es-VE" sz="1400" baseline="-25000" dirty="0">
+                <a:solidFill>
+                  <a:schemeClr val="bg2">
+                    <a:lumMod val="10000"/>
+                  </a:schemeClr>
+                </a:solidFill>
+              </a:endParaRPr>
+            </a:p>
+          </p:txBody>
+        </p:sp>
+        <p:cxnSp>
+          <p:nvCxnSpPr>
+            <p:cNvPr id="39" name="Conector recto 38">
+              <a:extLst>
+                <a:ext uri="{FF2B5EF4-FFF2-40B4-BE49-F238E27FC236}">
+                  <a16:creationId xmlns:a16="http://schemas.microsoft.com/office/drawing/2014/main" id="{C00A1D55-8376-A1B5-EEC6-E7F1D7F7B8F6}"/>
+                </a:ext>
+              </a:extLst>
+            </p:cNvPr>
+            <p:cNvCxnSpPr>
+              <a:cxnSpLocks/>
+            </p:cNvCxnSpPr>
+            <p:nvPr/>
+          </p:nvCxnSpPr>
+          <p:spPr>
+            <a:xfrm flipV="1">
+              <a:off x="2273043" y="727221"/>
+              <a:ext cx="0" cy="2659625"/>
+            </a:xfrm>
+            <a:prstGeom prst="line">
+              <a:avLst/>
+            </a:prstGeom>
+            <a:ln w="19050">
+              <a:solidFill>
+                <a:schemeClr val="bg2">
+                  <a:lumMod val="50000"/>
+                </a:schemeClr>
+              </a:solidFill>
+              <a:prstDash val="lgDash"/>
+            </a:ln>
+          </p:spPr>
+          <p:style>
+            <a:lnRef idx="1">
+              <a:schemeClr val="accent1"/>
+            </a:lnRef>
+            <a:fillRef idx="0">
+              <a:schemeClr val="accent1"/>
+            </a:fillRef>
+            <a:effectRef idx="0">
+              <a:schemeClr val="accent1"/>
+            </a:effectRef>
+            <a:fontRef idx="minor">
+              <a:schemeClr val="tx1"/>
+            </a:fontRef>
+          </p:style>
+        </p:cxnSp>
+        <p:cxnSp>
+          <p:nvCxnSpPr>
+            <p:cNvPr id="69" name="Conector recto 68">
+              <a:extLst>
+                <a:ext uri="{FF2B5EF4-FFF2-40B4-BE49-F238E27FC236}">
+                  <a16:creationId xmlns:a16="http://schemas.microsoft.com/office/drawing/2014/main" id="{214B5435-147F-9E6D-F1A1-70DD956F16FB}"/>
+                </a:ext>
+              </a:extLst>
+            </p:cNvPr>
+            <p:cNvCxnSpPr>
+              <a:cxnSpLocks/>
+            </p:cNvCxnSpPr>
+            <p:nvPr/>
+          </p:nvCxnSpPr>
+          <p:spPr>
+            <a:xfrm flipV="1">
+              <a:off x="3232904" y="727221"/>
+              <a:ext cx="0" cy="2659625"/>
+            </a:xfrm>
+            <a:prstGeom prst="line">
+              <a:avLst/>
+            </a:prstGeom>
+            <a:ln w="19050">
+              <a:solidFill>
+                <a:schemeClr val="bg2">
+                  <a:lumMod val="50000"/>
+                </a:schemeClr>
+              </a:solidFill>
+              <a:prstDash val="lgDash"/>
+            </a:ln>
+          </p:spPr>
+          <p:style>
+            <a:lnRef idx="1">
+              <a:schemeClr val="accent1"/>
+            </a:lnRef>
+            <a:fillRef idx="0">
+              <a:schemeClr val="accent1"/>
+            </a:fillRef>
+            <a:effectRef idx="0">
+              <a:schemeClr val="accent1"/>
+            </a:effectRef>
+            <a:fontRef idx="minor">
+              <a:schemeClr val="tx1"/>
+            </a:fontRef>
+          </p:style>
+        </p:cxnSp>
+        <p:cxnSp>
+          <p:nvCxnSpPr>
+            <p:cNvPr id="70" name="Conector recto 69">
+              <a:extLst>
+                <a:ext uri="{FF2B5EF4-FFF2-40B4-BE49-F238E27FC236}">
+                  <a16:creationId xmlns:a16="http://schemas.microsoft.com/office/drawing/2014/main" id="{A77C7ED3-E514-0279-D831-DCFABF94C740}"/>
+                </a:ext>
+              </a:extLst>
+            </p:cNvPr>
+            <p:cNvCxnSpPr>
+              <a:cxnSpLocks/>
+            </p:cNvCxnSpPr>
+            <p:nvPr/>
+          </p:nvCxnSpPr>
+          <p:spPr>
+            <a:xfrm flipV="1">
+              <a:off x="9951928" y="727221"/>
+              <a:ext cx="0" cy="2659625"/>
+            </a:xfrm>
+            <a:prstGeom prst="line">
+              <a:avLst/>
+            </a:prstGeom>
+            <a:ln w="19050">
+              <a:solidFill>
+                <a:schemeClr val="bg2">
+                  <a:lumMod val="50000"/>
+                </a:schemeClr>
+              </a:solidFill>
+              <a:prstDash val="lgDash"/>
+            </a:ln>
+          </p:spPr>
+          <p:style>
+            <a:lnRef idx="1">
+              <a:schemeClr val="accent1"/>
+            </a:lnRef>
+            <a:fillRef idx="0">
+              <a:schemeClr val="accent1"/>
+            </a:fillRef>
+            <a:effectRef idx="0">
+              <a:schemeClr val="accent1"/>
+            </a:effectRef>
+            <a:fontRef idx="minor">
+              <a:schemeClr val="tx1"/>
+            </a:fontRef>
+          </p:style>
+        </p:cxnSp>
+        <p:cxnSp>
+          <p:nvCxnSpPr>
+            <p:cNvPr id="71" name="Conector recto 70">
+              <a:extLst>
+                <a:ext uri="{FF2B5EF4-FFF2-40B4-BE49-F238E27FC236}">
+                  <a16:creationId xmlns:a16="http://schemas.microsoft.com/office/drawing/2014/main" id="{7271969A-CC15-004D-1946-CB34A4D33BCD}"/>
+                </a:ext>
+              </a:extLst>
+            </p:cNvPr>
+            <p:cNvCxnSpPr>
+              <a:cxnSpLocks/>
+            </p:cNvCxnSpPr>
+            <p:nvPr/>
+          </p:nvCxnSpPr>
+          <p:spPr>
+            <a:xfrm flipV="1">
+              <a:off x="4192765" y="727221"/>
+              <a:ext cx="0" cy="2659625"/>
+            </a:xfrm>
+            <a:prstGeom prst="line">
+              <a:avLst/>
+            </a:prstGeom>
+            <a:ln w="19050">
+              <a:solidFill>
+                <a:schemeClr val="bg2">
+                  <a:lumMod val="50000"/>
+                </a:schemeClr>
+              </a:solidFill>
+              <a:prstDash val="lgDash"/>
+            </a:ln>
+          </p:spPr>
+          <p:style>
+            <a:lnRef idx="1">
+              <a:schemeClr val="accent1"/>
+            </a:lnRef>
+            <a:fillRef idx="0">
+              <a:schemeClr val="accent1"/>
+            </a:fillRef>
+            <a:effectRef idx="0">
+              <a:schemeClr val="accent1"/>
+            </a:effectRef>
+            <a:fontRef idx="minor">
+              <a:schemeClr val="tx1"/>
+            </a:fontRef>
+          </p:style>
+        </p:cxnSp>
+        <p:cxnSp>
+          <p:nvCxnSpPr>
+            <p:cNvPr id="72" name="Conector recto 71">
+              <a:extLst>
+                <a:ext uri="{FF2B5EF4-FFF2-40B4-BE49-F238E27FC236}">
+                  <a16:creationId xmlns:a16="http://schemas.microsoft.com/office/drawing/2014/main" id="{5A5132C0-81E6-8249-00E3-71D6EC33BB72}"/>
+                </a:ext>
+              </a:extLst>
+            </p:cNvPr>
+            <p:cNvCxnSpPr>
+              <a:cxnSpLocks/>
+            </p:cNvCxnSpPr>
+            <p:nvPr/>
+          </p:nvCxnSpPr>
+          <p:spPr>
+            <a:xfrm flipV="1">
+              <a:off x="5152626" y="727221"/>
+              <a:ext cx="0" cy="2659625"/>
+            </a:xfrm>
+            <a:prstGeom prst="line">
+              <a:avLst/>
+            </a:prstGeom>
+            <a:ln w="19050">
+              <a:solidFill>
+                <a:schemeClr val="bg2">
+                  <a:lumMod val="50000"/>
+                </a:schemeClr>
+              </a:solidFill>
+              <a:prstDash val="lgDash"/>
+            </a:ln>
+          </p:spPr>
+          <p:style>
+            <a:lnRef idx="1">
+              <a:schemeClr val="accent1"/>
+            </a:lnRef>
+            <a:fillRef idx="0">
+              <a:schemeClr val="accent1"/>
+            </a:fillRef>
+            <a:effectRef idx="0">
+              <a:schemeClr val="accent1"/>
+            </a:effectRef>
+            <a:fontRef idx="minor">
+              <a:schemeClr val="tx1"/>
+            </a:fontRef>
+          </p:style>
+        </p:cxnSp>
+        <p:cxnSp>
+          <p:nvCxnSpPr>
+            <p:cNvPr id="73" name="Conector recto 72">
+              <a:extLst>
+                <a:ext uri="{FF2B5EF4-FFF2-40B4-BE49-F238E27FC236}">
+                  <a16:creationId xmlns:a16="http://schemas.microsoft.com/office/drawing/2014/main" id="{253EA7CB-1391-5AB5-2A2D-8B5BF2571195}"/>
+                </a:ext>
+              </a:extLst>
+            </p:cNvPr>
+            <p:cNvCxnSpPr>
+              <a:cxnSpLocks/>
+            </p:cNvCxnSpPr>
+            <p:nvPr/>
+          </p:nvCxnSpPr>
+          <p:spPr>
+            <a:xfrm flipV="1">
+              <a:off x="6112487" y="727221"/>
+              <a:ext cx="0" cy="2659625"/>
+            </a:xfrm>
+            <a:prstGeom prst="line">
+              <a:avLst/>
+            </a:prstGeom>
+            <a:ln w="19050">
+              <a:solidFill>
+                <a:schemeClr val="bg2">
+                  <a:lumMod val="50000"/>
+                </a:schemeClr>
+              </a:solidFill>
+              <a:prstDash val="lgDash"/>
+            </a:ln>
+          </p:spPr>
+          <p:style>
+            <a:lnRef idx="1">
+              <a:schemeClr val="accent1"/>
+            </a:lnRef>
+            <a:fillRef idx="0">
+              <a:schemeClr val="accent1"/>
+            </a:fillRef>
+            <a:effectRef idx="0">
+              <a:schemeClr val="accent1"/>
+            </a:effectRef>
+            <a:fontRef idx="minor">
+              <a:schemeClr val="tx1"/>
+            </a:fontRef>
+          </p:style>
+        </p:cxnSp>
+        <p:cxnSp>
+          <p:nvCxnSpPr>
+            <p:cNvPr id="74" name="Conector recto 73">
+              <a:extLst>
+                <a:ext uri="{FF2B5EF4-FFF2-40B4-BE49-F238E27FC236}">
+                  <a16:creationId xmlns:a16="http://schemas.microsoft.com/office/drawing/2014/main" id="{7225A386-EE50-4820-14B8-8F138A05F1B1}"/>
+                </a:ext>
+              </a:extLst>
+            </p:cNvPr>
+            <p:cNvCxnSpPr>
+              <a:cxnSpLocks/>
+            </p:cNvCxnSpPr>
+            <p:nvPr/>
+          </p:nvCxnSpPr>
+          <p:spPr>
+            <a:xfrm flipV="1">
+              <a:off x="8992070" y="727221"/>
+              <a:ext cx="0" cy="2659625"/>
+            </a:xfrm>
+            <a:prstGeom prst="line">
+              <a:avLst/>
+            </a:prstGeom>
+            <a:ln w="19050">
+              <a:solidFill>
+                <a:schemeClr val="bg2">
+                  <a:lumMod val="50000"/>
+                </a:schemeClr>
+              </a:solidFill>
+              <a:prstDash val="lgDash"/>
+            </a:ln>
+          </p:spPr>
+          <p:style>
+            <a:lnRef idx="1">
+              <a:schemeClr val="accent1"/>
+            </a:lnRef>
+            <a:fillRef idx="0">
+              <a:schemeClr val="accent1"/>
+            </a:fillRef>
+            <a:effectRef idx="0">
+              <a:schemeClr val="accent1"/>
+            </a:effectRef>
+            <a:fontRef idx="minor">
+              <a:schemeClr val="tx1"/>
+            </a:fontRef>
+          </p:style>
+        </p:cxnSp>
+        <p:cxnSp>
+          <p:nvCxnSpPr>
+            <p:cNvPr id="75" name="Conector recto 74">
+              <a:extLst>
+                <a:ext uri="{FF2B5EF4-FFF2-40B4-BE49-F238E27FC236}">
+                  <a16:creationId xmlns:a16="http://schemas.microsoft.com/office/drawing/2014/main" id="{1050F6C7-BFAD-836A-76D2-9327A9619E7E}"/>
+                </a:ext>
+              </a:extLst>
+            </p:cNvPr>
+            <p:cNvCxnSpPr>
+              <a:cxnSpLocks/>
+            </p:cNvCxnSpPr>
+            <p:nvPr/>
+          </p:nvCxnSpPr>
+          <p:spPr>
+            <a:xfrm flipV="1">
+              <a:off x="7072348" y="727221"/>
+              <a:ext cx="0" cy="2659625"/>
+            </a:xfrm>
+            <a:prstGeom prst="line">
+              <a:avLst/>
+            </a:prstGeom>
+            <a:ln w="19050">
+              <a:solidFill>
+                <a:schemeClr val="bg2">
+                  <a:lumMod val="50000"/>
+                </a:schemeClr>
+              </a:solidFill>
+              <a:prstDash val="lgDash"/>
+            </a:ln>
+          </p:spPr>
+          <p:style>
+            <a:lnRef idx="1">
+              <a:schemeClr val="accent1"/>
+            </a:lnRef>
+            <a:fillRef idx="0">
+              <a:schemeClr val="accent1"/>
+            </a:fillRef>
+            <a:effectRef idx="0">
+              <a:schemeClr val="accent1"/>
+            </a:effectRef>
+            <a:fontRef idx="minor">
+              <a:schemeClr val="tx1"/>
+            </a:fontRef>
+          </p:style>
+        </p:cxnSp>
+        <p:cxnSp>
+          <p:nvCxnSpPr>
+            <p:cNvPr id="76" name="Conector recto 75">
+              <a:extLst>
+                <a:ext uri="{FF2B5EF4-FFF2-40B4-BE49-F238E27FC236}">
+                  <a16:creationId xmlns:a16="http://schemas.microsoft.com/office/drawing/2014/main" id="{9F31E19C-138D-3FCF-E872-114EE52FB053}"/>
+                </a:ext>
+              </a:extLst>
+            </p:cNvPr>
+            <p:cNvCxnSpPr>
+              <a:cxnSpLocks/>
+            </p:cNvCxnSpPr>
+            <p:nvPr/>
+          </p:nvCxnSpPr>
+          <p:spPr>
+            <a:xfrm flipV="1">
+              <a:off x="8032209" y="727221"/>
+              <a:ext cx="0" cy="2659625"/>
+            </a:xfrm>
+            <a:prstGeom prst="line">
+              <a:avLst/>
+            </a:prstGeom>
+            <a:ln w="19050">
+              <a:solidFill>
+                <a:schemeClr val="bg2">
+                  <a:lumMod val="50000"/>
+                </a:schemeClr>
+              </a:solidFill>
+              <a:prstDash val="lgDash"/>
+            </a:ln>
+          </p:spPr>
+          <p:style>
+            <a:lnRef idx="1">
+              <a:schemeClr val="accent1"/>
+            </a:lnRef>
+            <a:fillRef idx="0">
+              <a:schemeClr val="accent1"/>
+            </a:fillRef>
+            <a:effectRef idx="0">
+              <a:schemeClr val="accent1"/>
+            </a:effectRef>
+            <a:fontRef idx="minor">
+              <a:schemeClr val="tx1"/>
+            </a:fontRef>
+          </p:style>
+        </p:cxnSp>
+        <p:cxnSp>
+          <p:nvCxnSpPr>
+            <p:cNvPr id="2" name="Conector recto de flecha 1">
+              <a:extLst>
+                <a:ext uri="{FF2B5EF4-FFF2-40B4-BE49-F238E27FC236}">
+                  <a16:creationId xmlns:a16="http://schemas.microsoft.com/office/drawing/2014/main" id="{819B70ED-453D-BD20-2D77-8F97CC52C0F8}"/>
+                </a:ext>
+              </a:extLst>
+            </p:cNvPr>
+            <p:cNvCxnSpPr>
+              <a:cxnSpLocks/>
+            </p:cNvCxnSpPr>
+            <p:nvPr/>
+          </p:nvCxnSpPr>
+          <p:spPr>
+            <a:xfrm>
+              <a:off x="1671948" y="1502694"/>
+              <a:ext cx="852643" cy="102896"/>
+            </a:xfrm>
+            <a:prstGeom prst="straightConnector1">
+              <a:avLst/>
+            </a:prstGeom>
+            <a:ln w="57150">
+              <a:solidFill>
+                <a:schemeClr val="bg2">
+                  <a:lumMod val="25000"/>
+                </a:schemeClr>
+              </a:solidFill>
+              <a:tailEnd type="triangle"/>
+            </a:ln>
+          </p:spPr>
+          <p:style>
+            <a:lnRef idx="1">
+              <a:schemeClr val="accent3"/>
+            </a:lnRef>
+            <a:fillRef idx="0">
+              <a:schemeClr val="accent3"/>
+            </a:fillRef>
+            <a:effectRef idx="0">
+              <a:schemeClr val="accent3"/>
+            </a:effectRef>
+            <a:fontRef idx="minor">
+              <a:schemeClr val="tx1"/>
+            </a:fontRef>
+          </p:style>
+        </p:cxnSp>
+        <p:cxnSp>
+          <p:nvCxnSpPr>
+            <p:cNvPr id="82" name="Conector recto 81">
+              <a:extLst>
+                <a:ext uri="{FF2B5EF4-FFF2-40B4-BE49-F238E27FC236}">
+                  <a16:creationId xmlns:a16="http://schemas.microsoft.com/office/drawing/2014/main" id="{82ED5580-5759-6AC9-C884-CF233B396F4C}"/>
+                </a:ext>
+              </a:extLst>
+            </p:cNvPr>
+            <p:cNvCxnSpPr>
+              <a:cxnSpLocks/>
+            </p:cNvCxnSpPr>
+            <p:nvPr/>
+          </p:nvCxnSpPr>
+          <p:spPr>
+            <a:xfrm flipH="1" flipV="1">
+              <a:off x="1297625" y="2816257"/>
+              <a:ext cx="865323" cy="692256"/>
+            </a:xfrm>
+            <a:prstGeom prst="line">
+              <a:avLst/>
+            </a:prstGeom>
+            <a:ln w="9525">
+              <a:solidFill>
+                <a:schemeClr val="tx1">
+                  <a:lumMod val="65000"/>
+                  <a:lumOff val="35000"/>
+                </a:schemeClr>
+              </a:solidFill>
+              <a:headEnd type="triangle" w="med" len="med"/>
+              <a:tailEnd type="none" w="med" len="med"/>
+            </a:ln>
+          </p:spPr>
+          <p:style>
+            <a:lnRef idx="1">
+              <a:schemeClr val="dk1"/>
+            </a:lnRef>
+            <a:fillRef idx="0">
+              <a:schemeClr val="dk1"/>
+            </a:fillRef>
+            <a:effectRef idx="0">
+              <a:schemeClr val="dk1"/>
+            </a:effectRef>
+            <a:fontRef idx="minor">
+              <a:schemeClr val="tx1"/>
+            </a:fontRef>
+          </p:style>
+        </p:cxnSp>
+        <p:cxnSp>
+          <p:nvCxnSpPr>
+            <p:cNvPr id="87" name="Conector recto 86">
+              <a:extLst>
+                <a:ext uri="{FF2B5EF4-FFF2-40B4-BE49-F238E27FC236}">
+                  <a16:creationId xmlns:a16="http://schemas.microsoft.com/office/drawing/2014/main" id="{C0D2ECFE-A562-9C3A-3590-57B91F5E56FB}"/>
+                </a:ext>
+              </a:extLst>
+            </p:cNvPr>
+            <p:cNvCxnSpPr>
+              <a:cxnSpLocks/>
+            </p:cNvCxnSpPr>
+            <p:nvPr/>
+          </p:nvCxnSpPr>
+          <p:spPr>
+            <a:xfrm>
+              <a:off x="2254139" y="1036874"/>
+              <a:ext cx="7687125" cy="526090"/>
+            </a:xfrm>
+            <a:prstGeom prst="line">
+              <a:avLst/>
+            </a:prstGeom>
+            <a:ln w="12700"/>
+          </p:spPr>
+          <p:style>
+            <a:lnRef idx="1">
+              <a:schemeClr val="dk1"/>
+            </a:lnRef>
+            <a:fillRef idx="0">
+              <a:schemeClr val="dk1"/>
+            </a:fillRef>
+            <a:effectRef idx="0">
+              <a:schemeClr val="dk1"/>
+            </a:effectRef>
+            <a:fontRef idx="minor">
+              <a:schemeClr val="tx1"/>
+            </a:fontRef>
+          </p:style>
+        </p:cxnSp>
+        <p:sp>
+          <p:nvSpPr>
+            <p:cNvPr id="90" name="Triángulo isósceles 89">
+              <a:extLst>
+                <a:ext uri="{FF2B5EF4-FFF2-40B4-BE49-F238E27FC236}">
+                  <a16:creationId xmlns:a16="http://schemas.microsoft.com/office/drawing/2014/main" id="{692A4CA6-8DAC-3792-1BB5-C606598BBC4F}"/>
+                </a:ext>
+              </a:extLst>
+            </p:cNvPr>
+            <p:cNvSpPr/>
+            <p:nvPr/>
+          </p:nvSpPr>
+          <p:spPr>
+            <a:xfrm rot="10800000">
+              <a:off x="3723419" y="956838"/>
+              <a:ext cx="324378" cy="160072"/>
+            </a:xfrm>
+            <a:prstGeom prst="triangle">
+              <a:avLst/>
+            </a:prstGeom>
+            <a:ln w="12700"/>
+          </p:spPr>
+          <p:style>
+            <a:lnRef idx="1">
+              <a:schemeClr val="dk1"/>
+            </a:lnRef>
+            <a:fillRef idx="0">
+              <a:schemeClr val="dk1"/>
+            </a:fillRef>
+            <a:effectRef idx="0">
+              <a:schemeClr val="dk1"/>
+            </a:effectRef>
+            <a:fontRef idx="minor">
+              <a:schemeClr val="tx1"/>
+            </a:fontRef>
+          </p:style>
+          <p:txBody>
+            <a:bodyPr rtlCol="0" anchor="ctr"/>
+            <a:lstStyle/>
+            <a:p>
+              <a:pPr algn="ctr"/>
+              <a:endParaRPr lang="en-US" dirty="0"/>
+            </a:p>
+          </p:txBody>
+        </p:sp>
+        <p:cxnSp>
+          <p:nvCxnSpPr>
+            <p:cNvPr id="91" name="Conector recto 90">
+              <a:extLst>
+                <a:ext uri="{FF2B5EF4-FFF2-40B4-BE49-F238E27FC236}">
+                  <a16:creationId xmlns:a16="http://schemas.microsoft.com/office/drawing/2014/main" id="{E2DB5B40-9921-A742-07B4-340C588998E4}"/>
+                </a:ext>
+              </a:extLst>
+            </p:cNvPr>
+            <p:cNvCxnSpPr>
+              <a:cxnSpLocks/>
+            </p:cNvCxnSpPr>
+            <p:nvPr/>
+          </p:nvCxnSpPr>
+          <p:spPr>
+            <a:xfrm>
+              <a:off x="3748443" y="1165364"/>
+              <a:ext cx="274330" cy="0"/>
+            </a:xfrm>
+            <a:prstGeom prst="line">
+              <a:avLst/>
+            </a:prstGeom>
+            <a:ln w="12700"/>
+          </p:spPr>
+          <p:style>
+            <a:lnRef idx="1">
+              <a:schemeClr val="dk1"/>
+            </a:lnRef>
+            <a:fillRef idx="0">
+              <a:schemeClr val="dk1"/>
+            </a:fillRef>
+            <a:effectRef idx="0">
+              <a:schemeClr val="dk1"/>
+            </a:effectRef>
+            <a:fontRef idx="minor">
+              <a:schemeClr val="tx1"/>
+            </a:fontRef>
+          </p:style>
+        </p:cxnSp>
+        <p:cxnSp>
+          <p:nvCxnSpPr>
+            <p:cNvPr id="92" name="Conector recto 91">
+              <a:extLst>
+                <a:ext uri="{FF2B5EF4-FFF2-40B4-BE49-F238E27FC236}">
+                  <a16:creationId xmlns:a16="http://schemas.microsoft.com/office/drawing/2014/main" id="{5FCFC718-E9CA-9A0F-0B96-6B86024EB15D}"/>
+                </a:ext>
+              </a:extLst>
+            </p:cNvPr>
+            <p:cNvCxnSpPr>
+              <a:cxnSpLocks/>
+            </p:cNvCxnSpPr>
+            <p:nvPr/>
+          </p:nvCxnSpPr>
+          <p:spPr>
+            <a:xfrm>
+              <a:off x="3807415" y="1233944"/>
+              <a:ext cx="156387" cy="0"/>
+            </a:xfrm>
+            <a:prstGeom prst="line">
+              <a:avLst/>
+            </a:prstGeom>
+            <a:ln w="12700"/>
+          </p:spPr>
+          <p:style>
+            <a:lnRef idx="1">
+              <a:schemeClr val="dk1"/>
+            </a:lnRef>
+            <a:fillRef idx="0">
+              <a:schemeClr val="dk1"/>
+            </a:fillRef>
+            <a:effectRef idx="0">
+              <a:schemeClr val="dk1"/>
+            </a:effectRef>
+            <a:fontRef idx="minor">
+              <a:schemeClr val="tx1"/>
+            </a:fontRef>
+          </p:style>
+        </p:cxnSp>
+        <p:cxnSp>
+          <p:nvCxnSpPr>
+            <p:cNvPr id="93" name="Conector recto 92">
+              <a:extLst>
+                <a:ext uri="{FF2B5EF4-FFF2-40B4-BE49-F238E27FC236}">
+                  <a16:creationId xmlns:a16="http://schemas.microsoft.com/office/drawing/2014/main" id="{8A06AE8C-F159-58EC-ABB1-4ECAEDCFCA21}"/>
+                </a:ext>
+              </a:extLst>
+            </p:cNvPr>
+            <p:cNvCxnSpPr>
+              <a:cxnSpLocks/>
+            </p:cNvCxnSpPr>
+            <p:nvPr/>
+          </p:nvCxnSpPr>
+          <p:spPr>
+            <a:xfrm>
+              <a:off x="3839883" y="1302524"/>
+              <a:ext cx="91450" cy="0"/>
+            </a:xfrm>
+            <a:prstGeom prst="line">
+              <a:avLst/>
+            </a:prstGeom>
+            <a:ln w="12700"/>
+          </p:spPr>
+          <p:style>
+            <a:lnRef idx="1">
+              <a:schemeClr val="dk1"/>
+            </a:lnRef>
+            <a:fillRef idx="0">
+              <a:schemeClr val="dk1"/>
+            </a:fillRef>
+            <a:effectRef idx="0">
+              <a:schemeClr val="dk1"/>
+            </a:effectRef>
+            <a:fontRef idx="minor">
+              <a:schemeClr val="tx1"/>
+            </a:fontRef>
+          </p:style>
+        </p:cxnSp>
+        <p:sp>
+          <p:nvSpPr>
+            <p:cNvPr id="14" name="CuadroTexto 13">
+              <a:extLst>
+                <a:ext uri="{FF2B5EF4-FFF2-40B4-BE49-F238E27FC236}">
+                  <a16:creationId xmlns:a16="http://schemas.microsoft.com/office/drawing/2014/main" id="{38653F60-EE39-5267-A7FC-4BCB2845669D}"/>
+                </a:ext>
+              </a:extLst>
+            </p:cNvPr>
+            <p:cNvSpPr txBox="1"/>
+            <p:nvPr/>
+          </p:nvSpPr>
+          <p:spPr>
+            <a:xfrm>
+              <a:off x="1324176" y="1957008"/>
+              <a:ext cx="1301750" cy="338554"/>
+            </a:xfrm>
+            <a:prstGeom prst="rect">
+              <a:avLst/>
+            </a:prstGeom>
+            <a:noFill/>
+          </p:spPr>
+          <p:txBody>
+            <a:bodyPr wrap="square" rtlCol="0">
+              <a:spAutoFit/>
+            </a:bodyPr>
+            <a:lstStyle>
+              <a:defPPr>
+                <a:defRPr lang="en-US"/>
+              </a:defPPr>
+              <a:lvl1pPr algn="ctr">
+                <a:defRPr sz="1100" b="1">
+                  <a:solidFill>
+                    <a:schemeClr val="bg2">
+                      <a:lumMod val="25000"/>
+                    </a:schemeClr>
+                  </a:solidFill>
+                  <a:latin typeface="Segoe UI Light" panose="020B0502040204020203" pitchFamily="34" charset="0"/>
+                  <a:cs typeface="Segoe UI Light" panose="020B0502040204020203" pitchFamily="34" charset="0"/>
+                </a:defRPr>
+              </a:lvl1pPr>
+            </a:lstStyle>
+            <a:p>
+              <a:r>
+                <a:rPr lang="en-US" sz="1600" dirty="0">
+                  <a:solidFill>
+                    <a:schemeClr val="bg2">
+                      <a:lumMod val="10000"/>
+                    </a:schemeClr>
+                  </a:solidFill>
+                </a:rPr>
+                <a:t>Q</a:t>
+              </a:r>
+              <a:r>
+                <a:rPr lang="en-US" sz="1600" baseline="-25000" dirty="0">
+                  <a:solidFill>
+                    <a:schemeClr val="bg2">
+                      <a:lumMod val="10000"/>
+                    </a:schemeClr>
+                  </a:solidFill>
+                </a:rPr>
+                <a:t>s </a:t>
+              </a:r>
+              <a:endParaRPr lang="en-US" sz="1400" baseline="-25000" dirty="0">
+                <a:solidFill>
+                  <a:schemeClr val="bg2">
+                    <a:lumMod val="10000"/>
+                  </a:schemeClr>
+                </a:solidFill>
+              </a:endParaRPr>
+            </a:p>
+          </p:txBody>
+        </p:sp>
+        <p:cxnSp>
+          <p:nvCxnSpPr>
+            <p:cNvPr id="15" name="Conector recto de flecha 14">
+              <a:extLst>
+                <a:ext uri="{FF2B5EF4-FFF2-40B4-BE49-F238E27FC236}">
+                  <a16:creationId xmlns:a16="http://schemas.microsoft.com/office/drawing/2014/main" id="{55C7CA3C-EFCC-CBBE-8D09-61DB668C3D01}"/>
+                </a:ext>
+              </a:extLst>
+            </p:cNvPr>
+            <p:cNvCxnSpPr>
+              <a:cxnSpLocks/>
+            </p:cNvCxnSpPr>
+            <p:nvPr/>
+          </p:nvCxnSpPr>
+          <p:spPr>
+            <a:xfrm>
+              <a:off x="1729399" y="2258696"/>
+              <a:ext cx="757461" cy="76643"/>
+            </a:xfrm>
+            <a:prstGeom prst="straightConnector1">
+              <a:avLst/>
+            </a:prstGeom>
+            <a:ln w="57150">
+              <a:solidFill>
+                <a:schemeClr val="bg2">
+                  <a:lumMod val="50000"/>
+                </a:schemeClr>
+              </a:solidFill>
+              <a:tailEnd type="triangle"/>
+            </a:ln>
+          </p:spPr>
+          <p:style>
+            <a:lnRef idx="1">
+              <a:schemeClr val="accent3"/>
+            </a:lnRef>
+            <a:fillRef idx="0">
+              <a:schemeClr val="accent3"/>
+            </a:fillRef>
+            <a:effectRef idx="0">
+              <a:schemeClr val="accent3"/>
+            </a:effectRef>
+            <a:fontRef idx="minor">
+              <a:schemeClr val="tx1"/>
+            </a:fontRef>
+          </p:style>
+        </p:cxnSp>
+        <p:pic>
+          <p:nvPicPr>
+            <p:cNvPr id="19" name="Imagen 18">
+              <a:extLst>
+                <a:ext uri="{FF2B5EF4-FFF2-40B4-BE49-F238E27FC236}">
+                  <a16:creationId xmlns:a16="http://schemas.microsoft.com/office/drawing/2014/main" id="{D8BF5521-7B79-1896-401B-69E8AF7CEF34}"/>
+                </a:ext>
+              </a:extLst>
+            </p:cNvPr>
+            <p:cNvPicPr>
+              <a:picLocks noChangeAspect="1"/>
+            </p:cNvPicPr>
+            <p:nvPr/>
+          </p:nvPicPr>
+          <p:blipFill>
+            <a:blip r:embed="rId3"/>
+            <a:stretch>
+              <a:fillRect/>
+            </a:stretch>
+          </p:blipFill>
+          <p:spPr>
+            <a:xfrm>
+              <a:off x="2347766" y="3607850"/>
+              <a:ext cx="5180862" cy="2997772"/>
+            </a:xfrm>
+            <a:prstGeom prst="rect">
+              <a:avLst/>
+            </a:prstGeom>
+          </p:spPr>
+        </p:pic>
+      </p:grpSp>
+    </p:spTree>
+    <p:extLst>
+      <p:ext uri="{BB962C8B-B14F-4D97-AF65-F5344CB8AC3E}">
+        <p14:creationId xmlns:p14="http://schemas.microsoft.com/office/powerpoint/2010/main" val="1565002480"/>
       </p:ext>
     </p:extLst>
   </p:cSld>
